--- a/presentations/pmReview.pptx
+++ b/presentations/pmReview.pptx
@@ -17,18 +17,18 @@
     <p:sldId id="290" r:id="rId8"/>
     <p:sldId id="303" r:id="rId9"/>
     <p:sldId id="260" r:id="rId10"/>
-    <p:sldId id="262" r:id="rId11"/>
-    <p:sldId id="295" r:id="rId12"/>
-    <p:sldId id="296" r:id="rId13"/>
-    <p:sldId id="298" r:id="rId14"/>
-    <p:sldId id="302" r:id="rId15"/>
-    <p:sldId id="299" r:id="rId16"/>
-    <p:sldId id="300" r:id="rId17"/>
-    <p:sldId id="294" r:id="rId18"/>
-    <p:sldId id="258" r:id="rId19"/>
-    <p:sldId id="304" r:id="rId20"/>
-    <p:sldId id="265" r:id="rId21"/>
-    <p:sldId id="267" r:id="rId22"/>
+    <p:sldId id="305" r:id="rId11"/>
+    <p:sldId id="262" r:id="rId12"/>
+    <p:sldId id="295" r:id="rId13"/>
+    <p:sldId id="296" r:id="rId14"/>
+    <p:sldId id="298" r:id="rId15"/>
+    <p:sldId id="302" r:id="rId16"/>
+    <p:sldId id="299" r:id="rId17"/>
+    <p:sldId id="300" r:id="rId18"/>
+    <p:sldId id="294" r:id="rId19"/>
+    <p:sldId id="258" r:id="rId20"/>
+    <p:sldId id="267" r:id="rId21"/>
+    <p:sldId id="265" r:id="rId22"/>
   </p:sldIdLst>
   <p:sldSz cx="12192000" cy="6858000"/>
   <p:notesSz cx="6858000" cy="9144000"/>
@@ -217,7 +217,7 @@
           <a:p>
             <a:fld id="{97E689DB-E864-433F-A480-18F2A5067647}" type="datetimeFigureOut">
               <a:rPr lang="en-SG" smtClean="0"/>
-              <a:t>28/9/2015</a:t>
+              <a:t>1/10/2015</a:t>
             </a:fld>
             <a:endParaRPr lang="en-SG"/>
           </a:p>
@@ -531,25 +531,8 @@
           <a:p>
             <a:r>
               <a:rPr lang="en-SG" dirty="0" smtClean="0"/>
-              <a:t>Current value for each metrics</a:t>
-            </a:r>
-          </a:p>
-          <a:p>
-            <a:r>
-              <a:rPr lang="en-SG" dirty="0" smtClean="0"/>
-              <a:t>	any action based on mitigation plan</a:t>
-            </a:r>
-          </a:p>
-          <a:p>
-            <a:r>
-              <a:rPr lang="en-SG" dirty="0" smtClean="0"/>
-              <a:t>https://docs.google.com/spreadsheets/d/1Sp80UyYZO_gT89sFfwVYJIofxsbHAiiVybEl8Qu1xrA/edit#gid=0</a:t>
-            </a:r>
-          </a:p>
-          <a:p>
-            <a:endParaRPr lang="en-SG" dirty="0" smtClean="0"/>
-          </a:p>
-          <a:p>
+              <a:t>No white font</a:t>
+            </a:r>
             <a:endParaRPr lang="en-SG" dirty="0"/>
           </a:p>
         </p:txBody>
@@ -571,7 +554,7 @@
           <a:p>
             <a:fld id="{4E0BC2EF-6510-4A42-9AB3-5612D5E407F3}" type="slidenum">
               <a:rPr lang="en-SG" smtClean="0"/>
-              <a:t>9</a:t>
+              <a:t>3</a:t>
             </a:fld>
             <a:endParaRPr lang="en-SG"/>
           </a:p>
@@ -580,7 +563,7 @@
     </p:spTree>
     <p:extLst>
       <p:ext uri="{BB962C8B-B14F-4D97-AF65-F5344CB8AC3E}">
-        <p14:creationId xmlns:p14="http://schemas.microsoft.com/office/powerpoint/2010/main" val="4162274269"/>
+        <p14:creationId xmlns:p14="http://schemas.microsoft.com/office/powerpoint/2010/main" val="788813906"/>
       </p:ext>
     </p:extLst>
   </p:cSld>
@@ -636,24 +619,8 @@
           <a:p>
             <a:r>
               <a:rPr lang="en-SG" dirty="0" smtClean="0"/>
-              <a:t>Rotation plan</a:t>
-            </a:r>
-          </a:p>
-          <a:p>
-            <a:r>
-              <a:rPr lang="en-SG" dirty="0" smtClean="0"/>
-              <a:t>	</a:t>
-            </a:r>
-            <a:r>
-              <a:rPr lang="en-SG" dirty="0" err="1" smtClean="0"/>
-              <a:t>wgich</a:t>
-            </a:r>
-            <a:r>
-              <a:rPr lang="en-SG" dirty="0" smtClean="0"/>
-              <a:t> pm which milestone</a:t>
-            </a:r>
-          </a:p>
-          <a:p>
+              <a:t>Numbers change black font</a:t>
+            </a:r>
             <a:endParaRPr lang="en-SG" dirty="0"/>
           </a:p>
         </p:txBody>
@@ -675,7 +642,7 @@
           <a:p>
             <a:fld id="{4E0BC2EF-6510-4A42-9AB3-5612D5E407F3}" type="slidenum">
               <a:rPr lang="en-SG" smtClean="0"/>
-              <a:t>10</a:t>
+              <a:t>5</a:t>
             </a:fld>
             <a:endParaRPr lang="en-SG"/>
           </a:p>
@@ -684,7 +651,7 @@
     </p:spTree>
     <p:extLst>
       <p:ext uri="{BB962C8B-B14F-4D97-AF65-F5344CB8AC3E}">
-        <p14:creationId xmlns:p14="http://schemas.microsoft.com/office/powerpoint/2010/main" val="1815594211"/>
+        <p14:creationId xmlns:p14="http://schemas.microsoft.com/office/powerpoint/2010/main" val="2877238352"/>
       </p:ext>
     </p:extLst>
   </p:cSld>
@@ -740,24 +707,16 @@
           <a:p>
             <a:r>
               <a:rPr lang="en-SG" dirty="0" smtClean="0"/>
-              <a:t>Rotation plan</a:t>
-            </a:r>
-          </a:p>
-          <a:p>
-            <a:r>
-              <a:rPr lang="en-SG" dirty="0" smtClean="0"/>
-              <a:t>	</a:t>
-            </a:r>
-            <a:r>
-              <a:rPr lang="en-SG" dirty="0" err="1" smtClean="0"/>
-              <a:t>wgich</a:t>
-            </a:r>
-            <a:r>
-              <a:rPr lang="en-SG" dirty="0" smtClean="0"/>
-              <a:t> pm which milestone</a:t>
-            </a:r>
-          </a:p>
-          <a:p>
+              <a:t>TEST</a:t>
+            </a:r>
+            <a:r>
+              <a:rPr lang="en-SG" baseline="0" dirty="0" smtClean="0"/>
+              <a:t> LOCALLY&gt;&gt; Integrate&gt;&gt; DEPLOY&gt;&gt; TEST on </a:t>
+            </a:r>
+            <a:r>
+              <a:rPr lang="en-SG" baseline="0" dirty="0" err="1" smtClean="0"/>
+              <a:t>openshift</a:t>
+            </a:r>
             <a:endParaRPr lang="en-SG" dirty="0"/>
           </a:p>
         </p:txBody>
@@ -779,7 +738,496 @@
           <a:p>
             <a:fld id="{4E0BC2EF-6510-4A42-9AB3-5612D5E407F3}" type="slidenum">
               <a:rPr lang="en-SG" smtClean="0"/>
-              <a:t>17</a:t>
+              <a:t>7</a:t>
+            </a:fld>
+            <a:endParaRPr lang="en-SG"/>
+          </a:p>
+        </p:txBody>
+      </p:sp>
+    </p:spTree>
+    <p:extLst>
+      <p:ext uri="{BB962C8B-B14F-4D97-AF65-F5344CB8AC3E}">
+        <p14:creationId xmlns:p14="http://schemas.microsoft.com/office/powerpoint/2010/main" val="284610971"/>
+      </p:ext>
+    </p:extLst>
+  </p:cSld>
+  <p:clrMapOvr>
+    <a:masterClrMapping/>
+  </p:clrMapOvr>
+</p:notes>
+</file>
+
+<file path=ppt/notesSlides/notesSlide4.xml><?xml version="1.0" encoding="utf-8"?>
+<p:notes xmlns:a="http://schemas.openxmlformats.org/drawingml/2006/main" xmlns:r="http://schemas.openxmlformats.org/officeDocument/2006/relationships" xmlns:p="http://schemas.openxmlformats.org/presentationml/2006/main">
+  <p:cSld>
+    <p:spTree>
+      <p:nvGrpSpPr>
+        <p:cNvPr id="1" name=""/>
+        <p:cNvGrpSpPr/>
+        <p:nvPr/>
+      </p:nvGrpSpPr>
+      <p:grpSpPr>
+        <a:xfrm>
+          <a:off x="0" y="0"/>
+          <a:ext cx="0" cy="0"/>
+          <a:chOff x="0" y="0"/>
+          <a:chExt cx="0" cy="0"/>
+        </a:xfrm>
+      </p:grpSpPr>
+      <p:sp>
+        <p:nvSpPr>
+          <p:cNvPr id="2" name="Slide Image Placeholder 1"/>
+          <p:cNvSpPr>
+            <a:spLocks noGrp="1" noRot="1" noChangeAspect="1"/>
+          </p:cNvSpPr>
+          <p:nvPr>
+            <p:ph type="sldImg"/>
+          </p:nvPr>
+        </p:nvSpPr>
+        <p:spPr/>
+      </p:sp>
+      <p:sp>
+        <p:nvSpPr>
+          <p:cNvPr id="3" name="Notes Placeholder 2"/>
+          <p:cNvSpPr>
+            <a:spLocks noGrp="1"/>
+          </p:cNvSpPr>
+          <p:nvPr>
+            <p:ph type="body" idx="1"/>
+          </p:nvPr>
+        </p:nvSpPr>
+        <p:spPr/>
+        <p:txBody>
+          <a:bodyPr/>
+          <a:lstStyle/>
+          <a:p>
+            <a:r>
+              <a:rPr lang="en-SG" dirty="0" smtClean="0"/>
+              <a:t>Current value for each metrics</a:t>
+            </a:r>
+          </a:p>
+          <a:p>
+            <a:r>
+              <a:rPr lang="en-SG" dirty="0" smtClean="0"/>
+              <a:t>	any action based on mitigation plan</a:t>
+            </a:r>
+          </a:p>
+          <a:p>
+            <a:r>
+              <a:rPr lang="en-SG" dirty="0" smtClean="0"/>
+              <a:t>https://docs.google.com/spreadsheets/d/1Sp80UyYZO_gT89sFfwVYJIofxsbHAiiVybEl8Qu1xrA/edit#gid=0</a:t>
+            </a:r>
+          </a:p>
+          <a:p>
+            <a:endParaRPr lang="en-SG" dirty="0" smtClean="0"/>
+          </a:p>
+          <a:p>
+            <a:endParaRPr lang="en-SG" dirty="0"/>
+          </a:p>
+        </p:txBody>
+      </p:sp>
+      <p:sp>
+        <p:nvSpPr>
+          <p:cNvPr id="4" name="Slide Number Placeholder 3"/>
+          <p:cNvSpPr>
+            <a:spLocks noGrp="1"/>
+          </p:cNvSpPr>
+          <p:nvPr>
+            <p:ph type="sldNum" sz="quarter" idx="10"/>
+          </p:nvPr>
+        </p:nvSpPr>
+        <p:spPr/>
+        <p:txBody>
+          <a:bodyPr/>
+          <a:lstStyle/>
+          <a:p>
+            <a:fld id="{4E0BC2EF-6510-4A42-9AB3-5612D5E407F3}" type="slidenum">
+              <a:rPr lang="en-SG" smtClean="0"/>
+              <a:t>9</a:t>
+            </a:fld>
+            <a:endParaRPr lang="en-SG"/>
+          </a:p>
+        </p:txBody>
+      </p:sp>
+    </p:spTree>
+    <p:extLst>
+      <p:ext uri="{BB962C8B-B14F-4D97-AF65-F5344CB8AC3E}">
+        <p14:creationId xmlns:p14="http://schemas.microsoft.com/office/powerpoint/2010/main" val="4162274269"/>
+      </p:ext>
+    </p:extLst>
+  </p:cSld>
+  <p:clrMapOvr>
+    <a:masterClrMapping/>
+  </p:clrMapOvr>
+</p:notes>
+</file>
+
+<file path=ppt/notesSlides/notesSlide5.xml><?xml version="1.0" encoding="utf-8"?>
+<p:notes xmlns:a="http://schemas.openxmlformats.org/drawingml/2006/main" xmlns:r="http://schemas.openxmlformats.org/officeDocument/2006/relationships" xmlns:p="http://schemas.openxmlformats.org/presentationml/2006/main">
+  <p:cSld>
+    <p:spTree>
+      <p:nvGrpSpPr>
+        <p:cNvPr id="1" name=""/>
+        <p:cNvGrpSpPr/>
+        <p:nvPr/>
+      </p:nvGrpSpPr>
+      <p:grpSpPr>
+        <a:xfrm>
+          <a:off x="0" y="0"/>
+          <a:ext cx="0" cy="0"/>
+          <a:chOff x="0" y="0"/>
+          <a:chExt cx="0" cy="0"/>
+        </a:xfrm>
+      </p:grpSpPr>
+      <p:sp>
+        <p:nvSpPr>
+          <p:cNvPr id="2" name="Slide Image Placeholder 1"/>
+          <p:cNvSpPr>
+            <a:spLocks noGrp="1" noRot="1" noChangeAspect="1"/>
+          </p:cNvSpPr>
+          <p:nvPr>
+            <p:ph type="sldImg"/>
+          </p:nvPr>
+        </p:nvSpPr>
+        <p:spPr/>
+      </p:sp>
+      <p:sp>
+        <p:nvSpPr>
+          <p:cNvPr id="3" name="Notes Placeholder 2"/>
+          <p:cNvSpPr>
+            <a:spLocks noGrp="1"/>
+          </p:cNvSpPr>
+          <p:nvPr>
+            <p:ph type="body" idx="1"/>
+          </p:nvPr>
+        </p:nvSpPr>
+        <p:spPr/>
+        <p:txBody>
+          <a:bodyPr/>
+          <a:lstStyle/>
+          <a:p>
+            <a:r>
+              <a:rPr lang="en-SG" dirty="0" smtClean="0"/>
+              <a:t>Rotation plan</a:t>
+            </a:r>
+          </a:p>
+          <a:p>
+            <a:r>
+              <a:rPr lang="en-SG" dirty="0" smtClean="0"/>
+              <a:t>	</a:t>
+            </a:r>
+            <a:r>
+              <a:rPr lang="en-SG" dirty="0" err="1" smtClean="0"/>
+              <a:t>wgich</a:t>
+            </a:r>
+            <a:r>
+              <a:rPr lang="en-SG" dirty="0" smtClean="0"/>
+              <a:t> pm which milestone</a:t>
+            </a:r>
+          </a:p>
+          <a:p>
+            <a:endParaRPr lang="en-SG" dirty="0"/>
+          </a:p>
+        </p:txBody>
+      </p:sp>
+      <p:sp>
+        <p:nvSpPr>
+          <p:cNvPr id="4" name="Slide Number Placeholder 3"/>
+          <p:cNvSpPr>
+            <a:spLocks noGrp="1"/>
+          </p:cNvSpPr>
+          <p:nvPr>
+            <p:ph type="sldNum" sz="quarter" idx="10"/>
+          </p:nvPr>
+        </p:nvSpPr>
+        <p:spPr/>
+        <p:txBody>
+          <a:bodyPr/>
+          <a:lstStyle/>
+          <a:p>
+            <a:fld id="{4E0BC2EF-6510-4A42-9AB3-5612D5E407F3}" type="slidenum">
+              <a:rPr lang="en-SG" smtClean="0"/>
+              <a:t>11</a:t>
+            </a:fld>
+            <a:endParaRPr lang="en-SG"/>
+          </a:p>
+        </p:txBody>
+      </p:sp>
+    </p:spTree>
+    <p:extLst>
+      <p:ext uri="{BB962C8B-B14F-4D97-AF65-F5344CB8AC3E}">
+        <p14:creationId xmlns:p14="http://schemas.microsoft.com/office/powerpoint/2010/main" val="1815594211"/>
+      </p:ext>
+    </p:extLst>
+  </p:cSld>
+  <p:clrMapOvr>
+    <a:masterClrMapping/>
+  </p:clrMapOvr>
+</p:notes>
+</file>
+
+<file path=ppt/notesSlides/notesSlide6.xml><?xml version="1.0" encoding="utf-8"?>
+<p:notes xmlns:a="http://schemas.openxmlformats.org/drawingml/2006/main" xmlns:r="http://schemas.openxmlformats.org/officeDocument/2006/relationships" xmlns:p="http://schemas.openxmlformats.org/presentationml/2006/main">
+  <p:cSld>
+    <p:spTree>
+      <p:nvGrpSpPr>
+        <p:cNvPr id="1" name=""/>
+        <p:cNvGrpSpPr/>
+        <p:nvPr/>
+      </p:nvGrpSpPr>
+      <p:grpSpPr>
+        <a:xfrm>
+          <a:off x="0" y="0"/>
+          <a:ext cx="0" cy="0"/>
+          <a:chOff x="0" y="0"/>
+          <a:chExt cx="0" cy="0"/>
+        </a:xfrm>
+      </p:grpSpPr>
+      <p:sp>
+        <p:nvSpPr>
+          <p:cNvPr id="2" name="Slide Image Placeholder 1"/>
+          <p:cNvSpPr>
+            <a:spLocks noGrp="1" noRot="1" noChangeAspect="1"/>
+          </p:cNvSpPr>
+          <p:nvPr>
+            <p:ph type="sldImg"/>
+          </p:nvPr>
+        </p:nvSpPr>
+        <p:spPr/>
+      </p:sp>
+      <p:sp>
+        <p:nvSpPr>
+          <p:cNvPr id="3" name="Notes Placeholder 2"/>
+          <p:cNvSpPr>
+            <a:spLocks noGrp="1"/>
+          </p:cNvSpPr>
+          <p:nvPr>
+            <p:ph type="body" idx="1"/>
+          </p:nvPr>
+        </p:nvSpPr>
+        <p:spPr/>
+        <p:txBody>
+          <a:bodyPr/>
+          <a:lstStyle/>
+          <a:p>
+            <a:r>
+              <a:rPr lang="en-SG" dirty="0" smtClean="0"/>
+              <a:t>Title add </a:t>
+            </a:r>
+            <a:r>
+              <a:rPr lang="en-SG" dirty="0" err="1" smtClean="0"/>
+              <a:t>color</a:t>
+            </a:r>
+            <a:endParaRPr lang="en-SG" dirty="0"/>
+          </a:p>
+        </p:txBody>
+      </p:sp>
+      <p:sp>
+        <p:nvSpPr>
+          <p:cNvPr id="4" name="Slide Number Placeholder 3"/>
+          <p:cNvSpPr>
+            <a:spLocks noGrp="1"/>
+          </p:cNvSpPr>
+          <p:nvPr>
+            <p:ph type="sldNum" sz="quarter" idx="10"/>
+          </p:nvPr>
+        </p:nvSpPr>
+        <p:spPr/>
+        <p:txBody>
+          <a:bodyPr/>
+          <a:lstStyle/>
+          <a:p>
+            <a:fld id="{4E0BC2EF-6510-4A42-9AB3-5612D5E407F3}" type="slidenum">
+              <a:rPr lang="en-SG" smtClean="0"/>
+              <a:t>12</a:t>
+            </a:fld>
+            <a:endParaRPr lang="en-SG"/>
+          </a:p>
+        </p:txBody>
+      </p:sp>
+    </p:spTree>
+    <p:extLst>
+      <p:ext uri="{BB962C8B-B14F-4D97-AF65-F5344CB8AC3E}">
+        <p14:creationId xmlns:p14="http://schemas.microsoft.com/office/powerpoint/2010/main" val="391011851"/>
+      </p:ext>
+    </p:extLst>
+  </p:cSld>
+  <p:clrMapOvr>
+    <a:masterClrMapping/>
+  </p:clrMapOvr>
+</p:notes>
+</file>
+
+<file path=ppt/notesSlides/notesSlide7.xml><?xml version="1.0" encoding="utf-8"?>
+<p:notes xmlns:a="http://schemas.openxmlformats.org/drawingml/2006/main" xmlns:r="http://schemas.openxmlformats.org/officeDocument/2006/relationships" xmlns:p="http://schemas.openxmlformats.org/presentationml/2006/main">
+  <p:cSld>
+    <p:spTree>
+      <p:nvGrpSpPr>
+        <p:cNvPr id="1" name=""/>
+        <p:cNvGrpSpPr/>
+        <p:nvPr/>
+      </p:nvGrpSpPr>
+      <p:grpSpPr>
+        <a:xfrm>
+          <a:off x="0" y="0"/>
+          <a:ext cx="0" cy="0"/>
+          <a:chOff x="0" y="0"/>
+          <a:chExt cx="0" cy="0"/>
+        </a:xfrm>
+      </p:grpSpPr>
+      <p:sp>
+        <p:nvSpPr>
+          <p:cNvPr id="2" name="Slide Image Placeholder 1"/>
+          <p:cNvSpPr>
+            <a:spLocks noGrp="1" noRot="1" noChangeAspect="1"/>
+          </p:cNvSpPr>
+          <p:nvPr>
+            <p:ph type="sldImg"/>
+          </p:nvPr>
+        </p:nvSpPr>
+        <p:spPr/>
+      </p:sp>
+      <p:sp>
+        <p:nvSpPr>
+          <p:cNvPr id="3" name="Notes Placeholder 2"/>
+          <p:cNvSpPr>
+            <a:spLocks noGrp="1"/>
+          </p:cNvSpPr>
+          <p:nvPr>
+            <p:ph type="body" idx="1"/>
+          </p:nvPr>
+        </p:nvSpPr>
+        <p:spPr/>
+        <p:txBody>
+          <a:bodyPr/>
+          <a:lstStyle/>
+          <a:p>
+            <a:endParaRPr lang="en-SG" dirty="0"/>
+          </a:p>
+        </p:txBody>
+      </p:sp>
+      <p:sp>
+        <p:nvSpPr>
+          <p:cNvPr id="4" name="Slide Number Placeholder 3"/>
+          <p:cNvSpPr>
+            <a:spLocks noGrp="1"/>
+          </p:cNvSpPr>
+          <p:nvPr>
+            <p:ph type="sldNum" sz="quarter" idx="10"/>
+          </p:nvPr>
+        </p:nvSpPr>
+        <p:spPr/>
+        <p:txBody>
+          <a:bodyPr/>
+          <a:lstStyle/>
+          <a:p>
+            <a:fld id="{4E0BC2EF-6510-4A42-9AB3-5612D5E407F3}" type="slidenum">
+              <a:rPr lang="en-SG" smtClean="0"/>
+              <a:t>15</a:t>
+            </a:fld>
+            <a:endParaRPr lang="en-SG"/>
+          </a:p>
+        </p:txBody>
+      </p:sp>
+    </p:spTree>
+    <p:extLst>
+      <p:ext uri="{BB962C8B-B14F-4D97-AF65-F5344CB8AC3E}">
+        <p14:creationId xmlns:p14="http://schemas.microsoft.com/office/powerpoint/2010/main" val="41681916"/>
+      </p:ext>
+    </p:extLst>
+  </p:cSld>
+  <p:clrMapOvr>
+    <a:masterClrMapping/>
+  </p:clrMapOvr>
+</p:notes>
+</file>
+
+<file path=ppt/notesSlides/notesSlide8.xml><?xml version="1.0" encoding="utf-8"?>
+<p:notes xmlns:a="http://schemas.openxmlformats.org/drawingml/2006/main" xmlns:r="http://schemas.openxmlformats.org/officeDocument/2006/relationships" xmlns:p="http://schemas.openxmlformats.org/presentationml/2006/main">
+  <p:cSld>
+    <p:spTree>
+      <p:nvGrpSpPr>
+        <p:cNvPr id="1" name=""/>
+        <p:cNvGrpSpPr/>
+        <p:nvPr/>
+      </p:nvGrpSpPr>
+      <p:grpSpPr>
+        <a:xfrm>
+          <a:off x="0" y="0"/>
+          <a:ext cx="0" cy="0"/>
+          <a:chOff x="0" y="0"/>
+          <a:chExt cx="0" cy="0"/>
+        </a:xfrm>
+      </p:grpSpPr>
+      <p:sp>
+        <p:nvSpPr>
+          <p:cNvPr id="2" name="Slide Image Placeholder 1"/>
+          <p:cNvSpPr>
+            <a:spLocks noGrp="1" noRot="1" noChangeAspect="1"/>
+          </p:cNvSpPr>
+          <p:nvPr>
+            <p:ph type="sldImg"/>
+          </p:nvPr>
+        </p:nvSpPr>
+        <p:spPr/>
+      </p:sp>
+      <p:sp>
+        <p:nvSpPr>
+          <p:cNvPr id="3" name="Notes Placeholder 2"/>
+          <p:cNvSpPr>
+            <a:spLocks noGrp="1"/>
+          </p:cNvSpPr>
+          <p:nvPr>
+            <p:ph type="body" idx="1"/>
+          </p:nvPr>
+        </p:nvSpPr>
+        <p:spPr/>
+        <p:txBody>
+          <a:bodyPr/>
+          <a:lstStyle/>
+          <a:p>
+            <a:r>
+              <a:rPr lang="en-SG" dirty="0" smtClean="0"/>
+              <a:t>Rotation plan</a:t>
+            </a:r>
+          </a:p>
+          <a:p>
+            <a:r>
+              <a:rPr lang="en-SG" dirty="0" smtClean="0"/>
+              <a:t>	</a:t>
+            </a:r>
+            <a:r>
+              <a:rPr lang="en-SG" dirty="0" err="1" smtClean="0"/>
+              <a:t>wgich</a:t>
+            </a:r>
+            <a:r>
+              <a:rPr lang="en-SG" dirty="0" smtClean="0"/>
+              <a:t> pm which milestone</a:t>
+            </a:r>
+          </a:p>
+          <a:p>
+            <a:endParaRPr lang="en-SG" dirty="0"/>
+          </a:p>
+        </p:txBody>
+      </p:sp>
+      <p:sp>
+        <p:nvSpPr>
+          <p:cNvPr id="4" name="Slide Number Placeholder 3"/>
+          <p:cNvSpPr>
+            <a:spLocks noGrp="1"/>
+          </p:cNvSpPr>
+          <p:nvPr>
+            <p:ph type="sldNum" sz="quarter" idx="10"/>
+          </p:nvPr>
+        </p:nvSpPr>
+        <p:spPr/>
+        <p:txBody>
+          <a:bodyPr/>
+          <a:lstStyle/>
+          <a:p>
+            <a:fld id="{4E0BC2EF-6510-4A42-9AB3-5612D5E407F3}" type="slidenum">
+              <a:rPr lang="en-SG" smtClean="0"/>
+              <a:t>18</a:t>
             </a:fld>
             <a:endParaRPr lang="en-SG"/>
           </a:p>
@@ -789,6 +1237,98 @@
     <p:extLst>
       <p:ext uri="{BB962C8B-B14F-4D97-AF65-F5344CB8AC3E}">
         <p14:creationId xmlns:p14="http://schemas.microsoft.com/office/powerpoint/2010/main" val="1438529571"/>
+      </p:ext>
+    </p:extLst>
+  </p:cSld>
+  <p:clrMapOvr>
+    <a:masterClrMapping/>
+  </p:clrMapOvr>
+</p:notes>
+</file>
+
+<file path=ppt/notesSlides/notesSlide9.xml><?xml version="1.0" encoding="utf-8"?>
+<p:notes xmlns:a="http://schemas.openxmlformats.org/drawingml/2006/main" xmlns:r="http://schemas.openxmlformats.org/officeDocument/2006/relationships" xmlns:p="http://schemas.openxmlformats.org/presentationml/2006/main">
+  <p:cSld>
+    <p:spTree>
+      <p:nvGrpSpPr>
+        <p:cNvPr id="1" name=""/>
+        <p:cNvGrpSpPr/>
+        <p:nvPr/>
+      </p:nvGrpSpPr>
+      <p:grpSpPr>
+        <a:xfrm>
+          <a:off x="0" y="0"/>
+          <a:ext cx="0" cy="0"/>
+          <a:chOff x="0" y="0"/>
+          <a:chExt cx="0" cy="0"/>
+        </a:xfrm>
+      </p:grpSpPr>
+      <p:sp>
+        <p:nvSpPr>
+          <p:cNvPr id="2" name="Slide Image Placeholder 1"/>
+          <p:cNvSpPr>
+            <a:spLocks noGrp="1" noRot="1" noChangeAspect="1"/>
+          </p:cNvSpPr>
+          <p:nvPr>
+            <p:ph type="sldImg"/>
+          </p:nvPr>
+        </p:nvSpPr>
+        <p:spPr/>
+      </p:sp>
+      <p:sp>
+        <p:nvSpPr>
+          <p:cNvPr id="3" name="Notes Placeholder 2"/>
+          <p:cNvSpPr>
+            <a:spLocks noGrp="1"/>
+          </p:cNvSpPr>
+          <p:nvPr>
+            <p:ph type="body" idx="1"/>
+          </p:nvPr>
+        </p:nvSpPr>
+        <p:spPr/>
+        <p:txBody>
+          <a:bodyPr/>
+          <a:lstStyle/>
+          <a:p>
+            <a:r>
+              <a:rPr lang="en-SG" dirty="0" smtClean="0"/>
+              <a:t>Remove</a:t>
+            </a:r>
+            <a:r>
+              <a:rPr lang="en-SG" baseline="0" dirty="0" smtClean="0"/>
+              <a:t> dates and weeks . Title.. Black box white font, bolded. </a:t>
+            </a:r>
+            <a:endParaRPr lang="en-SG" dirty="0"/>
+          </a:p>
+        </p:txBody>
+      </p:sp>
+      <p:sp>
+        <p:nvSpPr>
+          <p:cNvPr id="4" name="Slide Number Placeholder 3"/>
+          <p:cNvSpPr>
+            <a:spLocks noGrp="1"/>
+          </p:cNvSpPr>
+          <p:nvPr>
+            <p:ph type="sldNum" sz="quarter" idx="10"/>
+          </p:nvPr>
+        </p:nvSpPr>
+        <p:spPr/>
+        <p:txBody>
+          <a:bodyPr/>
+          <a:lstStyle/>
+          <a:p>
+            <a:fld id="{4E0BC2EF-6510-4A42-9AB3-5612D5E407F3}" type="slidenum">
+              <a:rPr lang="en-SG" smtClean="0"/>
+              <a:t>20</a:t>
+            </a:fld>
+            <a:endParaRPr lang="en-SG"/>
+          </a:p>
+        </p:txBody>
+      </p:sp>
+    </p:spTree>
+    <p:extLst>
+      <p:ext uri="{BB962C8B-B14F-4D97-AF65-F5344CB8AC3E}">
+        <p14:creationId xmlns:p14="http://schemas.microsoft.com/office/powerpoint/2010/main" val="3155631766"/>
       </p:ext>
     </p:extLst>
   </p:cSld>
@@ -893,7 +1433,7 @@
           <a:effectLst/>
           <a:extLst>
             <a:ext uri="{91240B29-F687-4f45-9708-019B960494DF}">
-              <a14:hiddenLine xmlns="" xmlns:a14="http://schemas.microsoft.com/office/drawing/2010/main" w="9525">
+              <a14:hiddenLine xmlns:a14="http://schemas.microsoft.com/office/drawing/2010/main" xmlns="" w="9525">
                 <a:solidFill>
                   <a:srgbClr val="000000"/>
                 </a:solidFill>
@@ -1086,7 +1626,7 @@
             <a:fld id="{08B9EBBA-996F-894A-B54A-D6246ED52CEA}" type="datetimeFigureOut">
               <a:rPr lang="en-US" dirty="0"/>
               <a:pPr/>
-              <a:t>9/28/2015</a:t>
+              <a:t>10/1/2015</a:t>
             </a:fld>
             <a:endParaRPr lang="en-US" dirty="0"/>
           </a:p>
@@ -1401,7 +1941,7 @@
             <a:fld id="{18C79C5D-2A6F-F04D-97DA-BEF2467B64E4}" type="datetimeFigureOut">
               <a:rPr lang="en-US" dirty="0"/>
               <a:pPr/>
-              <a:t>9/28/2015</a:t>
+              <a:t>10/1/2015</a:t>
             </a:fld>
             <a:endParaRPr lang="en-US" dirty="0"/>
           </a:p>
@@ -1886,7 +2426,7 @@
             <a:fld id="{8DFA1846-DA80-1C48-A609-854EA85C59AD}" type="datetimeFigureOut">
               <a:rPr lang="en-US" dirty="0"/>
               <a:pPr/>
-              <a:t>9/28/2015</a:t>
+              <a:t>10/1/2015</a:t>
             </a:fld>
             <a:endParaRPr lang="en-US" dirty="0"/>
           </a:p>
@@ -2252,7 +2792,7 @@
             <a:fld id="{FBF54567-0DE4-3F47-BF90-CB84690072F9}" type="datetimeFigureOut">
               <a:rPr lang="en-US" dirty="0"/>
               <a:pPr/>
-              <a:t>9/28/2015</a:t>
+              <a:t>10/1/2015</a:t>
             </a:fld>
             <a:endParaRPr lang="en-US" dirty="0"/>
           </a:p>
@@ -2403,7 +2943,7 @@
           <a:ln/>
           <a:extLst>
             <a:ext uri="{91240B29-F687-4f45-9708-019B960494DF}">
-              <a14:hiddenLine xmlns="" xmlns:a14="http://schemas.microsoft.com/office/drawing/2010/main" w="9525">
+              <a14:hiddenLine xmlns:a14="http://schemas.microsoft.com/office/drawing/2010/main" xmlns="" w="9525">
                 <a:solidFill>
                   <a:srgbClr val="000000"/>
                 </a:solidFill>
@@ -2522,7 +3062,7 @@
             <a:fld id="{C6C52C72-DE31-F449-A4ED-4C594FD91407}" type="datetimeFigureOut">
               <a:rPr lang="en-US" dirty="0"/>
               <a:pPr/>
-              <a:t>9/28/2015</a:t>
+              <a:t>10/1/2015</a:t>
             </a:fld>
             <a:endParaRPr lang="en-US" dirty="0"/>
           </a:p>
@@ -2675,7 +3215,7 @@
           <a:ln/>
           <a:extLst>
             <a:ext uri="{91240B29-F687-4f45-9708-019B960494DF}">
-              <a14:hiddenLine xmlns="" xmlns:a14="http://schemas.microsoft.com/office/drawing/2010/main" w="9525">
+              <a14:hiddenLine xmlns:a14="http://schemas.microsoft.com/office/drawing/2010/main" xmlns="" w="9525">
                 <a:solidFill>
                   <a:srgbClr val="000000"/>
                 </a:solidFill>
@@ -2804,7 +3344,7 @@
             <a:fld id="{ED62726E-379B-B349-9EED-81ED093FA806}" type="datetimeFigureOut">
               <a:rPr lang="en-US" dirty="0"/>
               <a:pPr/>
-              <a:t>9/28/2015</a:t>
+              <a:t>10/1/2015</a:t>
             </a:fld>
             <a:endParaRPr lang="en-US" dirty="0"/>
           </a:p>
@@ -2955,7 +3495,7 @@
           <a:ln/>
           <a:extLst>
             <a:ext uri="{91240B29-F687-4f45-9708-019B960494DF}">
-              <a14:hiddenLine xmlns="" xmlns:a14="http://schemas.microsoft.com/office/drawing/2010/main" w="9525">
+              <a14:hiddenLine xmlns:a14="http://schemas.microsoft.com/office/drawing/2010/main" xmlns="" w="9525">
                 <a:solidFill>
                   <a:srgbClr val="000000"/>
                 </a:solidFill>
@@ -3084,7 +3624,7 @@
             <a:fld id="{9B3A1323-8D79-1946-B0D7-40001CF92E9D}" type="datetimeFigureOut">
               <a:rPr lang="en-US" dirty="0"/>
               <a:pPr/>
-              <a:t>9/28/2015</a:t>
+              <a:t>10/1/2015</a:t>
             </a:fld>
             <a:endParaRPr lang="en-US" dirty="0"/>
           </a:p>
@@ -3424,7 +3964,7 @@
             <a:fld id="{8DFA1846-DA80-1C48-A609-854EA85C59AD}" type="datetimeFigureOut">
               <a:rPr lang="en-US" dirty="0"/>
               <a:pPr/>
-              <a:t>9/28/2015</a:t>
+              <a:t>10/1/2015</a:t>
             </a:fld>
             <a:endParaRPr lang="en-US" dirty="0"/>
           </a:p>
@@ -3575,7 +4115,7 @@
           <a:ln/>
           <a:extLst>
             <a:ext uri="{91240B29-F687-4f45-9708-019B960494DF}">
-              <a14:hiddenLine xmlns="" xmlns:a14="http://schemas.microsoft.com/office/drawing/2010/main" w="9525">
+              <a14:hiddenLine xmlns:a14="http://schemas.microsoft.com/office/drawing/2010/main" xmlns="" w="9525">
                 <a:solidFill>
                   <a:srgbClr val="000000"/>
                 </a:solidFill>
@@ -3760,7 +4300,7 @@
             <a:fld id="{57302355-E14B-8545-A8F8-0FE83CC9D524}" type="datetimeFigureOut">
               <a:rPr lang="en-US" dirty="0"/>
               <a:pPr/>
-              <a:t>9/28/2015</a:t>
+              <a:t>10/1/2015</a:t>
             </a:fld>
             <a:endParaRPr lang="en-US" dirty="0"/>
           </a:p>
@@ -3911,7 +4451,7 @@
           <a:ln/>
           <a:extLst>
             <a:ext uri="{91240B29-F687-4f45-9708-019B960494DF}">
-              <a14:hiddenLine xmlns="" xmlns:a14="http://schemas.microsoft.com/office/drawing/2010/main" w="9525">
+              <a14:hiddenLine xmlns:a14="http://schemas.microsoft.com/office/drawing/2010/main" xmlns="" w="9525">
                 <a:solidFill>
                   <a:srgbClr val="000000"/>
                 </a:solidFill>
@@ -4234,7 +4774,7 @@
             <a:fld id="{02640F58-564D-2B4F-AE67-E407BA4FCF45}" type="datetimeFigureOut">
               <a:rPr lang="en-US" dirty="0"/>
               <a:pPr/>
-              <a:t>9/28/2015</a:t>
+              <a:t>10/1/2015</a:t>
             </a:fld>
             <a:endParaRPr lang="en-US" dirty="0"/>
           </a:p>
@@ -4385,7 +4925,7 @@
           <a:ln/>
           <a:extLst>
             <a:ext uri="{91240B29-F687-4f45-9708-019B960494DF}">
-              <a14:hiddenLine xmlns="" xmlns:a14="http://schemas.microsoft.com/office/drawing/2010/main" w="9525">
+              <a14:hiddenLine xmlns:a14="http://schemas.microsoft.com/office/drawing/2010/main" xmlns="" w="9525">
                 <a:solidFill>
                   <a:srgbClr val="000000"/>
                 </a:solidFill>
@@ -4452,7 +4992,7 @@
             <a:fld id="{F13A34C8-038E-2045-AF43-DF7DBB8E0E9E}" type="datetimeFigureOut">
               <a:rPr lang="en-US" dirty="0"/>
               <a:pPr/>
-              <a:t>9/28/2015</a:t>
+              <a:t>10/1/2015</a:t>
             </a:fld>
             <a:endParaRPr lang="en-US" dirty="0"/>
           </a:p>
@@ -4544,7 +5084,7 @@
             <a:fld id="{8818C68F-D26B-8F47-958C-23B49CF8A634}" type="datetimeFigureOut">
               <a:rPr lang="en-US" dirty="0"/>
               <a:pPr/>
-              <a:t>9/28/2015</a:t>
+              <a:t>10/1/2015</a:t>
             </a:fld>
             <a:endParaRPr lang="en-US" dirty="0"/>
           </a:p>
@@ -4808,7 +5348,7 @@
           <a:ln/>
           <a:extLst>
             <a:ext uri="{91240B29-F687-4f45-9708-019B960494DF}">
-              <a14:hiddenLine xmlns="" xmlns:a14="http://schemas.microsoft.com/office/drawing/2010/main" w="9525">
+              <a14:hiddenLine xmlns:a14="http://schemas.microsoft.com/office/drawing/2010/main" xmlns="" w="9525">
                 <a:solidFill>
                   <a:srgbClr val="000000"/>
                 </a:solidFill>
@@ -5008,7 +5548,7 @@
             <a:fld id="{D0DF5E60-9974-AC48-9591-99C2BB44B7CF}" type="datetimeFigureOut">
               <a:rPr lang="en-US" dirty="0"/>
               <a:pPr/>
-              <a:t>9/28/2015</a:t>
+              <a:t>10/1/2015</a:t>
             </a:fld>
             <a:endParaRPr lang="en-US" dirty="0"/>
           </a:p>
@@ -5318,7 +5858,7 @@
             <a:fld id="{18C79C5D-2A6F-F04D-97DA-BEF2467B64E4}" type="datetimeFigureOut">
               <a:rPr lang="en-US" dirty="0"/>
               <a:pPr/>
-              <a:t>9/28/2015</a:t>
+              <a:t>10/1/2015</a:t>
             </a:fld>
             <a:endParaRPr lang="en-US" dirty="0"/>
           </a:p>
@@ -5585,7 +6125,7 @@
             <a:fld id="{09B482E8-6E0E-1B4F-B1FD-C69DB9E858D9}" type="datetimeFigureOut">
               <a:rPr lang="en-US" dirty="0"/>
               <a:pPr/>
-              <a:t>9/28/2015</a:t>
+              <a:t>10/1/2015</a:t>
             </a:fld>
             <a:endParaRPr lang="en-US" dirty="0"/>
           </a:p>
@@ -6424,223 +6964,70 @@
       </p:grpSpPr>
       <p:sp>
         <p:nvSpPr>
-          <p:cNvPr id="9" name="TextBox 8"/>
-          <p:cNvSpPr txBox="1"/>
+          <p:cNvPr id="2" name="Title 1"/>
+          <p:cNvSpPr>
+            <a:spLocks noGrp="1"/>
+          </p:cNvSpPr>
+          <p:nvPr>
+            <p:ph type="title"/>
+          </p:nvPr>
+        </p:nvSpPr>
+        <p:spPr/>
+        <p:txBody>
+          <a:bodyPr/>
+          <a:lstStyle/>
+          <a:p>
+            <a:endParaRPr lang="en-SG"/>
+          </a:p>
+        </p:txBody>
+      </p:sp>
+      <p:sp>
+        <p:nvSpPr>
+          <p:cNvPr id="3" name="Content Placeholder 2"/>
+          <p:cNvSpPr>
+            <a:spLocks noGrp="1"/>
+          </p:cNvSpPr>
+          <p:nvPr>
+            <p:ph idx="1"/>
+          </p:nvPr>
+        </p:nvSpPr>
+        <p:spPr/>
+        <p:txBody>
+          <a:bodyPr/>
+          <a:lstStyle/>
+          <a:p>
+            <a:endParaRPr lang="en-SG"/>
+          </a:p>
+        </p:txBody>
+      </p:sp>
+      <p:pic>
+        <p:nvPicPr>
+          <p:cNvPr id="4" name="Picture 3"/>
+          <p:cNvPicPr>
+            <a:picLocks noChangeAspect="1"/>
+          </p:cNvPicPr>
           <p:nvPr/>
-        </p:nvSpPr>
-        <p:spPr>
-          <a:xfrm>
-            <a:off x="91440" y="294440"/>
-            <a:ext cx="12065000" cy="646331"/>
+        </p:nvPicPr>
+        <p:blipFill>
+          <a:blip r:embed="rId2"/>
+          <a:stretch>
+            <a:fillRect/>
+          </a:stretch>
+        </p:blipFill>
+        <p:spPr>
+          <a:xfrm>
+            <a:off x="0" y="0"/>
+            <a:ext cx="12279086" cy="6858000"/>
           </a:xfrm>
           <a:prstGeom prst="rect">
             <a:avLst/>
           </a:prstGeom>
-          <a:solidFill>
-            <a:schemeClr val="tx2">
-              <a:lumMod val="75000"/>
-            </a:schemeClr>
-          </a:solidFill>
-        </p:spPr>
-        <p:txBody>
-          <a:bodyPr wrap="square" rtlCol="0">
-            <a:spAutoFit/>
-          </a:bodyPr>
-          <a:lstStyle/>
-          <a:p>
-            <a:endParaRPr lang="en-SG" dirty="0" smtClean="0"/>
-          </a:p>
-          <a:p>
-            <a:endParaRPr lang="en-SG" dirty="0"/>
-          </a:p>
-        </p:txBody>
-      </p:sp>
-      <p:sp>
-        <p:nvSpPr>
-          <p:cNvPr id="4" name="TextBox 3"/>
-          <p:cNvSpPr txBox="1"/>
-          <p:nvPr/>
-        </p:nvSpPr>
-        <p:spPr>
-          <a:xfrm>
-            <a:off x="192220" y="413978"/>
-            <a:ext cx="1800000" cy="540000"/>
-          </a:xfrm>
-          <a:prstGeom prst="rect">
-            <a:avLst/>
-          </a:prstGeom>
-          <a:noFill/>
-        </p:spPr>
-        <p:txBody>
-          <a:bodyPr wrap="square" rtlCol="0">
-            <a:spAutoFit/>
-          </a:bodyPr>
-          <a:lstStyle/>
-          <a:p>
-            <a:r>
-              <a:rPr lang="en-SG" dirty="0" smtClean="0"/>
-              <a:t>Functionalities</a:t>
-            </a:r>
-            <a:endParaRPr lang="en-SG" dirty="0"/>
-          </a:p>
-        </p:txBody>
-      </p:sp>
-      <p:sp>
-        <p:nvSpPr>
-          <p:cNvPr id="5" name="TextBox 4"/>
-          <p:cNvSpPr txBox="1"/>
-          <p:nvPr/>
-        </p:nvSpPr>
-        <p:spPr>
-          <a:xfrm>
-            <a:off x="2105978" y="424138"/>
-            <a:ext cx="2672080" cy="369332"/>
-          </a:xfrm>
-          <a:prstGeom prst="rect">
-            <a:avLst/>
-          </a:prstGeom>
-          <a:noFill/>
-        </p:spPr>
-        <p:txBody>
-          <a:bodyPr wrap="square" rtlCol="0">
-            <a:spAutoFit/>
-          </a:bodyPr>
-          <a:lstStyle/>
-          <a:p>
-            <a:pPr algn="ctr"/>
-            <a:r>
-              <a:rPr lang="en-SG" dirty="0" smtClean="0"/>
-              <a:t>Project Schedule</a:t>
-            </a:r>
-            <a:endParaRPr lang="en-SG" dirty="0"/>
-          </a:p>
-        </p:txBody>
-      </p:sp>
-      <p:sp>
-        <p:nvSpPr>
-          <p:cNvPr id="6" name="TextBox 5"/>
-          <p:cNvSpPr txBox="1"/>
-          <p:nvPr/>
-        </p:nvSpPr>
-        <p:spPr>
-          <a:xfrm>
-            <a:off x="6242050" y="437890"/>
-            <a:ext cx="2672080" cy="369332"/>
-          </a:xfrm>
-          <a:prstGeom prst="rect">
-            <a:avLst/>
-          </a:prstGeom>
-          <a:noFill/>
-        </p:spPr>
-        <p:txBody>
-          <a:bodyPr wrap="square" rtlCol="0">
-            <a:spAutoFit/>
-          </a:bodyPr>
-          <a:lstStyle/>
-          <a:p>
-            <a:r>
-              <a:rPr lang="en-SG" dirty="0">
-                <a:solidFill>
-                  <a:srgbClr val="FFFF00"/>
-                </a:solidFill>
-                <a:effectLst>
-                  <a:glow rad="139700">
-                    <a:schemeClr val="accent3">
-                      <a:satMod val="175000"/>
-                      <a:alpha val="40000"/>
-                    </a:schemeClr>
-                  </a:glow>
-                </a:effectLst>
-              </a:rPr>
-              <a:t>Roles &amp; Responsibilities</a:t>
-            </a:r>
-          </a:p>
-        </p:txBody>
-      </p:sp>
-      <p:sp>
-        <p:nvSpPr>
-          <p:cNvPr id="7" name="TextBox 6"/>
-          <p:cNvSpPr txBox="1"/>
-          <p:nvPr/>
-        </p:nvSpPr>
-        <p:spPr>
-          <a:xfrm>
-            <a:off x="4442050" y="434991"/>
-            <a:ext cx="1800000" cy="540000"/>
-          </a:xfrm>
-          <a:prstGeom prst="rect">
-            <a:avLst/>
-          </a:prstGeom>
-          <a:noFill/>
-        </p:spPr>
-        <p:txBody>
-          <a:bodyPr wrap="square" rtlCol="0">
-            <a:spAutoFit/>
-          </a:bodyPr>
-          <a:lstStyle/>
-          <a:p>
-            <a:pPr algn="ctr"/>
-            <a:r>
-              <a:rPr lang="en-SG" dirty="0" smtClean="0"/>
-              <a:t>Metrics</a:t>
-            </a:r>
-            <a:endParaRPr lang="en-SG" dirty="0"/>
-          </a:p>
-        </p:txBody>
-      </p:sp>
-      <p:sp>
-        <p:nvSpPr>
-          <p:cNvPr id="8" name="TextBox 7"/>
-          <p:cNvSpPr txBox="1"/>
-          <p:nvPr/>
-        </p:nvSpPr>
-        <p:spPr>
-          <a:xfrm>
-            <a:off x="9170035" y="434991"/>
-            <a:ext cx="3962400" cy="369332"/>
-          </a:xfrm>
-          <a:prstGeom prst="rect">
-            <a:avLst/>
-          </a:prstGeom>
-          <a:noFill/>
-        </p:spPr>
-        <p:txBody>
-          <a:bodyPr wrap="square" rtlCol="0">
-            <a:spAutoFit/>
-          </a:bodyPr>
-          <a:lstStyle/>
-          <a:p>
-            <a:r>
-              <a:rPr lang="en-SG" dirty="0"/>
-              <a:t>PP</a:t>
-            </a:r>
-            <a:r>
-              <a:rPr lang="en-SG" dirty="0" smtClean="0">
-                <a:solidFill>
-                  <a:srgbClr val="FFFF00"/>
-                </a:solidFill>
-                <a:effectLst>
-                  <a:glow rad="139700">
-                    <a:schemeClr val="accent3">
-                      <a:satMod val="175000"/>
-                      <a:alpha val="40000"/>
-                    </a:schemeClr>
-                  </a:glow>
-                </a:effectLst>
-              </a:rPr>
-              <a:t> </a:t>
-            </a:r>
-            <a:r>
-              <a:rPr lang="en-SG" dirty="0"/>
-              <a:t>Team &amp; Rotation Plans</a:t>
-            </a:r>
-          </a:p>
-        </p:txBody>
-      </p:sp>
+        </p:spPr>
+      </p:pic>
     </p:spTree>
     <p:extLst>
       <p:ext uri="{BB962C8B-B14F-4D97-AF65-F5344CB8AC3E}">
-        <p14:creationId xmlns:p14="http://schemas.microsoft.com/office/powerpoint/2010/main" val="4269783720"/>
+        <p14:creationId xmlns:p14="http://schemas.microsoft.com/office/powerpoint/2010/main" val="311020200"/>
       </p:ext>
     </p:extLst>
   </p:cSld>
@@ -6649,10 +7036,10 @@
   </p:clrMapOvr>
   <mc:AlternateContent xmlns:mc="http://schemas.openxmlformats.org/markup-compatibility/2006" xmlns:p14="http://schemas.microsoft.com/office/powerpoint/2010/main">
     <mc:Choice Requires="p14">
-      <p:transition p14:dur="0"/>
+      <p:transition spd="slow" p14:dur="2000"/>
     </mc:Choice>
     <mc:Fallback xmlns="">
-      <p:transition/>
+      <p:transition spd="slow"/>
     </mc:Fallback>
   </mc:AlternateContent>
   <p:timing>
@@ -6684,45 +7071,61 @@
       </p:grpSpPr>
       <p:sp>
         <p:nvSpPr>
-          <p:cNvPr id="2" name="Vertical Scroll 1"/>
+          <p:cNvPr id="9" name="TextBox 8"/>
+          <p:cNvSpPr txBox="1"/>
+          <p:nvPr/>
+        </p:nvSpPr>
+        <p:spPr>
+          <a:xfrm>
+            <a:off x="91440" y="294440"/>
+            <a:ext cx="12065000" cy="646331"/>
+          </a:xfrm>
+          <a:prstGeom prst="rect">
+            <a:avLst/>
+          </a:prstGeom>
+          <a:solidFill>
+            <a:schemeClr val="tx2">
+              <a:lumMod val="75000"/>
+            </a:schemeClr>
+          </a:solidFill>
+        </p:spPr>
+        <p:txBody>
+          <a:bodyPr wrap="square" rtlCol="0">
+            <a:spAutoFit/>
+          </a:bodyPr>
+          <a:lstStyle/>
+          <a:p>
+            <a:endParaRPr lang="en-SG" dirty="0" smtClean="0"/>
+          </a:p>
+          <a:p>
+            <a:endParaRPr lang="en-SG" dirty="0"/>
+          </a:p>
+        </p:txBody>
+      </p:sp>
+      <p:sp>
+        <p:nvSpPr>
+          <p:cNvPr id="10" name="Rectangle 9"/>
           <p:cNvSpPr/>
           <p:nvPr/>
         </p:nvSpPr>
         <p:spPr>
           <a:xfrm>
-            <a:off x="-399497" y="0"/>
-            <a:ext cx="12748335" cy="6733712"/>
-          </a:xfrm>
-          <a:prstGeom prst="verticalScroll">
+            <a:off x="6242050" y="281233"/>
+            <a:ext cx="2789655" cy="646331"/>
+          </a:xfrm>
+          <a:prstGeom prst="rect">
             <a:avLst/>
           </a:prstGeom>
-          <a:noFill/>
-          <a:ln>
-            <a:solidFill>
-              <a:schemeClr val="accent1">
-                <a:lumMod val="60000"/>
-                <a:lumOff val="40000"/>
-              </a:schemeClr>
-            </a:solidFill>
-          </a:ln>
-          <a:effectLst>
-            <a:glow rad="139700">
-              <a:schemeClr val="accent1">
-                <a:satMod val="175000"/>
-                <a:alpha val="40000"/>
-              </a:schemeClr>
-            </a:glow>
-          </a:effectLst>
         </p:spPr>
         <p:style>
           <a:lnRef idx="2">
-            <a:schemeClr val="accent1"/>
+            <a:schemeClr val="accent6"/>
           </a:lnRef>
           <a:fillRef idx="1">
             <a:schemeClr val="lt1"/>
           </a:fillRef>
           <a:effectRef idx="0">
-            <a:schemeClr val="accent1"/>
+            <a:schemeClr val="accent6"/>
           </a:effectRef>
           <a:fontRef idx="minor">
             <a:schemeClr val="dk1"/>
@@ -6739,55 +7142,44 @@
       </p:sp>
       <p:sp>
         <p:nvSpPr>
-          <p:cNvPr id="5" name="Rectangle 4"/>
-          <p:cNvSpPr/>
+          <p:cNvPr id="4" name="TextBox 3"/>
+          <p:cNvSpPr txBox="1"/>
           <p:nvPr/>
         </p:nvSpPr>
         <p:spPr>
           <a:xfrm>
-            <a:off x="781235" y="1091953"/>
-            <a:ext cx="10049522" cy="5291092"/>
+            <a:off x="192220" y="413978"/>
+            <a:ext cx="1800000" cy="540000"/>
           </a:xfrm>
           <a:prstGeom prst="rect">
             <a:avLst/>
           </a:prstGeom>
           <a:noFill/>
         </p:spPr>
-        <p:style>
-          <a:lnRef idx="2">
-            <a:schemeClr val="accent1">
-              <a:shade val="50000"/>
-            </a:schemeClr>
-          </a:lnRef>
-          <a:fillRef idx="1">
-            <a:schemeClr val="accent1"/>
-          </a:fillRef>
-          <a:effectRef idx="0">
-            <a:schemeClr val="accent1"/>
-          </a:effectRef>
-          <a:fontRef idx="minor">
-            <a:schemeClr val="lt1"/>
-          </a:fontRef>
-        </p:style>
-        <p:txBody>
-          <a:bodyPr rtlCol="0" anchor="ctr"/>
-          <a:lstStyle/>
-          <a:p>
-            <a:pPr algn="ctr"/>
-            <a:endParaRPr lang="en-SG"/>
-          </a:p>
-        </p:txBody>
-      </p:sp>
-      <p:sp>
-        <p:nvSpPr>
-          <p:cNvPr id="7" name="Rectangle 6"/>
-          <p:cNvSpPr/>
+        <p:txBody>
+          <a:bodyPr wrap="square" rtlCol="0">
+            <a:spAutoFit/>
+          </a:bodyPr>
+          <a:lstStyle/>
+          <a:p>
+            <a:r>
+              <a:rPr lang="en-SG" dirty="0" smtClean="0"/>
+              <a:t>Functionalities</a:t>
+            </a:r>
+            <a:endParaRPr lang="en-SG" dirty="0"/>
+          </a:p>
+        </p:txBody>
+      </p:sp>
+      <p:sp>
+        <p:nvSpPr>
+          <p:cNvPr id="5" name="TextBox 4"/>
+          <p:cNvSpPr txBox="1"/>
           <p:nvPr/>
         </p:nvSpPr>
         <p:spPr>
           <a:xfrm>
-            <a:off x="3243607" y="0"/>
-            <a:ext cx="5793573" cy="830997"/>
+            <a:off x="2105978" y="424138"/>
+            <a:ext cx="2672080" cy="369332"/>
           </a:xfrm>
           <a:prstGeom prst="rect">
             <a:avLst/>
@@ -6795,285 +7187,152 @@
           <a:noFill/>
         </p:spPr>
         <p:txBody>
-          <a:bodyPr wrap="none" lIns="91440" tIns="45720" rIns="91440" bIns="45720">
+          <a:bodyPr wrap="square" rtlCol="0">
             <a:spAutoFit/>
           </a:bodyPr>
           <a:lstStyle/>
           <a:p>
             <a:pPr algn="ctr"/>
             <a:r>
-              <a:rPr lang="en-US" sz="4800" b="0" cap="none" spc="0" dirty="0" smtClean="0">
-                <a:ln w="0">
-                  <a:solidFill>
-                    <a:schemeClr val="tx1"/>
-                  </a:solidFill>
-                </a:ln>
-                <a:solidFill>
-                  <a:schemeClr val="bg2">
-                    <a:lumMod val="75000"/>
-                    <a:lumOff val="25000"/>
-                  </a:schemeClr>
-                </a:solidFill>
-                <a:effectLst>
-                  <a:outerShdw blurRad="38100" dist="19050" dir="2700000" algn="tl" rotWithShape="0">
-                    <a:schemeClr val="dk1">
-                      <a:alpha val="40000"/>
-                    </a:schemeClr>
-                  </a:outerShdw>
-                </a:effectLst>
-              </a:rPr>
-              <a:t>Who is Doing What</a:t>
-            </a:r>
-            <a:endParaRPr lang="en-US" sz="4800" b="0" cap="none" spc="0" dirty="0">
-              <a:ln w="0">
-                <a:solidFill>
-                  <a:schemeClr val="tx1"/>
-                </a:solidFill>
-              </a:ln>
-              <a:solidFill>
-                <a:schemeClr val="bg2">
-                  <a:lumMod val="75000"/>
-                  <a:lumOff val="25000"/>
-                </a:schemeClr>
-              </a:solidFill>
-              <a:effectLst>
-                <a:outerShdw blurRad="38100" dist="19050" dir="2700000" algn="tl" rotWithShape="0">
-                  <a:schemeClr val="dk1">
-                    <a:alpha val="40000"/>
-                  </a:schemeClr>
-                </a:outerShdw>
-              </a:effectLst>
-            </a:endParaRPr>
-          </a:p>
-        </p:txBody>
-      </p:sp>
-      <p:sp>
-        <p:nvSpPr>
-          <p:cNvPr id="8" name="Rounded Rectangle 7"/>
-          <p:cNvSpPr/>
+              <a:rPr lang="en-SG" dirty="0" smtClean="0"/>
+              <a:t>Project Schedule</a:t>
+            </a:r>
+            <a:endParaRPr lang="en-SG" dirty="0"/>
+          </a:p>
+        </p:txBody>
+      </p:sp>
+      <p:sp>
+        <p:nvSpPr>
+          <p:cNvPr id="6" name="TextBox 5"/>
+          <p:cNvSpPr txBox="1"/>
           <p:nvPr/>
         </p:nvSpPr>
         <p:spPr>
           <a:xfrm>
-            <a:off x="985421" y="1225118"/>
-            <a:ext cx="9516862" cy="532661"/>
-          </a:xfrm>
-          <a:prstGeom prst="roundRect">
-            <a:avLst/>
-          </a:prstGeom>
-          <a:noFill/>
-        </p:spPr>
-        <p:style>
-          <a:lnRef idx="2">
-            <a:schemeClr val="accent1">
-              <a:shade val="50000"/>
-            </a:schemeClr>
-          </a:lnRef>
-          <a:fillRef idx="1">
-            <a:schemeClr val="accent1"/>
-          </a:fillRef>
-          <a:effectRef idx="0">
-            <a:schemeClr val="accent1"/>
-          </a:effectRef>
-          <a:fontRef idx="minor">
-            <a:schemeClr val="lt1"/>
-          </a:fontRef>
-        </p:style>
-        <p:txBody>
-          <a:bodyPr rtlCol="0" anchor="ctr"/>
-          <a:lstStyle/>
-          <a:p>
-            <a:pPr algn="ctr"/>
-            <a:r>
-              <a:rPr lang="en-SG" sz="2800" dirty="0" smtClean="0"/>
-              <a:t>ITERATION 1</a:t>
-            </a:r>
-            <a:endParaRPr lang="en-SG" sz="2800" dirty="0"/>
-          </a:p>
-        </p:txBody>
-      </p:sp>
-      <p:sp>
-        <p:nvSpPr>
-          <p:cNvPr id="10" name="Rectangle 9"/>
-          <p:cNvSpPr/>
-          <p:nvPr/>
-        </p:nvSpPr>
-        <p:spPr>
-          <a:xfrm>
-            <a:off x="781235" y="1961965"/>
-            <a:ext cx="10049522" cy="4421080"/>
+            <a:off x="6242049" y="437890"/>
+            <a:ext cx="2927985" cy="369332"/>
           </a:xfrm>
           <a:prstGeom prst="rect">
             <a:avLst/>
           </a:prstGeom>
           <a:noFill/>
         </p:spPr>
-        <p:style>
-          <a:lnRef idx="2">
-            <a:schemeClr val="accent1">
-              <a:shade val="50000"/>
-            </a:schemeClr>
-          </a:lnRef>
-          <a:fillRef idx="1">
-            <a:schemeClr val="accent1"/>
-          </a:fillRef>
-          <a:effectRef idx="0">
-            <a:schemeClr val="accent1"/>
-          </a:effectRef>
-          <a:fontRef idx="minor">
-            <a:schemeClr val="lt1"/>
-          </a:fontRef>
-        </p:style>
-        <p:txBody>
-          <a:bodyPr rtlCol="0" anchor="t">
-            <a:noAutofit/>
+        <p:txBody>
+          <a:bodyPr wrap="square" rtlCol="0">
+            <a:spAutoFit/>
           </a:bodyPr>
           <a:lstStyle/>
           <a:p>
             <a:r>
-              <a:rPr lang="en-SG" sz="2400" dirty="0" smtClean="0">
+              <a:rPr lang="en-SG" b="1" dirty="0">
                 <a:solidFill>
-                  <a:schemeClr val="accent1">
-                    <a:lumMod val="60000"/>
-                    <a:lumOff val="40000"/>
-                  </a:schemeClr>
+                  <a:srgbClr val="212121"/>
                 </a:solidFill>
+                <a:effectLst/>
               </a:rPr>
-              <a:t>PM: Jeremy</a:t>
-            </a:r>
-          </a:p>
-          <a:p>
-            <a:pPr marL="742950" lvl="1" indent="-285750">
-              <a:buFont typeface="Arial" panose="020B0604020202020204" pitchFamily="34" charset="0"/>
-              <a:buChar char="•"/>
-              <a:defRPr/>
-            </a:pPr>
-            <a:r>
-              <a:rPr lang="en-SG" sz="2400" dirty="0">
+              <a:t>Roles &amp; Responsibilities</a:t>
+            </a:r>
+          </a:p>
+        </p:txBody>
+      </p:sp>
+      <p:sp>
+        <p:nvSpPr>
+          <p:cNvPr id="7" name="TextBox 6"/>
+          <p:cNvSpPr txBox="1"/>
+          <p:nvPr/>
+        </p:nvSpPr>
+        <p:spPr>
+          <a:xfrm>
+            <a:off x="4442050" y="434991"/>
+            <a:ext cx="1800000" cy="540000"/>
+          </a:xfrm>
+          <a:prstGeom prst="rect">
+            <a:avLst/>
+          </a:prstGeom>
+          <a:noFill/>
+        </p:spPr>
+        <p:txBody>
+          <a:bodyPr wrap="square" rtlCol="0">
+            <a:spAutoFit/>
+          </a:bodyPr>
+          <a:lstStyle/>
+          <a:p>
+            <a:pPr algn="ctr"/>
+            <a:r>
+              <a:rPr lang="en-SG" dirty="0" smtClean="0"/>
+              <a:t>Metrics</a:t>
+            </a:r>
+            <a:endParaRPr lang="en-SG" dirty="0"/>
+          </a:p>
+        </p:txBody>
+      </p:sp>
+      <p:sp>
+        <p:nvSpPr>
+          <p:cNvPr id="8" name="TextBox 7"/>
+          <p:cNvSpPr txBox="1"/>
+          <p:nvPr/>
+        </p:nvSpPr>
+        <p:spPr>
+          <a:xfrm>
+            <a:off x="9170035" y="434991"/>
+            <a:ext cx="3962400" cy="369332"/>
+          </a:xfrm>
+          <a:prstGeom prst="rect">
+            <a:avLst/>
+          </a:prstGeom>
+          <a:noFill/>
+        </p:spPr>
+        <p:txBody>
+          <a:bodyPr wrap="square" rtlCol="0">
+            <a:spAutoFit/>
+          </a:bodyPr>
+          <a:lstStyle/>
+          <a:p>
+            <a:r>
+              <a:rPr lang="en-SG" dirty="0"/>
+              <a:t>PP</a:t>
+            </a:r>
+            <a:r>
+              <a:rPr lang="en-SG" dirty="0" smtClean="0">
                 <a:solidFill>
-                  <a:schemeClr val="tx1">
-                    <a:lumMod val="95000"/>
-                  </a:schemeClr>
+                  <a:srgbClr val="FFFF00"/>
                 </a:solidFill>
+                <a:effectLst>
+                  <a:glow rad="139700">
+                    <a:schemeClr val="accent3">
+                      <a:satMod val="175000"/>
+                      <a:alpha val="40000"/>
+                    </a:schemeClr>
+                  </a:glow>
+                </a:effectLst>
               </a:rPr>
-              <a:t>	</a:t>
-            </a:r>
-            <a:r>
-              <a:rPr lang="en-SG" sz="2400" dirty="0" smtClean="0">
-                <a:solidFill>
-                  <a:schemeClr val="tx1">
-                    <a:lumMod val="95000"/>
-                  </a:schemeClr>
-                </a:solidFill>
-              </a:rPr>
-              <a:t>Use </a:t>
-            </a:r>
-            <a:r>
-              <a:rPr lang="en-SG" sz="2400" dirty="0">
-                <a:solidFill>
-                  <a:schemeClr val="tx1">
-                    <a:lumMod val="95000"/>
-                  </a:schemeClr>
-                </a:solidFill>
-              </a:rPr>
-              <a:t>Case Diagram</a:t>
-            </a:r>
-          </a:p>
-          <a:p>
-            <a:pPr marL="742950" lvl="1" indent="-285750">
-              <a:buFont typeface="Arial" panose="020B0604020202020204" pitchFamily="34" charset="0"/>
-              <a:buChar char="•"/>
-              <a:defRPr/>
-            </a:pPr>
-            <a:r>
-              <a:rPr lang="en-SG" sz="2400" dirty="0" smtClean="0">
-                <a:solidFill>
-                  <a:schemeClr val="tx1">
-                    <a:lumMod val="95000"/>
-                  </a:schemeClr>
-                </a:solidFill>
-              </a:rPr>
-              <a:t>	Domain </a:t>
-            </a:r>
-            <a:r>
-              <a:rPr lang="en-SG" sz="2400" dirty="0">
-                <a:solidFill>
-                  <a:schemeClr val="tx1">
-                    <a:lumMod val="95000"/>
-                  </a:schemeClr>
-                </a:solidFill>
-              </a:rPr>
-              <a:t>Diagram</a:t>
-            </a:r>
-          </a:p>
-          <a:p>
-            <a:endParaRPr lang="en-SG" sz="2400" dirty="0" smtClean="0"/>
-          </a:p>
-          <a:p>
-            <a:endParaRPr lang="en-SG" sz="2400" dirty="0"/>
-          </a:p>
-          <a:p>
-            <a:r>
-              <a:rPr lang="en-SG" sz="2400" dirty="0" smtClean="0">
-                <a:solidFill>
-                  <a:schemeClr val="accent1">
-                    <a:lumMod val="60000"/>
-                    <a:lumOff val="40000"/>
-                  </a:schemeClr>
-                </a:solidFill>
-              </a:rPr>
-              <a:t>Pair 1: Darren + Shu Wen</a:t>
-            </a:r>
-          </a:p>
-          <a:p>
-            <a:pPr marL="742950" lvl="1" indent="-285750">
-              <a:buFont typeface="Arial" panose="020B0604020202020204" pitchFamily="34" charset="0"/>
-              <a:buChar char="•"/>
-            </a:pPr>
-            <a:r>
-              <a:rPr lang="en-SG" sz="2400" dirty="0" smtClean="0"/>
-              <a:t>ER Diagram</a:t>
-            </a:r>
-          </a:p>
-          <a:p>
-            <a:endParaRPr lang="en-SG" sz="2400" dirty="0"/>
-          </a:p>
-          <a:p>
-            <a:r>
-              <a:rPr lang="en-SG" sz="2400" dirty="0" smtClean="0">
-                <a:solidFill>
-                  <a:schemeClr val="accent1">
-                    <a:lumMod val="60000"/>
-                    <a:lumOff val="40000"/>
-                  </a:schemeClr>
-                </a:solidFill>
-              </a:rPr>
-              <a:t>Pair 2: Zhi Hui + Nabilah</a:t>
-            </a:r>
-          </a:p>
-          <a:p>
-            <a:pPr marL="742950" lvl="1" indent="-285750">
-              <a:buFont typeface="Arial" panose="020B0604020202020204" pitchFamily="34" charset="0"/>
-              <a:buChar char="•"/>
-            </a:pPr>
-            <a:r>
-              <a:rPr lang="en-SG" sz="2400" dirty="0" smtClean="0"/>
-              <a:t>Sequence Diagram </a:t>
-            </a:r>
-            <a:endParaRPr lang="en-SG" sz="1600" dirty="0"/>
+              <a:t> </a:t>
+            </a:r>
+            <a:r>
+              <a:rPr lang="en-SG" dirty="0"/>
+              <a:t>Team &amp; Rotation Plans</a:t>
+            </a:r>
           </a:p>
         </p:txBody>
       </p:sp>
     </p:spTree>
     <p:extLst>
       <p:ext uri="{BB962C8B-B14F-4D97-AF65-F5344CB8AC3E}">
-        <p14:creationId xmlns:p14="http://schemas.microsoft.com/office/powerpoint/2010/main" val="1946507068"/>
+        <p14:creationId xmlns:p14="http://schemas.microsoft.com/office/powerpoint/2010/main" val="4269783720"/>
       </p:ext>
     </p:extLst>
   </p:cSld>
   <p:clrMapOvr>
     <a:masterClrMapping/>
   </p:clrMapOvr>
+  <mc:AlternateContent xmlns:mc="http://schemas.openxmlformats.org/markup-compatibility/2006" xmlns:p14="http://schemas.microsoft.com/office/powerpoint/2010/main">
+    <mc:Choice Requires="p14">
+      <p:transition p14:dur="0"/>
+    </mc:Choice>
+    <mc:Fallback xmlns="">
+      <p:transition/>
+    </mc:Fallback>
+  </mc:AlternateContent>
   <p:timing>
     <p:tnLst>
       <p:par>
@@ -7158,14 +7417,14 @@
       </p:sp>
       <p:sp>
         <p:nvSpPr>
-          <p:cNvPr id="6" name="Rectangle 5"/>
+          <p:cNvPr id="5" name="Rectangle 4"/>
           <p:cNvSpPr/>
           <p:nvPr/>
         </p:nvSpPr>
         <p:spPr>
           <a:xfrm>
-            <a:off x="751840" y="1091953"/>
-            <a:ext cx="10471015" cy="5291092"/>
+            <a:off x="781235" y="1091953"/>
+            <a:ext cx="10049522" cy="5291092"/>
           </a:xfrm>
           <a:prstGeom prst="rect">
             <a:avLst/>
@@ -7221,18 +7480,12 @@
           <a:p>
             <a:pPr algn="ctr"/>
             <a:r>
-              <a:rPr lang="en-US" sz="4800" b="0" cap="none" spc="0" dirty="0" smtClean="0">
+              <a:rPr lang="en-US" sz="4800" b="1" cap="none" spc="0" dirty="0" smtClean="0">
                 <a:ln w="0">
                   <a:solidFill>
                     <a:schemeClr val="tx1"/>
                   </a:solidFill>
                 </a:ln>
-                <a:solidFill>
-                  <a:schemeClr val="bg2">
-                    <a:lumMod val="75000"/>
-                    <a:lumOff val="25000"/>
-                  </a:schemeClr>
-                </a:solidFill>
                 <a:effectLst>
                   <a:outerShdw blurRad="38100" dist="19050" dir="2700000" algn="tl" rotWithShape="0">
                     <a:schemeClr val="dk1">
@@ -7243,18 +7496,12 @@
               </a:rPr>
               <a:t>Who is Doing What</a:t>
             </a:r>
-            <a:endParaRPr lang="en-US" sz="4800" b="0" cap="none" spc="0" dirty="0">
+            <a:endParaRPr lang="en-US" sz="4800" b="1" cap="none" spc="0" dirty="0">
               <a:ln w="0">
                 <a:solidFill>
                   <a:schemeClr val="tx1"/>
                 </a:solidFill>
               </a:ln>
-              <a:solidFill>
-                <a:schemeClr val="bg2">
-                  <a:lumMod val="75000"/>
-                  <a:lumOff val="25000"/>
-                </a:schemeClr>
-              </a:solidFill>
               <a:effectLst>
                 <a:outerShdw blurRad="38100" dist="19050" dir="2700000" algn="tl" rotWithShape="0">
                   <a:schemeClr val="dk1">
@@ -7268,14 +7515,14 @@
       </p:sp>
       <p:sp>
         <p:nvSpPr>
-          <p:cNvPr id="9" name="Rounded Rectangle 8"/>
+          <p:cNvPr id="8" name="Rounded Rectangle 7"/>
           <p:cNvSpPr/>
           <p:nvPr/>
         </p:nvSpPr>
         <p:spPr>
           <a:xfrm>
-            <a:off x="944880" y="1225118"/>
-            <a:ext cx="10069350" cy="532661"/>
+            <a:off x="985421" y="1225118"/>
+            <a:ext cx="9516862" cy="532661"/>
           </a:xfrm>
           <a:prstGeom prst="roundRect">
             <a:avLst/>
@@ -7305,7 +7552,7 @@
             <a:pPr algn="ctr"/>
             <a:r>
               <a:rPr lang="en-SG" sz="2800" dirty="0" smtClean="0"/>
-              <a:t>ITERATION 2</a:t>
+              <a:t>ITERATION 1</a:t>
             </a:r>
             <a:endParaRPr lang="en-SG" sz="2800" dirty="0"/>
           </a:p>
@@ -7313,14 +7560,14 @@
       </p:sp>
       <p:sp>
         <p:nvSpPr>
-          <p:cNvPr id="11" name="Rectangle 10"/>
+          <p:cNvPr id="10" name="Rectangle 9"/>
           <p:cNvSpPr/>
           <p:nvPr/>
         </p:nvSpPr>
         <p:spPr>
           <a:xfrm>
-            <a:off x="751840" y="1961965"/>
-            <a:ext cx="10471015" cy="4421080"/>
+            <a:off x="781235" y="1961965"/>
+            <a:ext cx="10049522" cy="4421080"/>
           </a:xfrm>
           <a:prstGeom prst="rect">
             <a:avLst/>
@@ -7344,7 +7591,9 @@
           </a:fontRef>
         </p:style>
         <p:txBody>
-          <a:bodyPr rtlCol="0" anchor="t"/>
+          <a:bodyPr rtlCol="0" anchor="t">
+            <a:noAutofit/>
+          </a:bodyPr>
           <a:lstStyle/>
           <a:p>
             <a:r>
@@ -7356,42 +7605,77 @@
                   </a:schemeClr>
                 </a:solidFill>
               </a:rPr>
-              <a:t>PM: Zhi Hui</a:t>
+              <a:t>PM: Jeremy</a:t>
             </a:r>
           </a:p>
           <a:p>
             <a:pPr marL="742950" lvl="1" indent="-285750">
               <a:buFont typeface="Arial" panose="020B0604020202020204" pitchFamily="34" charset="0"/>
               <a:buChar char="•"/>
+              <a:defRPr/>
             </a:pPr>
             <a:r>
-              <a:rPr lang="en-SG" sz="2400" dirty="0"/>
-              <a:t>Supervisor Meeting </a:t>
-            </a:r>
-            <a:r>
-              <a:rPr lang="en-SG" sz="2400" dirty="0" smtClean="0"/>
-              <a:t>1 </a:t>
-            </a:r>
-            <a:r>
-              <a:rPr lang="en-SG" sz="2400" dirty="0"/>
-              <a:t>Slides</a:t>
-            </a:r>
-          </a:p>
-          <a:p>
-            <a:pPr marL="800100" lvl="1" indent="-342900">
+              <a:rPr lang="en-SG" sz="2400" dirty="0">
+                <a:solidFill>
+                  <a:schemeClr val="tx1">
+                    <a:lumMod val="95000"/>
+                  </a:schemeClr>
+                </a:solidFill>
+              </a:rPr>
+              <a:t>	</a:t>
+            </a:r>
+            <a:r>
+              <a:rPr lang="en-SG" sz="2400" dirty="0" smtClean="0">
+                <a:solidFill>
+                  <a:schemeClr val="tx1">
+                    <a:lumMod val="95000"/>
+                  </a:schemeClr>
+                </a:solidFill>
+              </a:rPr>
+              <a:t>Use </a:t>
+            </a:r>
+            <a:r>
+              <a:rPr lang="en-SG" sz="2400" dirty="0">
+                <a:solidFill>
+                  <a:schemeClr val="tx1">
+                    <a:lumMod val="95000"/>
+                  </a:schemeClr>
+                </a:solidFill>
+              </a:rPr>
+              <a:t>Case Diagram</a:t>
+            </a:r>
+          </a:p>
+          <a:p>
+            <a:pPr marL="742950" lvl="1" indent="-285750">
               <a:buFont typeface="Arial" panose="020B0604020202020204" pitchFamily="34" charset="0"/>
               <a:buChar char="•"/>
+              <a:defRPr/>
             </a:pPr>
             <a:r>
-              <a:rPr lang="en-SG" sz="2400" dirty="0" smtClean="0"/>
-              <a:t>Task metrics &amp; Test plan</a:t>
-            </a:r>
-          </a:p>
-          <a:p>
-            <a:pPr marL="800100" lvl="1" indent="-342900">
-              <a:buFont typeface="Arial" panose="020B0604020202020204" pitchFamily="34" charset="0"/>
-              <a:buChar char="•"/>
-            </a:pPr>
+              <a:rPr lang="en-SG" sz="2400" dirty="0" smtClean="0">
+                <a:solidFill>
+                  <a:schemeClr val="tx1">
+                    <a:lumMod val="95000"/>
+                  </a:schemeClr>
+                </a:solidFill>
+              </a:rPr>
+              <a:t>	Domain </a:t>
+            </a:r>
+            <a:r>
+              <a:rPr lang="en-SG" sz="2400" dirty="0">
+                <a:solidFill>
+                  <a:schemeClr val="tx1">
+                    <a:lumMod val="95000"/>
+                  </a:schemeClr>
+                </a:solidFill>
+              </a:rPr>
+              <a:t>Diagram</a:t>
+            </a:r>
+          </a:p>
+          <a:p>
+            <a:endParaRPr lang="en-SG" sz="2400" dirty="0" smtClean="0"/>
+          </a:p>
+          <a:p>
             <a:endParaRPr lang="en-SG" sz="2400" dirty="0"/>
           </a:p>
           <a:p>
@@ -7404,32 +7688,18 @@
                   </a:schemeClr>
                 </a:solidFill>
               </a:rPr>
-              <a:t>Pair 1: Darren + Nabilah</a:t>
+              <a:t>Pair 1: Darren + Shu Wen</a:t>
             </a:r>
           </a:p>
           <a:p>
             <a:pPr marL="742950" lvl="1" indent="-285750">
               <a:buFont typeface="Arial" panose="020B0604020202020204" pitchFamily="34" charset="0"/>
               <a:buChar char="•"/>
-              <a:defRPr/>
             </a:pPr>
             <a:r>
-              <a:rPr lang="en-SG" sz="2400" dirty="0" smtClean="0">
-                <a:solidFill>
-                  <a:schemeClr val="tx1">
-                    <a:lumMod val="95000"/>
-                  </a:schemeClr>
-                </a:solidFill>
-              </a:rPr>
-              <a:t>Bootstrap</a:t>
-            </a:r>
-            <a:endParaRPr lang="en-SG" sz="2400" dirty="0">
-              <a:solidFill>
-                <a:schemeClr val="tx1">
-                  <a:lumMod val="95000"/>
-                </a:schemeClr>
-              </a:solidFill>
-            </a:endParaRPr>
+              <a:rPr lang="en-SG" sz="2400" dirty="0" smtClean="0"/>
+              <a:t>ER Diagram</a:t>
+            </a:r>
           </a:p>
           <a:p>
             <a:endParaRPr lang="en-SG" sz="2400" dirty="0"/>
@@ -7444,96 +7714,26 @@
                   </a:schemeClr>
                 </a:solidFill>
               </a:rPr>
-              <a:t>Pair 2: Jeremy + Shu Wen</a:t>
+              <a:t>Pair 2: Zhi Hui + Nabilah</a:t>
             </a:r>
           </a:p>
           <a:p>
             <a:pPr marL="742950" lvl="1" indent="-285750">
               <a:buFont typeface="Arial" panose="020B0604020202020204" pitchFamily="34" charset="0"/>
               <a:buChar char="•"/>
-              <a:defRPr/>
             </a:pPr>
             <a:r>
-              <a:rPr lang="en-SG" sz="2400" dirty="0" smtClean="0">
-                <a:solidFill>
-                  <a:schemeClr val="tx1">
-                    <a:lumMod val="95000"/>
-                  </a:schemeClr>
-                </a:solidFill>
-              </a:rPr>
-              <a:t>Sequence Diagrams</a:t>
-            </a:r>
-          </a:p>
-          <a:p>
-            <a:pPr marL="742950" lvl="1" indent="-285750">
-              <a:buFont typeface="Arial" panose="020B0604020202020204" pitchFamily="34" charset="0"/>
-              <a:buChar char="•"/>
-              <a:defRPr/>
-            </a:pPr>
-            <a:r>
-              <a:rPr lang="en-SG" sz="2400" dirty="0" smtClean="0">
-                <a:solidFill>
-                  <a:schemeClr val="tx1">
-                    <a:lumMod val="95000"/>
-                  </a:schemeClr>
-                </a:solidFill>
-              </a:rPr>
-              <a:t>Class </a:t>
-            </a:r>
-            <a:r>
-              <a:rPr lang="en-SG" sz="2400" dirty="0">
-                <a:solidFill>
-                  <a:schemeClr val="tx1">
-                    <a:lumMod val="95000"/>
-                  </a:schemeClr>
-                </a:solidFill>
-              </a:rPr>
-              <a:t>diagram</a:t>
-            </a:r>
-          </a:p>
-          <a:p>
-            <a:pPr marL="742950" lvl="1" indent="-285750">
-              <a:buFont typeface="Arial" panose="020B0604020202020204" pitchFamily="34" charset="0"/>
-              <a:buChar char="•"/>
-              <a:defRPr/>
-            </a:pPr>
-            <a:r>
-              <a:rPr lang="en-SG" sz="2400" dirty="0">
-                <a:solidFill>
-                  <a:schemeClr val="tx1">
-                    <a:lumMod val="95000"/>
-                  </a:schemeClr>
-                </a:solidFill>
-              </a:rPr>
-              <a:t>Test cases: Bootstrap</a:t>
-            </a:r>
-          </a:p>
-          <a:p>
-            <a:pPr marL="742950" lvl="1" indent="-285750">
-              <a:buFont typeface="Arial" panose="020B0604020202020204" pitchFamily="34" charset="0"/>
-              <a:buChar char="•"/>
-              <a:defRPr/>
-            </a:pPr>
-            <a:r>
-              <a:rPr lang="en-SG" sz="2400" dirty="0">
-                <a:solidFill>
-                  <a:schemeClr val="tx1">
-                    <a:lumMod val="95000"/>
-                  </a:schemeClr>
-                </a:solidFill>
-              </a:rPr>
-              <a:t>Test files</a:t>
-            </a:r>
-          </a:p>
-          <a:p>
-            <a:endParaRPr lang="en-SG" sz="2400" dirty="0"/>
+              <a:rPr lang="en-SG" sz="2400" dirty="0" smtClean="0"/>
+              <a:t>Sequence Diagram </a:t>
+            </a:r>
+            <a:endParaRPr lang="en-SG" sz="1600" dirty="0"/>
           </a:p>
         </p:txBody>
       </p:sp>
     </p:spTree>
     <p:extLst>
       <p:ext uri="{BB962C8B-B14F-4D97-AF65-F5344CB8AC3E}">
-        <p14:creationId xmlns:p14="http://schemas.microsoft.com/office/powerpoint/2010/main" val="1267507598"/>
+        <p14:creationId xmlns:p14="http://schemas.microsoft.com/office/powerpoint/2010/main" val="1946507068"/>
       </p:ext>
     </p:extLst>
   </p:cSld>
@@ -7630,8 +7830,8 @@
         </p:nvSpPr>
         <p:spPr>
           <a:xfrm>
-            <a:off x="873760" y="1091952"/>
-            <a:ext cx="10607040" cy="5641759"/>
+            <a:off x="739162" y="1035182"/>
+            <a:ext cx="10471015" cy="5698530"/>
           </a:xfrm>
           <a:prstGeom prst="rect">
             <a:avLst/>
@@ -7687,18 +7887,12 @@
           <a:p>
             <a:pPr algn="ctr"/>
             <a:r>
-              <a:rPr lang="en-US" sz="4800" b="0" cap="none" spc="0" dirty="0" smtClean="0">
+              <a:rPr lang="en-US" sz="4800" b="1" cap="none" spc="0" dirty="0" smtClean="0">
                 <a:ln w="0">
                   <a:solidFill>
                     <a:schemeClr val="tx1"/>
                   </a:solidFill>
                 </a:ln>
-                <a:solidFill>
-                  <a:schemeClr val="bg2">
-                    <a:lumMod val="75000"/>
-                    <a:lumOff val="25000"/>
-                  </a:schemeClr>
-                </a:solidFill>
                 <a:effectLst>
                   <a:outerShdw blurRad="38100" dist="19050" dir="2700000" algn="tl" rotWithShape="0">
                     <a:schemeClr val="dk1">
@@ -7709,18 +7903,12 @@
               </a:rPr>
               <a:t>Who is Doing What</a:t>
             </a:r>
-            <a:endParaRPr lang="en-US" sz="4800" b="0" cap="none" spc="0" dirty="0">
+            <a:endParaRPr lang="en-US" sz="4800" b="1" cap="none" spc="0" dirty="0">
               <a:ln w="0">
                 <a:solidFill>
                   <a:schemeClr val="tx1"/>
                 </a:solidFill>
               </a:ln>
-              <a:solidFill>
-                <a:schemeClr val="bg2">
-                  <a:lumMod val="75000"/>
-                  <a:lumOff val="25000"/>
-                </a:schemeClr>
-              </a:solidFill>
               <a:effectLst>
                 <a:outerShdw blurRad="38100" dist="19050" dir="2700000" algn="tl" rotWithShape="0">
                   <a:schemeClr val="dk1">
@@ -7740,8 +7928,8 @@
         </p:nvSpPr>
         <p:spPr>
           <a:xfrm>
-            <a:off x="1056640" y="1225118"/>
-            <a:ext cx="9957590" cy="532661"/>
+            <a:off x="944880" y="1154094"/>
+            <a:ext cx="10069350" cy="532661"/>
           </a:xfrm>
           <a:prstGeom prst="roundRect">
             <a:avLst/>
@@ -7771,7 +7959,7 @@
             <a:pPr algn="ctr"/>
             <a:r>
               <a:rPr lang="en-SG" sz="2800" dirty="0" smtClean="0"/>
-              <a:t>ITERATION 3</a:t>
+              <a:t>ITERATION 2</a:t>
             </a:r>
             <a:endParaRPr lang="en-SG" sz="2800" dirty="0"/>
           </a:p>
@@ -7785,8 +7973,8 @@
         </p:nvSpPr>
         <p:spPr>
           <a:xfrm>
-            <a:off x="873760" y="1961964"/>
-            <a:ext cx="10607040" cy="4771747"/>
+            <a:off x="751840" y="1802160"/>
+            <a:ext cx="10471015" cy="4896035"/>
           </a:xfrm>
           <a:prstGeom prst="rect">
             <a:avLst/>
@@ -7814,7 +8002,7 @@
           <a:lstStyle/>
           <a:p>
             <a:r>
-              <a:rPr lang="en-SG" sz="3200" dirty="0" smtClean="0">
+              <a:rPr lang="en-SG" sz="2400" dirty="0" smtClean="0">
                 <a:solidFill>
                   <a:schemeClr val="accent1">
                     <a:lumMod val="60000"/>
@@ -7822,7 +8010,7 @@
                   </a:schemeClr>
                 </a:solidFill>
               </a:rPr>
-              <a:t>PM: Nabilah</a:t>
+              <a:t>PM: Zhi Hui</a:t>
             </a:r>
           </a:p>
           <a:p>
@@ -7831,36 +8019,38 @@
               <a:buChar char="•"/>
             </a:pPr>
             <a:r>
-              <a:rPr lang="en-SG" sz="3200" dirty="0" smtClean="0"/>
-              <a:t>PM Review Slides</a:t>
-            </a:r>
-          </a:p>
-          <a:p>
-            <a:pPr marL="742950" lvl="1" indent="-285750">
+              <a:rPr lang="en-SG" sz="2400" dirty="0"/>
+              <a:t>Supervisor Meeting </a:t>
+            </a:r>
+            <a:r>
+              <a:rPr lang="en-SG" sz="2400" dirty="0" smtClean="0"/>
+              <a:t>1 </a:t>
+            </a:r>
+            <a:r>
+              <a:rPr lang="en-SG" sz="2400" dirty="0"/>
+              <a:t>Slides</a:t>
+            </a:r>
+          </a:p>
+          <a:p>
+            <a:pPr marL="800100" lvl="1" indent="-342900">
               <a:buFont typeface="Arial" panose="020B0604020202020204" pitchFamily="34" charset="0"/>
               <a:buChar char="•"/>
             </a:pPr>
             <a:r>
-              <a:rPr lang="en-SG" sz="3200" dirty="0" smtClean="0"/>
-              <a:t>Prepare Test Cases</a:t>
-            </a:r>
-          </a:p>
-          <a:p>
-            <a:pPr marL="742950" lvl="1" indent="-285750">
+              <a:rPr lang="en-SG" sz="2400" dirty="0" smtClean="0"/>
+              <a:t>Task metrics &amp; Test plan</a:t>
+            </a:r>
+          </a:p>
+          <a:p>
+            <a:pPr marL="800100" lvl="1" indent="-342900">
               <a:buFont typeface="Arial" panose="020B0604020202020204" pitchFamily="34" charset="0"/>
               <a:buChar char="•"/>
             </a:pPr>
-            <a:r>
-              <a:rPr lang="en-SG" sz="3200" dirty="0" smtClean="0"/>
-              <a:t>Regression Testing</a:t>
-            </a:r>
-          </a:p>
-          <a:p>
-            <a:endParaRPr lang="en-SG" sz="3200" dirty="0"/>
-          </a:p>
-          <a:p>
-            <a:r>
-              <a:rPr lang="en-SG" sz="3200" dirty="0" smtClean="0">
+            <a:endParaRPr lang="en-SG" sz="2400" dirty="0"/>
+          </a:p>
+          <a:p>
+            <a:r>
+              <a:rPr lang="en-SG" sz="2400" dirty="0" smtClean="0">
                 <a:solidFill>
                   <a:schemeClr val="accent1">
                     <a:lumMod val="60000"/>
@@ -7868,92 +8058,54 @@
                   </a:schemeClr>
                 </a:solidFill>
               </a:rPr>
-              <a:t>Pair 1: Darren + Shu Wen</a:t>
+              <a:t>Pair 1: Darren + Nabilah</a:t>
             </a:r>
           </a:p>
           <a:p>
             <a:pPr marL="742950" lvl="1" indent="-285750">
               <a:buFont typeface="Arial" panose="020B0604020202020204" pitchFamily="34" charset="0"/>
               <a:buChar char="•"/>
+              <a:defRPr/>
             </a:pPr>
             <a:r>
-              <a:rPr lang="en-SG" sz="3200" dirty="0" smtClean="0"/>
-              <a:t>Bootstrap (Cont.)</a:t>
+              <a:rPr lang="en-SG" sz="2400" dirty="0" smtClean="0">
+                <a:solidFill>
+                  <a:schemeClr val="tx1">
+                    <a:lumMod val="95000"/>
+                  </a:schemeClr>
+                </a:solidFill>
+              </a:rPr>
+              <a:t>Sequence Diagram</a:t>
             </a:r>
           </a:p>
           <a:p>
             <a:pPr marL="742950" lvl="1" indent="-285750">
               <a:buFont typeface="Arial" panose="020B0604020202020204" pitchFamily="34" charset="0"/>
               <a:buChar char="•"/>
+              <a:defRPr/>
             </a:pPr>
             <a:r>
-              <a:rPr lang="en-SG" sz="3200" dirty="0" smtClean="0"/>
-              <a:t>Basic App Report</a:t>
+              <a:rPr lang="en-SG" sz="2400" dirty="0" smtClean="0">
+                <a:solidFill>
+                  <a:schemeClr val="tx1">
+                    <a:lumMod val="95000"/>
+                  </a:schemeClr>
+                </a:solidFill>
+              </a:rPr>
+              <a:t>Bootstrap</a:t>
             </a:r>
           </a:p>
           <a:p>
             <a:pPr marL="742950" lvl="1" indent="-285750">
               <a:buFont typeface="Arial" panose="020B0604020202020204" pitchFamily="34" charset="0"/>
               <a:buChar char="•"/>
+              <a:defRPr/>
             </a:pPr>
-            <a:r>
-              <a:rPr lang="en-SG" sz="3200" dirty="0" smtClean="0"/>
-              <a:t>Deploy to Openshift</a:t>
-            </a:r>
-          </a:p>
-          <a:p>
-            <a:endParaRPr lang="en-SG" sz="3200" dirty="0">
-              <a:solidFill>
-                <a:schemeClr val="accent1">
-                  <a:lumMod val="60000"/>
-                  <a:lumOff val="40000"/>
-                </a:schemeClr>
-              </a:solidFill>
-            </a:endParaRPr>
-          </a:p>
-        </p:txBody>
-      </p:sp>
-      <p:sp>
-        <p:nvSpPr>
-          <p:cNvPr id="3" name="Rectangle 2"/>
-          <p:cNvSpPr/>
-          <p:nvPr/>
-        </p:nvSpPr>
-        <p:spPr>
-          <a:xfrm>
-            <a:off x="6461366" y="2712521"/>
-            <a:ext cx="5550617" cy="2905760"/>
-          </a:xfrm>
-          <a:prstGeom prst="rect">
-            <a:avLst/>
-          </a:prstGeom>
-          <a:noFill/>
-          <a:ln>
-            <a:noFill/>
-          </a:ln>
-        </p:spPr>
-        <p:style>
-          <a:lnRef idx="2">
-            <a:schemeClr val="accent1">
-              <a:shade val="50000"/>
-            </a:schemeClr>
-          </a:lnRef>
-          <a:fillRef idx="1">
-            <a:schemeClr val="accent1"/>
-          </a:fillRef>
-          <a:effectRef idx="0">
-            <a:schemeClr val="accent1"/>
-          </a:effectRef>
-          <a:fontRef idx="minor">
-            <a:schemeClr val="lt1"/>
-          </a:fontRef>
-        </p:style>
-        <p:txBody>
-          <a:bodyPr rtlCol="0" anchor="ctr"/>
-          <a:lstStyle/>
-          <a:p>
-            <a:r>
-              <a:rPr lang="en-SG" sz="3200" dirty="0">
+            <a:endParaRPr lang="en-SG" sz="2400" dirty="0"/>
+          </a:p>
+          <a:p>
+            <a:r>
+              <a:rPr lang="en-SG" sz="2400" dirty="0" smtClean="0">
                 <a:solidFill>
                   <a:schemeClr val="accent1">
                     <a:lumMod val="60000"/>
@@ -7961,92 +8113,96 @@
                   </a:schemeClr>
                 </a:solidFill>
               </a:rPr>
-              <a:t>Pair 2: </a:t>
-            </a:r>
-            <a:r>
-              <a:rPr lang="en-SG" sz="3200" dirty="0" smtClean="0">
+              <a:t>Pair 2: Jeremy + Shu Wen</a:t>
+            </a:r>
+          </a:p>
+          <a:p>
+            <a:pPr marL="742950" lvl="1" indent="-285750">
+              <a:buFont typeface="Arial" panose="020B0604020202020204" pitchFamily="34" charset="0"/>
+              <a:buChar char="•"/>
+              <a:defRPr/>
+            </a:pPr>
+            <a:r>
+              <a:rPr lang="en-SG" sz="2400" dirty="0" smtClean="0">
                 <a:solidFill>
-                  <a:schemeClr val="accent1">
-                    <a:lumMod val="60000"/>
-                    <a:lumOff val="40000"/>
+                  <a:schemeClr val="tx1">
+                    <a:lumMod val="95000"/>
                   </a:schemeClr>
                 </a:solidFill>
               </a:rPr>
-              <a:t>Jeremy + </a:t>
-            </a:r>
-            <a:r>
-              <a:rPr lang="en-SG" sz="3200" dirty="0" err="1" smtClean="0">
+              <a:t>Sequence Diagrams</a:t>
+            </a:r>
+          </a:p>
+          <a:p>
+            <a:pPr marL="742950" lvl="1" indent="-285750">
+              <a:buFont typeface="Arial" panose="020B0604020202020204" pitchFamily="34" charset="0"/>
+              <a:buChar char="•"/>
+              <a:defRPr/>
+            </a:pPr>
+            <a:r>
+              <a:rPr lang="en-SG" sz="2400" dirty="0" smtClean="0">
                 <a:solidFill>
-                  <a:schemeClr val="accent1">
-                    <a:lumMod val="60000"/>
-                    <a:lumOff val="40000"/>
+                  <a:schemeClr val="tx1">
+                    <a:lumMod val="95000"/>
                   </a:schemeClr>
                 </a:solidFill>
               </a:rPr>
-              <a:t>Zhi</a:t>
-            </a:r>
-            <a:r>
-              <a:rPr lang="en-SG" sz="3200" dirty="0" smtClean="0">
+              <a:t>Class </a:t>
+            </a:r>
+            <a:r>
+              <a:rPr lang="en-SG" sz="2400" dirty="0">
                 <a:solidFill>
-                  <a:schemeClr val="accent1">
-                    <a:lumMod val="60000"/>
-                    <a:lumOff val="40000"/>
+                  <a:schemeClr val="tx1">
+                    <a:lumMod val="95000"/>
                   </a:schemeClr>
                 </a:solidFill>
               </a:rPr>
-              <a:t> Hui</a:t>
-            </a:r>
-            <a:endParaRPr lang="en-SG" sz="3200" dirty="0">
-              <a:solidFill>
-                <a:schemeClr val="accent1">
-                  <a:lumMod val="60000"/>
-                  <a:lumOff val="40000"/>
-                </a:schemeClr>
-              </a:solidFill>
-            </a:endParaRPr>
+              <a:t>diagram</a:t>
+            </a:r>
           </a:p>
           <a:p>
             <a:pPr marL="742950" lvl="1" indent="-285750">
               <a:buFont typeface="Arial" panose="020B0604020202020204" pitchFamily="34" charset="0"/>
               <a:buChar char="•"/>
+              <a:defRPr/>
             </a:pPr>
             <a:r>
-              <a:rPr lang="en-SG" sz="3200" dirty="0" smtClean="0"/>
-              <a:t>Login Logout</a:t>
+              <a:rPr lang="en-SG" sz="2400" dirty="0">
+                <a:solidFill>
+                  <a:schemeClr val="tx1">
+                    <a:lumMod val="95000"/>
+                  </a:schemeClr>
+                </a:solidFill>
+              </a:rPr>
+              <a:t>Test cases: Bootstrap</a:t>
             </a:r>
           </a:p>
           <a:p>
             <a:pPr marL="742950" lvl="1" indent="-285750">
               <a:buFont typeface="Arial" panose="020B0604020202020204" pitchFamily="34" charset="0"/>
               <a:buChar char="•"/>
+              <a:defRPr/>
             </a:pPr>
             <a:r>
-              <a:rPr lang="en-SG" sz="3200" dirty="0" smtClean="0"/>
-              <a:t>Delete Location</a:t>
-            </a:r>
-            <a:endParaRPr lang="en-SG" sz="3200" dirty="0" smtClean="0"/>
-          </a:p>
-          <a:p>
-            <a:pPr marL="742950" lvl="1" indent="-285750">
-              <a:buFont typeface="Arial" panose="020B0604020202020204" pitchFamily="34" charset="0"/>
-              <a:buChar char="•"/>
-            </a:pPr>
-            <a:r>
-              <a:rPr lang="en-SG" sz="3200" dirty="0" smtClean="0"/>
-              <a:t>Usage </a:t>
-            </a:r>
-            <a:r>
-              <a:rPr lang="en-SG" sz="3200" dirty="0" err="1" smtClean="0"/>
-              <a:t>Heatmap</a:t>
-            </a:r>
-            <a:endParaRPr lang="en-SG" sz="3200" dirty="0"/>
+              <a:rPr lang="en-SG" sz="2400" dirty="0">
+                <a:solidFill>
+                  <a:schemeClr val="tx1">
+                    <a:lumMod val="95000"/>
+                  </a:schemeClr>
+                </a:solidFill>
+              </a:rPr>
+              <a:t>Test files</a:t>
+            </a:r>
+          </a:p>
+          <a:p>
+            <a:endParaRPr lang="en-SG" sz="2400" dirty="0"/>
           </a:p>
         </p:txBody>
       </p:sp>
     </p:spTree>
     <p:extLst>
       <p:ext uri="{BB962C8B-B14F-4D97-AF65-F5344CB8AC3E}">
-        <p14:creationId xmlns:p14="http://schemas.microsoft.com/office/powerpoint/2010/main" val="445116978"/>
+        <p14:creationId xmlns:p14="http://schemas.microsoft.com/office/powerpoint/2010/main" val="1267507598"/>
       </p:ext>
     </p:extLst>
   </p:cSld>
@@ -8200,18 +8356,12 @@
           <a:p>
             <a:pPr algn="ctr"/>
             <a:r>
-              <a:rPr lang="en-US" sz="4800" b="0" cap="none" spc="0" dirty="0" smtClean="0">
+              <a:rPr lang="en-US" sz="4800" b="1" dirty="0">
                 <a:ln w="0">
                   <a:solidFill>
                     <a:schemeClr val="tx1"/>
                   </a:solidFill>
                 </a:ln>
-                <a:solidFill>
-                  <a:schemeClr val="bg2">
-                    <a:lumMod val="75000"/>
-                    <a:lumOff val="25000"/>
-                  </a:schemeClr>
-                </a:solidFill>
                 <a:effectLst>
                   <a:outerShdw blurRad="38100" dist="19050" dir="2700000" algn="tl" rotWithShape="0">
                     <a:schemeClr val="dk1">
@@ -8222,26 +8372,6 @@
               </a:rPr>
               <a:t>Who is Doing What</a:t>
             </a:r>
-            <a:endParaRPr lang="en-US" sz="4800" b="0" cap="none" spc="0" dirty="0">
-              <a:ln w="0">
-                <a:solidFill>
-                  <a:schemeClr val="tx1"/>
-                </a:solidFill>
-              </a:ln>
-              <a:solidFill>
-                <a:schemeClr val="bg2">
-                  <a:lumMod val="75000"/>
-                  <a:lumOff val="25000"/>
-                </a:schemeClr>
-              </a:solidFill>
-              <a:effectLst>
-                <a:outerShdw blurRad="38100" dist="19050" dir="2700000" algn="tl" rotWithShape="0">
-                  <a:schemeClr val="dk1">
-                    <a:alpha val="40000"/>
-                  </a:schemeClr>
-                </a:outerShdw>
-              </a:effectLst>
-            </a:endParaRPr>
           </a:p>
         </p:txBody>
       </p:sp>
@@ -8284,7 +8414,7 @@
             <a:pPr algn="ctr"/>
             <a:r>
               <a:rPr lang="en-SG" sz="2800" dirty="0" smtClean="0"/>
-              <a:t>ITERATION 4</a:t>
+              <a:t>ITERATION 3</a:t>
             </a:r>
             <a:endParaRPr lang="en-SG" sz="2800" dirty="0"/>
           </a:p>
@@ -8335,7 +8465,7 @@
                   </a:schemeClr>
                 </a:solidFill>
               </a:rPr>
-              <a:t>PM: Darren</a:t>
+              <a:t>PM: Nabilah</a:t>
             </a:r>
           </a:p>
           <a:p>
@@ -8345,7 +8475,7 @@
             </a:pPr>
             <a:r>
               <a:rPr lang="en-SG" sz="3200" dirty="0" smtClean="0"/>
-              <a:t>Supervisor Meeting 2 Slides</a:t>
+              <a:t>PM Review Slides</a:t>
             </a:r>
           </a:p>
           <a:p>
@@ -8355,7 +8485,7 @@
             </a:pPr>
             <a:r>
               <a:rPr lang="en-SG" sz="3200" dirty="0" smtClean="0"/>
-              <a:t>Update diagrams</a:t>
+              <a:t>Prepare Test Cases</a:t>
             </a:r>
           </a:p>
           <a:p>
@@ -8365,21 +8495,8 @@
             </a:pPr>
             <a:r>
               <a:rPr lang="en-SG" sz="3200" dirty="0" smtClean="0"/>
-              <a:t>Deploy to Openshift</a:t>
-            </a:r>
-          </a:p>
-          <a:p>
-            <a:pPr marL="742950" lvl="1" indent="-285750">
-              <a:buFont typeface="Arial" panose="020B0604020202020204" pitchFamily="34" charset="0"/>
-              <a:buChar char="•"/>
-            </a:pPr>
-            <a:r>
-              <a:rPr lang="en-SG" sz="3200" dirty="0" smtClean="0"/>
               <a:t>Regression Testing</a:t>
             </a:r>
-          </a:p>
-          <a:p>
-            <a:endParaRPr lang="en-SG" sz="3200" dirty="0" smtClean="0"/>
           </a:p>
           <a:p>
             <a:endParaRPr lang="en-SG" sz="3200" dirty="0"/>
@@ -8394,7 +8511,7 @@
                   </a:schemeClr>
                 </a:solidFill>
               </a:rPr>
-              <a:t>Pair 1: Jeremy + Zhi Hui</a:t>
+              <a:t>Pair 1: Darren + Shu Wen</a:t>
             </a:r>
           </a:p>
           <a:p>
@@ -8404,7 +8521,27 @@
             </a:pPr>
             <a:r>
               <a:rPr lang="en-SG" sz="3200" dirty="0" smtClean="0"/>
-              <a:t>Social Activeness Report</a:t>
+              <a:t>Bootstrap (Cont.)</a:t>
+            </a:r>
+          </a:p>
+          <a:p>
+            <a:pPr marL="742950" lvl="1" indent="-285750">
+              <a:buFont typeface="Arial" panose="020B0604020202020204" pitchFamily="34" charset="0"/>
+              <a:buChar char="•"/>
+            </a:pPr>
+            <a:r>
+              <a:rPr lang="en-SG" sz="3200" dirty="0" smtClean="0"/>
+              <a:t>Basic App Report</a:t>
+            </a:r>
+          </a:p>
+          <a:p>
+            <a:pPr marL="742950" lvl="1" indent="-285750">
+              <a:buFont typeface="Arial" panose="020B0604020202020204" pitchFamily="34" charset="0"/>
+              <a:buChar char="•"/>
+            </a:pPr>
+            <a:r>
+              <a:rPr lang="en-SG" sz="3200" dirty="0" smtClean="0"/>
+              <a:t>Deploy to Openshift</a:t>
             </a:r>
           </a:p>
           <a:p>
@@ -8427,7 +8564,7 @@
         </p:nvSpPr>
         <p:spPr>
           <a:xfrm>
-            <a:off x="6140393" y="3167946"/>
+            <a:off x="6461366" y="2712521"/>
             <a:ext cx="5550617" cy="2905760"/>
           </a:xfrm>
           <a:prstGeom prst="rect">
@@ -8467,8 +8604,27 @@
                   </a:schemeClr>
                 </a:solidFill>
               </a:rPr>
-              <a:t>Pair 2: Nabilah + Shu Wen</a:t>
-            </a:r>
+              <a:t>Pair 2: </a:t>
+            </a:r>
+            <a:r>
+              <a:rPr lang="en-SG" sz="3200" dirty="0" smtClean="0">
+                <a:solidFill>
+                  <a:schemeClr val="accent1">
+                    <a:lumMod val="60000"/>
+                    <a:lumOff val="40000"/>
+                  </a:schemeClr>
+                </a:solidFill>
+              </a:rPr>
+              <a:t>Jeremy + Zhi Hui</a:t>
+            </a:r>
+            <a:endParaRPr lang="en-SG" sz="3200" dirty="0">
+              <a:solidFill>
+                <a:schemeClr val="accent1">
+                  <a:lumMod val="60000"/>
+                  <a:lumOff val="40000"/>
+                </a:schemeClr>
+              </a:solidFill>
+            </a:endParaRPr>
           </a:p>
           <a:p>
             <a:pPr marL="742950" lvl="1" indent="-285750">
@@ -8476,8 +8632,8 @@
               <a:buChar char="•"/>
             </a:pPr>
             <a:r>
-              <a:rPr lang="en-SG" sz="3200" dirty="0"/>
-              <a:t>Top-K Report</a:t>
+              <a:rPr lang="en-SG" sz="3200" dirty="0" smtClean="0"/>
+              <a:t>Login Logout</a:t>
             </a:r>
           </a:p>
           <a:p>
@@ -8486,16 +8642,31 @@
               <a:buChar char="•"/>
             </a:pPr>
             <a:r>
-              <a:rPr lang="en-SG" sz="3200" dirty="0"/>
-              <a:t>Overuse Report</a:t>
-            </a:r>
+              <a:rPr lang="en-SG" sz="3200" dirty="0" smtClean="0"/>
+              <a:t>Delete Location</a:t>
+            </a:r>
+          </a:p>
+          <a:p>
+            <a:pPr marL="742950" lvl="1" indent="-285750">
+              <a:buFont typeface="Arial" panose="020B0604020202020204" pitchFamily="34" charset="0"/>
+              <a:buChar char="•"/>
+            </a:pPr>
+            <a:r>
+              <a:rPr lang="en-SG" sz="3200" dirty="0" smtClean="0"/>
+              <a:t>Usage </a:t>
+            </a:r>
+            <a:r>
+              <a:rPr lang="en-SG" sz="3200" dirty="0" err="1" smtClean="0"/>
+              <a:t>Heatmap</a:t>
+            </a:r>
+            <a:endParaRPr lang="en-SG" sz="3200" dirty="0"/>
           </a:p>
         </p:txBody>
       </p:sp>
     </p:spTree>
     <p:extLst>
       <p:ext uri="{BB962C8B-B14F-4D97-AF65-F5344CB8AC3E}">
-        <p14:creationId xmlns:p14="http://schemas.microsoft.com/office/powerpoint/2010/main" val="1014237145"/>
+        <p14:creationId xmlns:p14="http://schemas.microsoft.com/office/powerpoint/2010/main" val="445116978"/>
       </p:ext>
     </p:extLst>
   </p:cSld>
@@ -8586,14 +8757,14 @@
       </p:sp>
       <p:sp>
         <p:nvSpPr>
-          <p:cNvPr id="5" name="Rectangle 4"/>
+          <p:cNvPr id="6" name="Rectangle 5"/>
           <p:cNvSpPr/>
           <p:nvPr/>
         </p:nvSpPr>
         <p:spPr>
           <a:xfrm>
-            <a:off x="781234" y="1091953"/>
-            <a:ext cx="10730045" cy="5157927"/>
+            <a:off x="873760" y="1091952"/>
+            <a:ext cx="10607040" cy="5641759"/>
           </a:xfrm>
           <a:prstGeom prst="rect">
             <a:avLst/>
@@ -8649,18 +8820,12 @@
           <a:p>
             <a:pPr algn="ctr"/>
             <a:r>
-              <a:rPr lang="en-US" sz="4800" b="0" cap="none" spc="0" dirty="0" smtClean="0">
+              <a:rPr lang="en-US" sz="4800" b="1" cap="none" spc="0" dirty="0" smtClean="0">
                 <a:ln w="0">
                   <a:solidFill>
                     <a:schemeClr val="tx1"/>
                   </a:solidFill>
                 </a:ln>
-                <a:solidFill>
-                  <a:schemeClr val="bg2">
-                    <a:lumMod val="75000"/>
-                    <a:lumOff val="25000"/>
-                  </a:schemeClr>
-                </a:solidFill>
                 <a:effectLst>
                   <a:outerShdw blurRad="38100" dist="19050" dir="2700000" algn="tl" rotWithShape="0">
                     <a:schemeClr val="dk1">
@@ -8671,18 +8836,12 @@
               </a:rPr>
               <a:t>Who is Doing What</a:t>
             </a:r>
-            <a:endParaRPr lang="en-US" sz="4800" b="0" cap="none" spc="0" dirty="0">
+            <a:endParaRPr lang="en-US" sz="4800" b="1" cap="none" spc="0" dirty="0">
               <a:ln w="0">
                 <a:solidFill>
                   <a:schemeClr val="tx1"/>
                 </a:solidFill>
               </a:ln>
-              <a:solidFill>
-                <a:schemeClr val="bg2">
-                  <a:lumMod val="75000"/>
-                  <a:lumOff val="25000"/>
-                </a:schemeClr>
-              </a:solidFill>
               <a:effectLst>
                 <a:outerShdw blurRad="38100" dist="19050" dir="2700000" algn="tl" rotWithShape="0">
                   <a:schemeClr val="dk1">
@@ -8696,14 +8855,14 @@
       </p:sp>
       <p:sp>
         <p:nvSpPr>
-          <p:cNvPr id="8" name="Rounded Rectangle 7"/>
+          <p:cNvPr id="9" name="Rounded Rectangle 8"/>
           <p:cNvSpPr/>
           <p:nvPr/>
         </p:nvSpPr>
         <p:spPr>
           <a:xfrm>
-            <a:off x="985420" y="1225118"/>
-            <a:ext cx="10160099" cy="532661"/>
+            <a:off x="1056640" y="1225118"/>
+            <a:ext cx="9957590" cy="532661"/>
           </a:xfrm>
           <a:prstGeom prst="roundRect">
             <a:avLst/>
@@ -8733,7 +8892,7 @@
             <a:pPr algn="ctr"/>
             <a:r>
               <a:rPr lang="en-SG" sz="2800" dirty="0" smtClean="0"/>
-              <a:t>ITERATION 5</a:t>
+              <a:t>ITERATION 4</a:t>
             </a:r>
             <a:endParaRPr lang="en-SG" sz="2800" dirty="0"/>
           </a:p>
@@ -8741,14 +8900,14 @@
       </p:sp>
       <p:sp>
         <p:nvSpPr>
-          <p:cNvPr id="10" name="Rectangle 9"/>
+          <p:cNvPr id="11" name="Rectangle 10"/>
           <p:cNvSpPr/>
           <p:nvPr/>
         </p:nvSpPr>
         <p:spPr>
           <a:xfrm>
-            <a:off x="781234" y="1961965"/>
-            <a:ext cx="10648765" cy="4287914"/>
+            <a:off x="873760" y="1961964"/>
+            <a:ext cx="10607040" cy="4771747"/>
           </a:xfrm>
           <a:prstGeom prst="rect">
             <a:avLst/>
@@ -8775,9 +8934,8 @@
           <a:bodyPr rtlCol="0" anchor="t"/>
           <a:lstStyle/>
           <a:p>
-            <a:pPr algn="just"/>
-            <a:r>
-              <a:rPr lang="en-SG" sz="2800" dirty="0" smtClean="0">
+            <a:r>
+              <a:rPr lang="en-SG" sz="3200" dirty="0" smtClean="0">
                 <a:solidFill>
                   <a:schemeClr val="accent1">
                     <a:lumMod val="60000"/>
@@ -8785,7 +8943,7 @@
                   </a:schemeClr>
                 </a:solidFill>
               </a:rPr>
-              <a:t>PM: Shu Wen</a:t>
+              <a:t>PM: Darren</a:t>
             </a:r>
           </a:p>
           <a:p>
@@ -8794,12 +8952,8 @@
               <a:buChar char="•"/>
             </a:pPr>
             <a:r>
-              <a:rPr lang="en-SG" sz="2800" dirty="0"/>
-              <a:t>Supervisor Meeting 2 </a:t>
-            </a:r>
-            <a:r>
-              <a:rPr lang="en-SG" sz="2800" dirty="0" smtClean="0"/>
-              <a:t>Slides</a:t>
+              <a:rPr lang="en-SG" sz="3200" dirty="0" smtClean="0"/>
+              <a:t>Supervisor Meeting 2 Slides</a:t>
             </a:r>
           </a:p>
           <a:p>
@@ -8808,8 +8962,8 @@
               <a:buChar char="•"/>
             </a:pPr>
             <a:r>
-              <a:rPr lang="en-SG" sz="2800" dirty="0" smtClean="0"/>
-              <a:t>Prepare for UAT</a:t>
+              <a:rPr lang="en-SG" sz="3200" dirty="0" smtClean="0"/>
+              <a:t>Update diagrams</a:t>
             </a:r>
           </a:p>
           <a:p>
@@ -8817,19 +8971,30 @@
               <a:buFont typeface="Arial" panose="020B0604020202020204" pitchFamily="34" charset="0"/>
               <a:buChar char="•"/>
             </a:pPr>
-            <a:endParaRPr lang="en-SG" sz="2800" dirty="0" smtClean="0"/>
+            <a:r>
+              <a:rPr lang="en-SG" sz="3200" dirty="0" smtClean="0"/>
+              <a:t>Deploy to Openshift</a:t>
+            </a:r>
           </a:p>
           <a:p>
             <a:pPr marL="742950" lvl="1" indent="-285750">
               <a:buFont typeface="Arial" panose="020B0604020202020204" pitchFamily="34" charset="0"/>
               <a:buChar char="•"/>
             </a:pPr>
-            <a:endParaRPr lang="en-SG" sz="2800" dirty="0"/>
-          </a:p>
-          <a:p>
-            <a:pPr algn="just"/>
-            <a:r>
-              <a:rPr lang="en-SG" sz="2800" dirty="0" smtClean="0">
+            <a:r>
+              <a:rPr lang="en-SG" sz="3200" dirty="0" smtClean="0"/>
+              <a:t>Regression Testing</a:t>
+            </a:r>
+          </a:p>
+          <a:p>
+            <a:endParaRPr lang="en-SG" sz="3200" dirty="0" smtClean="0"/>
+          </a:p>
+          <a:p>
+            <a:endParaRPr lang="en-SG" sz="3200" dirty="0"/>
+          </a:p>
+          <a:p>
+            <a:r>
+              <a:rPr lang="en-SG" sz="3200" dirty="0" smtClean="0">
                 <a:solidFill>
                   <a:schemeClr val="accent1">
                     <a:lumMod val="60000"/>
@@ -8837,14 +9002,72 @@
                   </a:schemeClr>
                 </a:solidFill>
               </a:rPr>
-              <a:t>Pair 1: Jeremy + Nabilah  </a:t>
-            </a:r>
-            <a:r>
-              <a:rPr lang="en-SG" sz="2800" dirty="0" smtClean="0"/>
-              <a:t>+  </a:t>
-            </a:r>
-            <a:r>
-              <a:rPr lang="en-SG" sz="2800" dirty="0" smtClean="0">
+              <a:t>Pair 1: Jeremy + Zhi Hui</a:t>
+            </a:r>
+          </a:p>
+          <a:p>
+            <a:pPr marL="742950" lvl="1" indent="-285750">
+              <a:buFont typeface="Arial" panose="020B0604020202020204" pitchFamily="34" charset="0"/>
+              <a:buChar char="•"/>
+            </a:pPr>
+            <a:r>
+              <a:rPr lang="en-SG" sz="3200" dirty="0" smtClean="0"/>
+              <a:t>Social Activeness Report</a:t>
+            </a:r>
+          </a:p>
+          <a:p>
+            <a:endParaRPr lang="en-SG" sz="3200" dirty="0">
+              <a:solidFill>
+                <a:schemeClr val="accent1">
+                  <a:lumMod val="60000"/>
+                  <a:lumOff val="40000"/>
+                </a:schemeClr>
+              </a:solidFill>
+            </a:endParaRPr>
+          </a:p>
+        </p:txBody>
+      </p:sp>
+      <p:sp>
+        <p:nvSpPr>
+          <p:cNvPr id="3" name="Rectangle 2"/>
+          <p:cNvSpPr/>
+          <p:nvPr/>
+        </p:nvSpPr>
+        <p:spPr>
+          <a:xfrm>
+            <a:off x="6140393" y="3167946"/>
+            <a:ext cx="5550617" cy="2905760"/>
+          </a:xfrm>
+          <a:prstGeom prst="rect">
+            <a:avLst/>
+          </a:prstGeom>
+          <a:noFill/>
+          <a:ln>
+            <a:noFill/>
+          </a:ln>
+        </p:spPr>
+        <p:style>
+          <a:lnRef idx="2">
+            <a:schemeClr val="accent1">
+              <a:shade val="50000"/>
+            </a:schemeClr>
+          </a:lnRef>
+          <a:fillRef idx="1">
+            <a:schemeClr val="accent1"/>
+          </a:fillRef>
+          <a:effectRef idx="0">
+            <a:schemeClr val="accent1"/>
+          </a:effectRef>
+          <a:fontRef idx="minor">
+            <a:schemeClr val="lt1"/>
+          </a:fontRef>
+        </p:style>
+        <p:txBody>
+          <a:bodyPr rtlCol="0" anchor="ctr"/>
+          <a:lstStyle/>
+          <a:p>
+            <a:r>
+              <a:rPr lang="en-SG" sz="3200" dirty="0">
                 <a:solidFill>
                   <a:schemeClr val="accent1">
                     <a:lumMod val="60000"/>
@@ -8852,71 +9075,40 @@
                   </a:schemeClr>
                 </a:solidFill>
               </a:rPr>
-              <a:t>Pair 2: Darren + </a:t>
-            </a:r>
-            <a:r>
-              <a:rPr lang="en-SG" sz="2800" dirty="0" err="1" smtClean="0">
-                <a:solidFill>
-                  <a:schemeClr val="accent1">
-                    <a:lumMod val="60000"/>
-                    <a:lumOff val="40000"/>
-                  </a:schemeClr>
-                </a:solidFill>
-              </a:rPr>
-              <a:t>Zhi</a:t>
-            </a:r>
-            <a:r>
-              <a:rPr lang="en-SG" sz="2800" dirty="0" smtClean="0">
-                <a:solidFill>
-                  <a:schemeClr val="accent1">
-                    <a:lumMod val="60000"/>
-                    <a:lumOff val="40000"/>
-                  </a:schemeClr>
-                </a:solidFill>
-              </a:rPr>
-              <a:t> Hui</a:t>
-            </a:r>
-            <a:endParaRPr lang="en-SG" sz="2800" dirty="0">
-              <a:solidFill>
-                <a:schemeClr val="accent1">
-                  <a:lumMod val="60000"/>
-                  <a:lumOff val="40000"/>
-                </a:schemeClr>
-              </a:solidFill>
-            </a:endParaRPr>
-          </a:p>
-          <a:p>
-            <a:pPr algn="just"/>
-            <a:r>
-              <a:rPr lang="en-SG" sz="2800" dirty="0"/>
-              <a:t>Testing of possible new Test Cases for the Overall System </a:t>
-            </a:r>
-          </a:p>
-          <a:p>
-            <a:pPr algn="just"/>
-            <a:r>
-              <a:rPr lang="en-SG" sz="2800" dirty="0" smtClean="0"/>
-              <a:t>	-in </a:t>
-            </a:r>
-            <a:r>
-              <a:rPr lang="en-SG" sz="2800" dirty="0"/>
-              <a:t>preparation of UAT</a:t>
-            </a:r>
-            <a:endParaRPr lang="en-SG" sz="2800" dirty="0">
-              <a:solidFill>
-                <a:schemeClr val="accent1">
-                  <a:lumMod val="60000"/>
-                  <a:lumOff val="40000"/>
-                </a:schemeClr>
-              </a:solidFill>
-            </a:endParaRPr>
+              <a:t>Pair 2: Nabilah + Shu Wen</a:t>
+            </a:r>
+          </a:p>
+          <a:p>
+            <a:pPr marL="742950" lvl="1" indent="-285750">
+              <a:buFont typeface="Arial" panose="020B0604020202020204" pitchFamily="34" charset="0"/>
+              <a:buChar char="•"/>
+            </a:pPr>
+            <a:r>
+              <a:rPr lang="en-SG" sz="3200" dirty="0"/>
+              <a:t>Top-K </a:t>
+            </a:r>
+            <a:r>
+              <a:rPr lang="en-SG" sz="3200" dirty="0" smtClean="0"/>
+              <a:t>Report</a:t>
+            </a:r>
+          </a:p>
+          <a:p>
+            <a:pPr marL="742950" lvl="1" indent="-285750">
+              <a:buFont typeface="Arial" panose="020B0604020202020204" pitchFamily="34" charset="0"/>
+              <a:buChar char="•"/>
+            </a:pPr>
+            <a:r>
+              <a:rPr lang="en-SG" sz="3200" dirty="0" smtClean="0"/>
+              <a:t>Overuse Report</a:t>
+            </a:r>
+            <a:endParaRPr lang="en-SG" sz="3200" dirty="0"/>
           </a:p>
         </p:txBody>
       </p:sp>
     </p:spTree>
     <p:extLst>
       <p:ext uri="{BB962C8B-B14F-4D97-AF65-F5344CB8AC3E}">
-        <p14:creationId xmlns:p14="http://schemas.microsoft.com/office/powerpoint/2010/main" val="3726532661"/>
+        <p14:creationId xmlns:p14="http://schemas.microsoft.com/office/powerpoint/2010/main" val="1014237145"/>
       </p:ext>
     </p:extLst>
   </p:cSld>
@@ -9007,14 +9199,14 @@
       </p:sp>
       <p:sp>
         <p:nvSpPr>
-          <p:cNvPr id="6" name="Rectangle 5"/>
+          <p:cNvPr id="5" name="Rectangle 4"/>
           <p:cNvSpPr/>
           <p:nvPr/>
         </p:nvSpPr>
         <p:spPr>
           <a:xfrm>
-            <a:off x="426720" y="1091952"/>
-            <a:ext cx="10796135" cy="5641759"/>
+            <a:off x="781234" y="1091953"/>
+            <a:ext cx="10730045" cy="5157927"/>
           </a:xfrm>
           <a:prstGeom prst="rect">
             <a:avLst/>
@@ -9070,18 +9262,12 @@
           <a:p>
             <a:pPr algn="ctr"/>
             <a:r>
-              <a:rPr lang="en-US" sz="4800" b="0" cap="none" spc="0" dirty="0" smtClean="0">
+              <a:rPr lang="en-US" sz="4800" b="1" dirty="0">
                 <a:ln w="0">
                   <a:solidFill>
                     <a:schemeClr val="tx1"/>
                   </a:solidFill>
                 </a:ln>
-                <a:solidFill>
-                  <a:schemeClr val="bg2">
-                    <a:lumMod val="75000"/>
-                    <a:lumOff val="25000"/>
-                  </a:schemeClr>
-                </a:solidFill>
                 <a:effectLst>
                   <a:outerShdw blurRad="38100" dist="19050" dir="2700000" algn="tl" rotWithShape="0">
                     <a:schemeClr val="dk1">
@@ -9092,39 +9278,19 @@
               </a:rPr>
               <a:t>Who is Doing What</a:t>
             </a:r>
-            <a:endParaRPr lang="en-US" sz="4800" b="0" cap="none" spc="0" dirty="0">
-              <a:ln w="0">
-                <a:solidFill>
-                  <a:schemeClr val="tx1"/>
-                </a:solidFill>
-              </a:ln>
-              <a:solidFill>
-                <a:schemeClr val="bg2">
-                  <a:lumMod val="75000"/>
-                  <a:lumOff val="25000"/>
-                </a:schemeClr>
-              </a:solidFill>
-              <a:effectLst>
-                <a:outerShdw blurRad="38100" dist="19050" dir="2700000" algn="tl" rotWithShape="0">
-                  <a:schemeClr val="dk1">
-                    <a:alpha val="40000"/>
-                  </a:schemeClr>
-                </a:outerShdw>
-              </a:effectLst>
-            </a:endParaRPr>
-          </a:p>
-        </p:txBody>
-      </p:sp>
-      <p:sp>
-        <p:nvSpPr>
-          <p:cNvPr id="9" name="Rounded Rectangle 8"/>
+          </a:p>
+        </p:txBody>
+      </p:sp>
+      <p:sp>
+        <p:nvSpPr>
+          <p:cNvPr id="8" name="Rounded Rectangle 7"/>
           <p:cNvSpPr/>
           <p:nvPr/>
         </p:nvSpPr>
         <p:spPr>
           <a:xfrm>
-            <a:off x="609600" y="1225118"/>
-            <a:ext cx="10404630" cy="532661"/>
+            <a:off x="985420" y="1225118"/>
+            <a:ext cx="10160099" cy="532661"/>
           </a:xfrm>
           <a:prstGeom prst="roundRect">
             <a:avLst/>
@@ -9154,7 +9320,7 @@
             <a:pPr algn="ctr"/>
             <a:r>
               <a:rPr lang="en-SG" sz="2800" dirty="0" smtClean="0"/>
-              <a:t>ITERATION 6</a:t>
+              <a:t>ITERATION 5</a:t>
             </a:r>
             <a:endParaRPr lang="en-SG" sz="2800" dirty="0"/>
           </a:p>
@@ -9162,14 +9328,14 @@
       </p:sp>
       <p:sp>
         <p:nvSpPr>
-          <p:cNvPr id="11" name="Rectangle 10"/>
+          <p:cNvPr id="10" name="Rectangle 9"/>
           <p:cNvSpPr/>
           <p:nvPr/>
         </p:nvSpPr>
         <p:spPr>
           <a:xfrm>
-            <a:off x="426720" y="1961964"/>
-            <a:ext cx="10796135" cy="4771747"/>
+            <a:off x="781234" y="1961965"/>
+            <a:ext cx="10648765" cy="4287914"/>
           </a:xfrm>
           <a:prstGeom prst="rect">
             <a:avLst/>
@@ -9196,6 +9362,7 @@
           <a:bodyPr rtlCol="0" anchor="t"/>
           <a:lstStyle/>
           <a:p>
+            <a:pPr algn="just"/>
             <a:r>
               <a:rPr lang="en-SG" sz="2800" dirty="0" smtClean="0">
                 <a:solidFill>
@@ -9205,7 +9372,7 @@
                   </a:schemeClr>
                 </a:solidFill>
               </a:rPr>
-              <a:t>PM: Jeremy</a:t>
+              <a:t>PM: Shu Wen</a:t>
             </a:r>
           </a:p>
           <a:p>
@@ -9215,11 +9382,11 @@
             </a:pPr>
             <a:r>
               <a:rPr lang="en-SG" sz="2800" dirty="0"/>
-              <a:t>Match final submission with </a:t>
+              <a:t>Supervisor Meeting </a:t>
             </a:r>
             <a:r>
               <a:rPr lang="en-SG" sz="2800" dirty="0" smtClean="0"/>
-              <a:t>requirements</a:t>
+              <a:t>3 Slides</a:t>
             </a:r>
           </a:p>
           <a:p>
@@ -9228,12 +9395,8 @@
               <a:buChar char="•"/>
             </a:pPr>
             <a:r>
-              <a:rPr lang="en-SG" sz="2800" dirty="0"/>
-              <a:t>Final presentation </a:t>
-            </a:r>
-            <a:r>
               <a:rPr lang="en-SG" sz="2800" dirty="0" smtClean="0"/>
-              <a:t>slides</a:t>
+              <a:t>Prepare for UAT</a:t>
             </a:r>
           </a:p>
           <a:p>
@@ -9241,17 +9404,43 @@
               <a:buFont typeface="Arial" panose="020B0604020202020204" pitchFamily="34" charset="0"/>
               <a:buChar char="•"/>
             </a:pPr>
-            <a:r>
-              <a:rPr lang="en-SG" sz="2800" dirty="0"/>
-              <a:t>Deploy application to </a:t>
-            </a:r>
-            <a:r>
-              <a:rPr lang="en-SG" sz="2800" dirty="0" err="1"/>
-              <a:t>OpenShift</a:t>
-            </a:r>
             <a:endParaRPr lang="en-SG" sz="2800" dirty="0" smtClean="0"/>
           </a:p>
           <a:p>
+            <a:pPr marL="742950" lvl="1" indent="-285750">
+              <a:buFont typeface="Arial" panose="020B0604020202020204" pitchFamily="34" charset="0"/>
+              <a:buChar char="•"/>
+            </a:pPr>
+            <a:endParaRPr lang="en-SG" sz="2800" dirty="0"/>
+          </a:p>
+          <a:p>
+            <a:pPr algn="just"/>
+            <a:r>
+              <a:rPr lang="en-SG" sz="2800" dirty="0" smtClean="0">
+                <a:solidFill>
+                  <a:schemeClr val="accent1">
+                    <a:lumMod val="60000"/>
+                    <a:lumOff val="40000"/>
+                  </a:schemeClr>
+                </a:solidFill>
+              </a:rPr>
+              <a:t>Pair 1: Jeremy + Nabilah  </a:t>
+            </a:r>
+            <a:r>
+              <a:rPr lang="en-SG" sz="2800" dirty="0" smtClean="0"/>
+              <a:t>+  </a:t>
+            </a:r>
+            <a:r>
+              <a:rPr lang="en-SG" sz="2800" dirty="0" smtClean="0">
+                <a:solidFill>
+                  <a:schemeClr val="accent1">
+                    <a:lumMod val="60000"/>
+                    <a:lumOff val="40000"/>
+                  </a:schemeClr>
+                </a:solidFill>
+              </a:rPr>
+              <a:t>Pair 2: Darren + Zhi Hui</a:t>
+            </a:r>
             <a:endParaRPr lang="en-SG" sz="2800" dirty="0">
               <a:solidFill>
                 <a:schemeClr val="accent1">
@@ -9262,76 +9451,21 @@
             </a:endParaRPr>
           </a:p>
           <a:p>
-            <a:r>
-              <a:rPr lang="en-SG" sz="2800" dirty="0" smtClean="0">
-                <a:solidFill>
-                  <a:schemeClr val="accent1">
-                    <a:lumMod val="60000"/>
-                    <a:lumOff val="40000"/>
-                  </a:schemeClr>
-                </a:solidFill>
-              </a:rPr>
-              <a:t>Pair 1: Darren + Zhi Hui </a:t>
-            </a:r>
-          </a:p>
-          <a:p>
-            <a:pPr marL="742950" lvl="1" indent="-285750">
-              <a:buFont typeface="Arial" panose="020B0604020202020204" pitchFamily="34" charset="0"/>
-              <a:buChar char="•"/>
-            </a:pPr>
+            <a:pPr algn="just"/>
             <a:r>
               <a:rPr lang="en-SG" sz="2800" dirty="0"/>
-              <a:t>Thorough </a:t>
-            </a:r>
+              <a:t>Testing of possible new Test Cases for the Overall System </a:t>
+            </a:r>
+          </a:p>
+          <a:p>
+            <a:pPr algn="just"/>
             <a:r>
               <a:rPr lang="en-SG" sz="2800" dirty="0" smtClean="0"/>
-              <a:t>debugging</a:t>
-            </a:r>
-            <a:endParaRPr lang="en-SG" sz="2800" dirty="0"/>
-          </a:p>
-          <a:p>
-            <a:endParaRPr lang="en-SG" sz="2800" dirty="0"/>
-          </a:p>
-          <a:p>
-            <a:pPr algn="just"/>
-            <a:r>
-              <a:rPr lang="en-SG" sz="2800" dirty="0" smtClean="0">
-                <a:solidFill>
-                  <a:schemeClr val="accent1">
-                    <a:lumMod val="60000"/>
-                    <a:lumOff val="40000"/>
-                  </a:schemeClr>
-                </a:solidFill>
-              </a:rPr>
-              <a:t>Pair 2: Shu Wen + Nabilah</a:t>
-            </a:r>
-          </a:p>
-          <a:p>
-            <a:pPr marL="742950" lvl="1" indent="-285750" algn="just">
-              <a:buFont typeface="Arial" panose="020B0604020202020204" pitchFamily="34" charset="0"/>
-              <a:buChar char="•"/>
-            </a:pPr>
+              <a:t>	-in </a:t>
+            </a:r>
             <a:r>
               <a:rPr lang="en-SG" sz="2800" dirty="0"/>
-              <a:t>Seek loopholes in test </a:t>
-            </a:r>
-            <a:r>
-              <a:rPr lang="en-SG" sz="2800" dirty="0" smtClean="0"/>
-              <a:t>cases</a:t>
-            </a:r>
-          </a:p>
-          <a:p>
-            <a:pPr marL="742950" lvl="1" indent="-285750" algn="just">
-              <a:buFont typeface="Arial" panose="020B0604020202020204" pitchFamily="34" charset="0"/>
-              <a:buChar char="•"/>
-            </a:pPr>
-            <a:r>
-              <a:rPr lang="en-SG" sz="2800" dirty="0" smtClean="0"/>
-              <a:t>Buff </a:t>
-            </a:r>
-            <a:r>
-              <a:rPr lang="en-SG" sz="2800" dirty="0"/>
-              <a:t>up test cases to look for new bugs</a:t>
+              <a:t>preparation of UAT</a:t>
             </a:r>
             <a:endParaRPr lang="en-SG" sz="2800" dirty="0">
               <a:solidFill>
@@ -9347,7 +9481,7 @@
     </p:spTree>
     <p:extLst>
       <p:ext uri="{BB962C8B-B14F-4D97-AF65-F5344CB8AC3E}">
-        <p14:creationId xmlns:p14="http://schemas.microsoft.com/office/powerpoint/2010/main" val="2477882085"/>
+        <p14:creationId xmlns:p14="http://schemas.microsoft.com/office/powerpoint/2010/main" val="3726532661"/>
       </p:ext>
     </p:extLst>
   </p:cSld>
@@ -9383,6 +9517,411 @@
       </p:grpSpPr>
       <p:sp>
         <p:nvSpPr>
+          <p:cNvPr id="2" name="Vertical Scroll 1"/>
+          <p:cNvSpPr/>
+          <p:nvPr/>
+        </p:nvSpPr>
+        <p:spPr>
+          <a:xfrm>
+            <a:off x="-399497" y="0"/>
+            <a:ext cx="12748335" cy="6733712"/>
+          </a:xfrm>
+          <a:prstGeom prst="verticalScroll">
+            <a:avLst/>
+          </a:prstGeom>
+          <a:noFill/>
+          <a:ln>
+            <a:solidFill>
+              <a:schemeClr val="accent1">
+                <a:lumMod val="60000"/>
+                <a:lumOff val="40000"/>
+              </a:schemeClr>
+            </a:solidFill>
+          </a:ln>
+          <a:effectLst>
+            <a:glow rad="139700">
+              <a:schemeClr val="accent1">
+                <a:satMod val="175000"/>
+                <a:alpha val="40000"/>
+              </a:schemeClr>
+            </a:glow>
+          </a:effectLst>
+        </p:spPr>
+        <p:style>
+          <a:lnRef idx="2">
+            <a:schemeClr val="accent1"/>
+          </a:lnRef>
+          <a:fillRef idx="1">
+            <a:schemeClr val="lt1"/>
+          </a:fillRef>
+          <a:effectRef idx="0">
+            <a:schemeClr val="accent1"/>
+          </a:effectRef>
+          <a:fontRef idx="minor">
+            <a:schemeClr val="dk1"/>
+          </a:fontRef>
+        </p:style>
+        <p:txBody>
+          <a:bodyPr rtlCol="0" anchor="ctr"/>
+          <a:lstStyle/>
+          <a:p>
+            <a:pPr algn="ctr"/>
+            <a:endParaRPr lang="en-SG"/>
+          </a:p>
+        </p:txBody>
+      </p:sp>
+      <p:sp>
+        <p:nvSpPr>
+          <p:cNvPr id="6" name="Rectangle 5"/>
+          <p:cNvSpPr/>
+          <p:nvPr/>
+        </p:nvSpPr>
+        <p:spPr>
+          <a:xfrm>
+            <a:off x="426720" y="1091952"/>
+            <a:ext cx="10796135" cy="5641759"/>
+          </a:xfrm>
+          <a:prstGeom prst="rect">
+            <a:avLst/>
+          </a:prstGeom>
+          <a:noFill/>
+        </p:spPr>
+        <p:style>
+          <a:lnRef idx="2">
+            <a:schemeClr val="accent1">
+              <a:shade val="50000"/>
+            </a:schemeClr>
+          </a:lnRef>
+          <a:fillRef idx="1">
+            <a:schemeClr val="accent1"/>
+          </a:fillRef>
+          <a:effectRef idx="0">
+            <a:schemeClr val="accent1"/>
+          </a:effectRef>
+          <a:fontRef idx="minor">
+            <a:schemeClr val="lt1"/>
+          </a:fontRef>
+        </p:style>
+        <p:txBody>
+          <a:bodyPr rtlCol="0" anchor="ctr"/>
+          <a:lstStyle/>
+          <a:p>
+            <a:pPr algn="ctr"/>
+            <a:endParaRPr lang="en-SG"/>
+          </a:p>
+        </p:txBody>
+      </p:sp>
+      <p:sp>
+        <p:nvSpPr>
+          <p:cNvPr id="7" name="Rectangle 6"/>
+          <p:cNvSpPr/>
+          <p:nvPr/>
+        </p:nvSpPr>
+        <p:spPr>
+          <a:xfrm>
+            <a:off x="3243607" y="0"/>
+            <a:ext cx="5793573" cy="830997"/>
+          </a:xfrm>
+          <a:prstGeom prst="rect">
+            <a:avLst/>
+          </a:prstGeom>
+          <a:noFill/>
+        </p:spPr>
+        <p:txBody>
+          <a:bodyPr wrap="none" lIns="91440" tIns="45720" rIns="91440" bIns="45720">
+            <a:spAutoFit/>
+          </a:bodyPr>
+          <a:lstStyle/>
+          <a:p>
+            <a:pPr algn="ctr"/>
+            <a:r>
+              <a:rPr lang="en-US" sz="4800" b="1" dirty="0">
+                <a:ln w="0">
+                  <a:solidFill>
+                    <a:schemeClr val="tx1"/>
+                  </a:solidFill>
+                </a:ln>
+                <a:effectLst>
+                  <a:outerShdw blurRad="38100" dist="19050" dir="2700000" algn="tl" rotWithShape="0">
+                    <a:schemeClr val="dk1">
+                      <a:alpha val="40000"/>
+                    </a:schemeClr>
+                  </a:outerShdw>
+                </a:effectLst>
+              </a:rPr>
+              <a:t>Who is Doing What</a:t>
+            </a:r>
+          </a:p>
+        </p:txBody>
+      </p:sp>
+      <p:sp>
+        <p:nvSpPr>
+          <p:cNvPr id="9" name="Rounded Rectangle 8"/>
+          <p:cNvSpPr/>
+          <p:nvPr/>
+        </p:nvSpPr>
+        <p:spPr>
+          <a:xfrm>
+            <a:off x="609600" y="1225118"/>
+            <a:ext cx="10404630" cy="532661"/>
+          </a:xfrm>
+          <a:prstGeom prst="roundRect">
+            <a:avLst/>
+          </a:prstGeom>
+          <a:noFill/>
+        </p:spPr>
+        <p:style>
+          <a:lnRef idx="2">
+            <a:schemeClr val="accent1">
+              <a:shade val="50000"/>
+            </a:schemeClr>
+          </a:lnRef>
+          <a:fillRef idx="1">
+            <a:schemeClr val="accent1"/>
+          </a:fillRef>
+          <a:effectRef idx="0">
+            <a:schemeClr val="accent1"/>
+          </a:effectRef>
+          <a:fontRef idx="minor">
+            <a:schemeClr val="lt1"/>
+          </a:fontRef>
+        </p:style>
+        <p:txBody>
+          <a:bodyPr rtlCol="0" anchor="ctr"/>
+          <a:lstStyle/>
+          <a:p>
+            <a:pPr algn="ctr"/>
+            <a:r>
+              <a:rPr lang="en-SG" sz="2800" dirty="0" smtClean="0"/>
+              <a:t>ITERATION 6</a:t>
+            </a:r>
+            <a:endParaRPr lang="en-SG" sz="2800" dirty="0"/>
+          </a:p>
+        </p:txBody>
+      </p:sp>
+      <p:sp>
+        <p:nvSpPr>
+          <p:cNvPr id="11" name="Rectangle 10"/>
+          <p:cNvSpPr/>
+          <p:nvPr/>
+        </p:nvSpPr>
+        <p:spPr>
+          <a:xfrm>
+            <a:off x="426720" y="1961964"/>
+            <a:ext cx="10796135" cy="4771747"/>
+          </a:xfrm>
+          <a:prstGeom prst="rect">
+            <a:avLst/>
+          </a:prstGeom>
+          <a:noFill/>
+        </p:spPr>
+        <p:style>
+          <a:lnRef idx="2">
+            <a:schemeClr val="accent1">
+              <a:shade val="50000"/>
+            </a:schemeClr>
+          </a:lnRef>
+          <a:fillRef idx="1">
+            <a:schemeClr val="accent1"/>
+          </a:fillRef>
+          <a:effectRef idx="0">
+            <a:schemeClr val="accent1"/>
+          </a:effectRef>
+          <a:fontRef idx="minor">
+            <a:schemeClr val="lt1"/>
+          </a:fontRef>
+        </p:style>
+        <p:txBody>
+          <a:bodyPr rtlCol="0" anchor="t"/>
+          <a:lstStyle/>
+          <a:p>
+            <a:r>
+              <a:rPr lang="en-SG" sz="2800" dirty="0" smtClean="0">
+                <a:solidFill>
+                  <a:schemeClr val="accent1">
+                    <a:lumMod val="60000"/>
+                    <a:lumOff val="40000"/>
+                  </a:schemeClr>
+                </a:solidFill>
+              </a:rPr>
+              <a:t>PM: Jeremy</a:t>
+            </a:r>
+          </a:p>
+          <a:p>
+            <a:pPr marL="742950" lvl="1" indent="-285750">
+              <a:buFont typeface="Arial" panose="020B0604020202020204" pitchFamily="34" charset="0"/>
+              <a:buChar char="•"/>
+            </a:pPr>
+            <a:r>
+              <a:rPr lang="en-SG" sz="2800" dirty="0"/>
+              <a:t>Match final submission with </a:t>
+            </a:r>
+            <a:r>
+              <a:rPr lang="en-SG" sz="2800" dirty="0" smtClean="0"/>
+              <a:t>requirements</a:t>
+            </a:r>
+          </a:p>
+          <a:p>
+            <a:pPr marL="742950" lvl="1" indent="-285750">
+              <a:buFont typeface="Arial" panose="020B0604020202020204" pitchFamily="34" charset="0"/>
+              <a:buChar char="•"/>
+            </a:pPr>
+            <a:r>
+              <a:rPr lang="en-SG" sz="2800" dirty="0"/>
+              <a:t>Final presentation </a:t>
+            </a:r>
+            <a:r>
+              <a:rPr lang="en-SG" sz="2800" dirty="0" smtClean="0"/>
+              <a:t>slides</a:t>
+            </a:r>
+          </a:p>
+          <a:p>
+            <a:pPr marL="742950" lvl="1" indent="-285750">
+              <a:buFont typeface="Arial" panose="020B0604020202020204" pitchFamily="34" charset="0"/>
+              <a:buChar char="•"/>
+            </a:pPr>
+            <a:r>
+              <a:rPr lang="en-SG" sz="2800" dirty="0"/>
+              <a:t>Deploy application to </a:t>
+            </a:r>
+            <a:r>
+              <a:rPr lang="en-SG" sz="2800" dirty="0" err="1"/>
+              <a:t>OpenShift</a:t>
+            </a:r>
+            <a:endParaRPr lang="en-SG" sz="2800" dirty="0" smtClean="0"/>
+          </a:p>
+          <a:p>
+            <a:endParaRPr lang="en-SG" sz="2800" dirty="0">
+              <a:solidFill>
+                <a:schemeClr val="accent1">
+                  <a:lumMod val="60000"/>
+                  <a:lumOff val="40000"/>
+                </a:schemeClr>
+              </a:solidFill>
+            </a:endParaRPr>
+          </a:p>
+          <a:p>
+            <a:r>
+              <a:rPr lang="en-SG" sz="2800" dirty="0" smtClean="0">
+                <a:solidFill>
+                  <a:schemeClr val="accent1">
+                    <a:lumMod val="60000"/>
+                    <a:lumOff val="40000"/>
+                  </a:schemeClr>
+                </a:solidFill>
+              </a:rPr>
+              <a:t>Pair 1: Darren + Zhi Hui </a:t>
+            </a:r>
+          </a:p>
+          <a:p>
+            <a:pPr marL="742950" lvl="1" indent="-285750">
+              <a:buFont typeface="Arial" panose="020B0604020202020204" pitchFamily="34" charset="0"/>
+              <a:buChar char="•"/>
+            </a:pPr>
+            <a:r>
+              <a:rPr lang="en-SG" sz="2800" dirty="0"/>
+              <a:t>Thorough </a:t>
+            </a:r>
+            <a:r>
+              <a:rPr lang="en-SG" sz="2800" dirty="0" smtClean="0"/>
+              <a:t>debugging</a:t>
+            </a:r>
+            <a:endParaRPr lang="en-SG" sz="2800" dirty="0"/>
+          </a:p>
+          <a:p>
+            <a:endParaRPr lang="en-SG" sz="2800" dirty="0"/>
+          </a:p>
+          <a:p>
+            <a:pPr algn="just"/>
+            <a:r>
+              <a:rPr lang="en-SG" sz="2800" dirty="0" smtClean="0">
+                <a:solidFill>
+                  <a:schemeClr val="accent1">
+                    <a:lumMod val="60000"/>
+                    <a:lumOff val="40000"/>
+                  </a:schemeClr>
+                </a:solidFill>
+              </a:rPr>
+              <a:t>Pair 2: Shu Wen + Nabilah</a:t>
+            </a:r>
+          </a:p>
+          <a:p>
+            <a:pPr marL="742950" lvl="1" indent="-285750" algn="just">
+              <a:buFont typeface="Arial" panose="020B0604020202020204" pitchFamily="34" charset="0"/>
+              <a:buChar char="•"/>
+            </a:pPr>
+            <a:r>
+              <a:rPr lang="en-SG" sz="2800" dirty="0"/>
+              <a:t>Seek loopholes in test </a:t>
+            </a:r>
+            <a:r>
+              <a:rPr lang="en-SG" sz="2800" dirty="0" smtClean="0"/>
+              <a:t>cases</a:t>
+            </a:r>
+          </a:p>
+          <a:p>
+            <a:pPr marL="742950" lvl="1" indent="-285750" algn="just">
+              <a:buFont typeface="Arial" panose="020B0604020202020204" pitchFamily="34" charset="0"/>
+              <a:buChar char="•"/>
+            </a:pPr>
+            <a:r>
+              <a:rPr lang="en-SG" sz="2800" dirty="0" smtClean="0"/>
+              <a:t>Buff </a:t>
+            </a:r>
+            <a:r>
+              <a:rPr lang="en-SG" sz="2800" dirty="0"/>
+              <a:t>up test cases to look for new bugs</a:t>
+            </a:r>
+            <a:endParaRPr lang="en-SG" sz="2800" dirty="0">
+              <a:solidFill>
+                <a:schemeClr val="accent1">
+                  <a:lumMod val="60000"/>
+                  <a:lumOff val="40000"/>
+                </a:schemeClr>
+              </a:solidFill>
+            </a:endParaRPr>
+          </a:p>
+        </p:txBody>
+      </p:sp>
+    </p:spTree>
+    <p:extLst>
+      <p:ext uri="{BB962C8B-B14F-4D97-AF65-F5344CB8AC3E}">
+        <p14:creationId xmlns:p14="http://schemas.microsoft.com/office/powerpoint/2010/main" val="2477882085"/>
+      </p:ext>
+    </p:extLst>
+  </p:cSld>
+  <p:clrMapOvr>
+    <a:masterClrMapping/>
+  </p:clrMapOvr>
+  <p:timing>
+    <p:tnLst>
+      <p:par>
+        <p:cTn id="1" dur="indefinite" restart="never" nodeType="tmRoot"/>
+      </p:par>
+    </p:tnLst>
+  </p:timing>
+</p:sld>
+</file>
+
+<file path=ppt/slides/slide18.xml><?xml version="1.0" encoding="utf-8"?>
+<p:sld xmlns:a="http://schemas.openxmlformats.org/drawingml/2006/main" xmlns:r="http://schemas.openxmlformats.org/officeDocument/2006/relationships" xmlns:p="http://schemas.openxmlformats.org/presentationml/2006/main">
+  <p:cSld>
+    <p:spTree>
+      <p:nvGrpSpPr>
+        <p:cNvPr id="1" name=""/>
+        <p:cNvGrpSpPr/>
+        <p:nvPr/>
+      </p:nvGrpSpPr>
+      <p:grpSpPr>
+        <a:xfrm>
+          <a:off x="0" y="0"/>
+          <a:ext cx="0" cy="0"/>
+          <a:chOff x="0" y="0"/>
+          <a:chExt cx="0" cy="0"/>
+        </a:xfrm>
+      </p:grpSpPr>
+      <p:sp>
+        <p:nvSpPr>
           <p:cNvPr id="9" name="TextBox 8"/>
           <p:cNvSpPr txBox="1"/>
           <p:nvPr/>
@@ -9416,6 +9955,44 @@
       </p:sp>
       <p:sp>
         <p:nvSpPr>
+          <p:cNvPr id="10" name="Rectangle 9"/>
+          <p:cNvSpPr/>
+          <p:nvPr/>
+        </p:nvSpPr>
+        <p:spPr>
+          <a:xfrm>
+            <a:off x="9150575" y="307647"/>
+            <a:ext cx="3005865" cy="646331"/>
+          </a:xfrm>
+          <a:prstGeom prst="rect">
+            <a:avLst/>
+          </a:prstGeom>
+        </p:spPr>
+        <p:style>
+          <a:lnRef idx="2">
+            <a:schemeClr val="accent6"/>
+          </a:lnRef>
+          <a:fillRef idx="1">
+            <a:schemeClr val="lt1"/>
+          </a:fillRef>
+          <a:effectRef idx="0">
+            <a:schemeClr val="accent6"/>
+          </a:effectRef>
+          <a:fontRef idx="minor">
+            <a:schemeClr val="dk1"/>
+          </a:fontRef>
+        </p:style>
+        <p:txBody>
+          <a:bodyPr rtlCol="0" anchor="ctr"/>
+          <a:lstStyle/>
+          <a:p>
+            <a:pPr algn="ctr"/>
+            <a:endParaRPr lang="en-SG"/>
+          </a:p>
+        </p:txBody>
+      </p:sp>
+      <p:sp>
+        <p:nvSpPr>
           <p:cNvPr id="4" name="TextBox 3"/>
           <p:cNvSpPr txBox="1"/>
           <p:nvPr/>
@@ -9559,40 +10136,26 @@
           <a:lstStyle/>
           <a:p>
             <a:r>
-              <a:rPr lang="en-SG" dirty="0" smtClean="0">
+              <a:rPr lang="en-SG" b="1" dirty="0" smtClean="0">
                 <a:solidFill>
-                  <a:srgbClr val="FFFF00"/>
+                  <a:schemeClr val="bg1"/>
                 </a:solidFill>
-                <a:effectLst>
-                  <a:glow rad="139700">
-                    <a:schemeClr val="accent3">
-                      <a:satMod val="175000"/>
-                      <a:alpha val="40000"/>
-                    </a:schemeClr>
-                  </a:glow>
-                </a:effectLst>
+                <a:effectLst/>
               </a:rPr>
               <a:t>PP Team &amp; Rotation Plans</a:t>
             </a:r>
-            <a:endParaRPr lang="en-SG" dirty="0">
+            <a:endParaRPr lang="en-SG" b="1" dirty="0">
               <a:solidFill>
-                <a:srgbClr val="FFFF00"/>
+                <a:schemeClr val="bg1"/>
               </a:solidFill>
-              <a:effectLst>
-                <a:glow rad="139700">
-                  <a:schemeClr val="accent3">
-                    <a:satMod val="175000"/>
-                    <a:alpha val="40000"/>
-                  </a:schemeClr>
-                </a:glow>
-              </a:effectLst>
+              <a:effectLst/>
             </a:endParaRPr>
           </a:p>
         </p:txBody>
       </p:sp>
       <p:pic>
         <p:nvPicPr>
-          <p:cNvPr id="3" name="Picture 2"/>
+          <p:cNvPr id="11" name="Picture 10"/>
           <p:cNvPicPr>
             <a:picLocks noChangeAspect="1"/>
           </p:cNvPicPr>
@@ -9606,8 +10169,8 @@
         </p:blipFill>
         <p:spPr>
           <a:xfrm>
-            <a:off x="979487" y="1115542"/>
-            <a:ext cx="10525125" cy="5486400"/>
+            <a:off x="0" y="985844"/>
+            <a:ext cx="12192000" cy="5872156"/>
           </a:xfrm>
           <a:prstGeom prst="rect">
             <a:avLst/>
@@ -9642,7 +10205,7 @@
 </p:sld>
 </file>
 
-<file path=ppt/slides/slide18.xml><?xml version="1.0" encoding="utf-8"?>
+<file path=ppt/slides/slide19.xml><?xml version="1.0" encoding="utf-8"?>
 <p:sld xmlns:a="http://schemas.openxmlformats.org/drawingml/2006/main" xmlns:r="http://schemas.openxmlformats.org/officeDocument/2006/relationships" xmlns:p="http://schemas.openxmlformats.org/presentationml/2006/main">
   <p:cSld>
     <p:spTree>
@@ -9791,98 +10354,6 @@
   <p:clrMapOvr>
     <a:masterClrMapping/>
   </p:clrMapOvr>
-  <p:timing>
-    <p:tnLst>
-      <p:par>
-        <p:cTn id="1" dur="indefinite" restart="never" nodeType="tmRoot"/>
-      </p:par>
-    </p:tnLst>
-  </p:timing>
-</p:sld>
-</file>
-
-<file path=ppt/slides/slide19.xml><?xml version="1.0" encoding="utf-8"?>
-<p:sld xmlns:a="http://schemas.openxmlformats.org/drawingml/2006/main" xmlns:r="http://schemas.openxmlformats.org/officeDocument/2006/relationships" xmlns:p="http://schemas.openxmlformats.org/presentationml/2006/main">
-  <p:cSld>
-    <p:spTree>
-      <p:nvGrpSpPr>
-        <p:cNvPr id="1" name=""/>
-        <p:cNvGrpSpPr/>
-        <p:nvPr/>
-      </p:nvGrpSpPr>
-      <p:grpSpPr>
-        <a:xfrm>
-          <a:off x="0" y="0"/>
-          <a:ext cx="0" cy="0"/>
-          <a:chOff x="0" y="0"/>
-          <a:chExt cx="0" cy="0"/>
-        </a:xfrm>
-      </p:grpSpPr>
-      <p:sp>
-        <p:nvSpPr>
-          <p:cNvPr id="2" name="Title 1"/>
-          <p:cNvSpPr>
-            <a:spLocks noGrp="1"/>
-          </p:cNvSpPr>
-          <p:nvPr>
-            <p:ph type="title"/>
-          </p:nvPr>
-        </p:nvSpPr>
-        <p:spPr/>
-        <p:txBody>
-          <a:bodyPr/>
-          <a:lstStyle/>
-          <a:p>
-            <a:r>
-              <a:rPr lang="en-SG" dirty="0" smtClean="0"/>
-              <a:t>Appendix : full critical path</a:t>
-            </a:r>
-            <a:endParaRPr lang="en-SG" dirty="0"/>
-          </a:p>
-        </p:txBody>
-      </p:sp>
-      <p:pic>
-        <p:nvPicPr>
-          <p:cNvPr id="3" name="Picture 2"/>
-          <p:cNvPicPr>
-            <a:picLocks noChangeAspect="1"/>
-          </p:cNvPicPr>
-          <p:nvPr/>
-        </p:nvPicPr>
-        <p:blipFill>
-          <a:blip r:embed="rId2"/>
-          <a:stretch>
-            <a:fillRect/>
-          </a:stretch>
-        </p:blipFill>
-        <p:spPr>
-          <a:xfrm>
-            <a:off x="0" y="2219325"/>
-            <a:ext cx="12115014" cy="4086224"/>
-          </a:xfrm>
-          <a:prstGeom prst="rect">
-            <a:avLst/>
-          </a:prstGeom>
-        </p:spPr>
-      </p:pic>
-    </p:spTree>
-    <p:extLst>
-      <p:ext uri="{BB962C8B-B14F-4D97-AF65-F5344CB8AC3E}">
-        <p14:creationId xmlns:p14="http://schemas.microsoft.com/office/powerpoint/2010/main" val="1070639215"/>
-      </p:ext>
-    </p:extLst>
-  </p:cSld>
-  <p:clrMapOvr>
-    <a:masterClrMapping/>
-  </p:clrMapOvr>
-  <mc:AlternateContent xmlns:mc="http://schemas.openxmlformats.org/markup-compatibility/2006" xmlns:p14="http://schemas.microsoft.com/office/powerpoint/2010/main">
-    <mc:Choice Requires="p14">
-      <p:transition spd="slow" p14:dur="2000"/>
-    </mc:Choice>
-    <mc:Fallback xmlns="">
-      <p:transition spd="slow"/>
-    </mc:Fallback>
-  </mc:AlternateContent>
   <p:timing>
     <p:tnLst>
       <p:par>
@@ -9945,6 +10416,44 @@
       </p:sp>
       <p:sp>
         <p:nvSpPr>
+          <p:cNvPr id="11" name="Rectangle 10"/>
+          <p:cNvSpPr/>
+          <p:nvPr/>
+        </p:nvSpPr>
+        <p:spPr>
+          <a:xfrm>
+            <a:off x="50073" y="275478"/>
+            <a:ext cx="2235927" cy="646331"/>
+          </a:xfrm>
+          <a:prstGeom prst="rect">
+            <a:avLst/>
+          </a:prstGeom>
+        </p:spPr>
+        <p:style>
+          <a:lnRef idx="2">
+            <a:schemeClr val="accent6"/>
+          </a:lnRef>
+          <a:fillRef idx="1">
+            <a:schemeClr val="lt1"/>
+          </a:fillRef>
+          <a:effectRef idx="0">
+            <a:schemeClr val="accent6"/>
+          </a:effectRef>
+          <a:fontRef idx="minor">
+            <a:schemeClr val="dk1"/>
+          </a:fontRef>
+        </p:style>
+        <p:txBody>
+          <a:bodyPr rtlCol="0" anchor="ctr"/>
+          <a:lstStyle/>
+          <a:p>
+            <a:pPr algn="ctr"/>
+            <a:endParaRPr lang="en-SG"/>
+          </a:p>
+        </p:txBody>
+      </p:sp>
+      <p:sp>
+        <p:nvSpPr>
           <p:cNvPr id="4" name="TextBox 3"/>
           <p:cNvSpPr txBox="1"/>
           <p:nvPr/>
@@ -9966,33 +10475,19 @@
           <a:lstStyle/>
           <a:p>
             <a:r>
-              <a:rPr lang="en-SG" dirty="0" smtClean="0">
+              <a:rPr lang="en-SG" b="1" dirty="0" smtClean="0">
                 <a:solidFill>
-                  <a:srgbClr val="FFFF00"/>
+                  <a:srgbClr val="212121"/>
                 </a:solidFill>
-                <a:effectLst>
-                  <a:glow rad="139700">
-                    <a:schemeClr val="accent3">
-                      <a:satMod val="175000"/>
-                      <a:alpha val="40000"/>
-                    </a:schemeClr>
-                  </a:glow>
-                </a:effectLst>
+                <a:effectLst/>
               </a:rPr>
               <a:t>Functionalities</a:t>
             </a:r>
-            <a:endParaRPr lang="en-SG" dirty="0">
+            <a:endParaRPr lang="en-SG" b="1" dirty="0">
               <a:solidFill>
-                <a:srgbClr val="FFFF00"/>
+                <a:srgbClr val="212121"/>
               </a:solidFill>
-              <a:effectLst>
-                <a:glow rad="139700">
-                  <a:schemeClr val="accent3">
-                    <a:satMod val="175000"/>
-                    <a:alpha val="40000"/>
-                  </a:schemeClr>
-                </a:glow>
-              </a:effectLst>
+              <a:effectLst/>
             </a:endParaRPr>
           </a:p>
         </p:txBody>
@@ -10588,7 +11083,12 @@
             <p:ph type="title"/>
           </p:nvPr>
         </p:nvSpPr>
-        <p:spPr/>
+        <p:spPr>
+          <a:xfrm>
+            <a:off x="956051" y="15394"/>
+            <a:ext cx="10571998" cy="970450"/>
+          </a:xfrm>
+        </p:spPr>
         <p:txBody>
           <a:bodyPr/>
           <a:lstStyle/>
@@ -10601,34 +11101,1538 @@
           </a:p>
         </p:txBody>
       </p:sp>
-      <p:pic>
-        <p:nvPicPr>
-          <p:cNvPr id="4" name="Picture 3"/>
-          <p:cNvPicPr>
-            <a:picLocks noChangeAspect="1"/>
-          </p:cNvPicPr>
-          <p:nvPr/>
-        </p:nvPicPr>
-        <p:blipFill>
-          <a:blip r:embed="rId2"/>
-          <a:stretch>
-            <a:fillRect/>
-          </a:stretch>
-        </p:blipFill>
-        <p:spPr>
-          <a:xfrm>
-            <a:off x="2914649" y="2019300"/>
-            <a:ext cx="8555356" cy="4611786"/>
-          </a:xfrm>
-          <a:prstGeom prst="rect">
-            <a:avLst/>
-          </a:prstGeom>
-        </p:spPr>
-      </p:pic>
+      <p:sp>
+        <p:nvSpPr>
+          <p:cNvPr id="3" name="Content Placeholder 2"/>
+          <p:cNvSpPr>
+            <a:spLocks noGrp="1"/>
+          </p:cNvSpPr>
+          <p:nvPr>
+            <p:ph idx="1"/>
+          </p:nvPr>
+        </p:nvSpPr>
+        <p:spPr/>
+        <p:txBody>
+          <a:bodyPr/>
+          <a:lstStyle/>
+          <a:p>
+            <a:endParaRPr lang="en-SG" dirty="0"/>
+          </a:p>
+        </p:txBody>
+      </p:sp>
+      <p:graphicFrame>
+        <p:nvGraphicFramePr>
+          <p:cNvPr id="4" name="Table 3"/>
+          <p:cNvGraphicFramePr>
+            <a:graphicFrameLocks noGrp="1"/>
+          </p:cNvGraphicFramePr>
+          <p:nvPr>
+            <p:extLst>
+              <p:ext uri="{D42A27DB-BD31-4B8C-83A1-F6EECF244321}">
+                <p14:modId xmlns:p14="http://schemas.microsoft.com/office/powerpoint/2010/main" val="1988974395"/>
+              </p:ext>
+            </p:extLst>
+          </p:nvPr>
+        </p:nvGraphicFramePr>
+        <p:xfrm>
+          <a:off x="-153548" y="1"/>
+          <a:ext cx="13564748" cy="7464125"/>
+        </p:xfrm>
+        <a:graphic>
+          <a:graphicData uri="http://schemas.openxmlformats.org/drawingml/2006/table">
+            <a:tbl>
+              <a:tblPr firstRow="1" bandRow="1">
+                <a:tableStyleId>{5C22544A-7EE6-4342-B048-85BDC9FD1C3A}</a:tableStyleId>
+              </a:tblPr>
+              <a:tblGrid>
+                <a:gridCol w="1308580"/>
+                <a:gridCol w="2261936"/>
+                <a:gridCol w="2002317"/>
+                <a:gridCol w="1976125"/>
+                <a:gridCol w="2053390"/>
+                <a:gridCol w="1973179"/>
+                <a:gridCol w="1989221"/>
+              </a:tblGrid>
+              <a:tr h="849965">
+                <a:tc>
+                  <a:txBody>
+                    <a:bodyPr/>
+                    <a:lstStyle/>
+                    <a:p>
+                      <a:endParaRPr lang="en-SG" sz="2400" b="1" dirty="0"/>
+                    </a:p>
+                  </a:txBody>
+                  <a:tcPr>
+                    <a:solidFill>
+                      <a:schemeClr val="bg1"/>
+                    </a:solidFill>
+                  </a:tcPr>
+                </a:tc>
+                <a:tc>
+                  <a:txBody>
+                    <a:bodyPr/>
+                    <a:lstStyle/>
+                    <a:p>
+                      <a:r>
+                        <a:rPr lang="en-SG" sz="2400" b="1" dirty="0" smtClean="0"/>
+                        <a:t>Iteration 1:</a:t>
+                      </a:r>
+                    </a:p>
+                  </a:txBody>
+                  <a:tcPr>
+                    <a:solidFill>
+                      <a:schemeClr val="bg1"/>
+                    </a:solidFill>
+                  </a:tcPr>
+                </a:tc>
+                <a:tc>
+                  <a:txBody>
+                    <a:bodyPr/>
+                    <a:lstStyle/>
+                    <a:p>
+                      <a:pPr marL="0" marR="0" indent="0" algn="l" defTabSz="457200" rtl="0" eaLnBrk="1" fontAlgn="auto" latinLnBrk="0" hangingPunct="1">
+                        <a:lnSpc>
+                          <a:spcPct val="100000"/>
+                        </a:lnSpc>
+                        <a:spcBef>
+                          <a:spcPts val="0"/>
+                        </a:spcBef>
+                        <a:spcAft>
+                          <a:spcPts val="0"/>
+                        </a:spcAft>
+                        <a:buClrTx/>
+                        <a:buSzTx/>
+                        <a:buFontTx/>
+                        <a:buNone/>
+                        <a:tabLst/>
+                        <a:defRPr/>
+                      </a:pPr>
+                      <a:r>
+                        <a:rPr lang="en-SG" sz="2400" b="1" dirty="0" smtClean="0"/>
+                        <a:t>Iteration 2:</a:t>
+                      </a:r>
+                    </a:p>
+                    <a:p>
+                      <a:endParaRPr lang="en-SG" sz="2400" b="1" dirty="0"/>
+                    </a:p>
+                  </a:txBody>
+                  <a:tcPr>
+                    <a:solidFill>
+                      <a:schemeClr val="bg1"/>
+                    </a:solidFill>
+                  </a:tcPr>
+                </a:tc>
+                <a:tc>
+                  <a:txBody>
+                    <a:bodyPr/>
+                    <a:lstStyle/>
+                    <a:p>
+                      <a:pPr marL="0" marR="0" indent="0" algn="l" defTabSz="457200" rtl="0" eaLnBrk="1" fontAlgn="auto" latinLnBrk="0" hangingPunct="1">
+                        <a:lnSpc>
+                          <a:spcPct val="100000"/>
+                        </a:lnSpc>
+                        <a:spcBef>
+                          <a:spcPts val="0"/>
+                        </a:spcBef>
+                        <a:spcAft>
+                          <a:spcPts val="0"/>
+                        </a:spcAft>
+                        <a:buClrTx/>
+                        <a:buSzTx/>
+                        <a:buFontTx/>
+                        <a:buNone/>
+                        <a:tabLst/>
+                        <a:defRPr/>
+                      </a:pPr>
+                      <a:r>
+                        <a:rPr lang="en-SG" sz="2400" b="1" dirty="0" smtClean="0"/>
+                        <a:t>Iteration 3:</a:t>
+                      </a:r>
+                    </a:p>
+                    <a:p>
+                      <a:endParaRPr lang="en-SG" sz="2400" b="1" dirty="0"/>
+                    </a:p>
+                  </a:txBody>
+                  <a:tcPr>
+                    <a:solidFill>
+                      <a:schemeClr val="bg1"/>
+                    </a:solidFill>
+                  </a:tcPr>
+                </a:tc>
+                <a:tc>
+                  <a:txBody>
+                    <a:bodyPr/>
+                    <a:lstStyle/>
+                    <a:p>
+                      <a:pPr marL="0" marR="0" indent="0" algn="l" defTabSz="457200" rtl="0" eaLnBrk="1" fontAlgn="auto" latinLnBrk="0" hangingPunct="1">
+                        <a:lnSpc>
+                          <a:spcPct val="100000"/>
+                        </a:lnSpc>
+                        <a:spcBef>
+                          <a:spcPts val="0"/>
+                        </a:spcBef>
+                        <a:spcAft>
+                          <a:spcPts val="0"/>
+                        </a:spcAft>
+                        <a:buClrTx/>
+                        <a:buSzTx/>
+                        <a:buFontTx/>
+                        <a:buNone/>
+                        <a:tabLst/>
+                        <a:defRPr/>
+                      </a:pPr>
+                      <a:r>
+                        <a:rPr lang="en-SG" sz="2400" b="1" dirty="0" smtClean="0"/>
+                        <a:t>Iteration 4:</a:t>
+                      </a:r>
+                    </a:p>
+                  </a:txBody>
+                  <a:tcPr>
+                    <a:solidFill>
+                      <a:schemeClr val="bg1"/>
+                    </a:solidFill>
+                  </a:tcPr>
+                </a:tc>
+                <a:tc>
+                  <a:txBody>
+                    <a:bodyPr/>
+                    <a:lstStyle/>
+                    <a:p>
+                      <a:pPr marL="0" marR="0" indent="0" algn="l" defTabSz="457200" rtl="0" eaLnBrk="1" fontAlgn="auto" latinLnBrk="0" hangingPunct="1">
+                        <a:lnSpc>
+                          <a:spcPct val="100000"/>
+                        </a:lnSpc>
+                        <a:spcBef>
+                          <a:spcPts val="0"/>
+                        </a:spcBef>
+                        <a:spcAft>
+                          <a:spcPts val="0"/>
+                        </a:spcAft>
+                        <a:buClrTx/>
+                        <a:buSzTx/>
+                        <a:buFontTx/>
+                        <a:buNone/>
+                        <a:tabLst/>
+                        <a:defRPr/>
+                      </a:pPr>
+                      <a:r>
+                        <a:rPr lang="en-SG" sz="2400" b="1" dirty="0" smtClean="0"/>
+                        <a:t>Iteration 5:</a:t>
+                      </a:r>
+                    </a:p>
+                  </a:txBody>
+                  <a:tcPr>
+                    <a:solidFill>
+                      <a:schemeClr val="bg1"/>
+                    </a:solidFill>
+                  </a:tcPr>
+                </a:tc>
+                <a:tc>
+                  <a:txBody>
+                    <a:bodyPr/>
+                    <a:lstStyle/>
+                    <a:p>
+                      <a:pPr marL="0" marR="0" indent="0" algn="l" defTabSz="457200" rtl="0" eaLnBrk="1" fontAlgn="auto" latinLnBrk="0" hangingPunct="1">
+                        <a:lnSpc>
+                          <a:spcPct val="100000"/>
+                        </a:lnSpc>
+                        <a:spcBef>
+                          <a:spcPts val="0"/>
+                        </a:spcBef>
+                        <a:spcAft>
+                          <a:spcPts val="0"/>
+                        </a:spcAft>
+                        <a:buClrTx/>
+                        <a:buSzTx/>
+                        <a:buFontTx/>
+                        <a:buNone/>
+                        <a:tabLst/>
+                        <a:defRPr/>
+                      </a:pPr>
+                      <a:r>
+                        <a:rPr lang="en-SG" sz="2400" b="1" dirty="0" smtClean="0"/>
+                        <a:t>Iteration 6:</a:t>
+                      </a:r>
+                    </a:p>
+                    <a:p>
+                      <a:pPr marL="0" marR="0" indent="0" algn="l" defTabSz="457200" rtl="0" eaLnBrk="1" fontAlgn="auto" latinLnBrk="0" hangingPunct="1">
+                        <a:lnSpc>
+                          <a:spcPct val="100000"/>
+                        </a:lnSpc>
+                        <a:spcBef>
+                          <a:spcPts val="0"/>
+                        </a:spcBef>
+                        <a:spcAft>
+                          <a:spcPts val="0"/>
+                        </a:spcAft>
+                        <a:buClrTx/>
+                        <a:buSzTx/>
+                        <a:buFontTx/>
+                        <a:buNone/>
+                        <a:tabLst/>
+                        <a:defRPr/>
+                      </a:pPr>
+                      <a:endParaRPr lang="en-SG" sz="2400" b="1" dirty="0" smtClean="0"/>
+                    </a:p>
+                  </a:txBody>
+                  <a:tcPr>
+                    <a:solidFill>
+                      <a:schemeClr val="bg1"/>
+                    </a:solidFill>
+                  </a:tcPr>
+                </a:tc>
+              </a:tr>
+              <a:tr h="2298004">
+                <a:tc>
+                  <a:txBody>
+                    <a:bodyPr/>
+                    <a:lstStyle/>
+                    <a:p>
+                      <a:pPr algn="ctr"/>
+                      <a:r>
+                        <a:rPr lang="en-SG" sz="3200" b="1" dirty="0" smtClean="0"/>
+                        <a:t>PM</a:t>
+                      </a:r>
+                      <a:endParaRPr lang="en-SG" sz="3200" b="1" dirty="0"/>
+                    </a:p>
+                  </a:txBody>
+                  <a:tcPr anchor="ctr"/>
+                </a:tc>
+                <a:tc>
+                  <a:txBody>
+                    <a:bodyPr/>
+                    <a:lstStyle/>
+                    <a:p>
+                      <a:pPr algn="ctr"/>
+                      <a:endParaRPr lang="en-SG" sz="3200" b="1" i="0" kern="1200" dirty="0" smtClean="0">
+                        <a:solidFill>
+                          <a:schemeClr val="dk1"/>
+                        </a:solidFill>
+                        <a:effectLst/>
+                        <a:latin typeface="+mn-lt"/>
+                        <a:ea typeface="+mn-ea"/>
+                        <a:cs typeface="+mn-cs"/>
+                      </a:endParaRPr>
+                    </a:p>
+                    <a:p>
+                      <a:pPr algn="ctr"/>
+                      <a:r>
+                        <a:rPr lang="en-SG" sz="3200" b="1" i="0" kern="1200" dirty="0" smtClean="0">
+                          <a:solidFill>
+                            <a:schemeClr val="dk1"/>
+                          </a:solidFill>
+                          <a:effectLst/>
+                          <a:latin typeface="+mn-lt"/>
+                          <a:ea typeface="+mn-ea"/>
+                          <a:cs typeface="+mn-cs"/>
+                        </a:rPr>
+                        <a:t>Jeremy</a:t>
+                      </a:r>
+                      <a:r>
+                        <a:rPr lang="en-SG" sz="3200" b="1" dirty="0" smtClean="0"/>
+                        <a:t/>
+                      </a:r>
+                      <a:br>
+                        <a:rPr lang="en-SG" sz="3200" b="1" dirty="0" smtClean="0"/>
+                      </a:br>
+                      <a:endParaRPr lang="en-SG" sz="3200" b="1" dirty="0"/>
+                    </a:p>
+                  </a:txBody>
+                  <a:tcPr anchor="ctr">
+                    <a:solidFill>
+                      <a:srgbClr val="00B0F0"/>
+                    </a:solidFill>
+                  </a:tcPr>
+                </a:tc>
+                <a:tc>
+                  <a:txBody>
+                    <a:bodyPr/>
+                    <a:lstStyle/>
+                    <a:p>
+                      <a:pPr algn="ctr"/>
+                      <a:endParaRPr lang="en-SG" sz="3200" b="1" i="0" kern="1200" dirty="0" smtClean="0">
+                        <a:solidFill>
+                          <a:schemeClr val="dk1"/>
+                        </a:solidFill>
+                        <a:effectLst/>
+                        <a:latin typeface="+mn-lt"/>
+                        <a:ea typeface="+mn-ea"/>
+                        <a:cs typeface="+mn-cs"/>
+                      </a:endParaRPr>
+                    </a:p>
+                    <a:p>
+                      <a:pPr algn="ctr"/>
+                      <a:r>
+                        <a:rPr lang="en-SG" sz="3200" b="1" i="0" kern="1200" dirty="0" smtClean="0">
+                          <a:solidFill>
+                            <a:schemeClr val="dk1"/>
+                          </a:solidFill>
+                          <a:effectLst/>
+                          <a:latin typeface="+mn-lt"/>
+                          <a:ea typeface="+mn-ea"/>
+                          <a:cs typeface="+mn-cs"/>
+                        </a:rPr>
+                        <a:t>Zhi Hui</a:t>
+                      </a:r>
+                      <a:r>
+                        <a:rPr lang="en-SG" sz="3200" b="1" dirty="0" smtClean="0"/>
+                        <a:t/>
+                      </a:r>
+                      <a:br>
+                        <a:rPr lang="en-SG" sz="3200" b="1" dirty="0" smtClean="0"/>
+                      </a:br>
+                      <a:endParaRPr lang="en-SG" sz="3200" b="1" dirty="0"/>
+                    </a:p>
+                  </a:txBody>
+                  <a:tcPr anchor="ctr"/>
+                </a:tc>
+                <a:tc>
+                  <a:txBody>
+                    <a:bodyPr/>
+                    <a:lstStyle/>
+                    <a:p>
+                      <a:pPr algn="ctr"/>
+                      <a:endParaRPr lang="en-SG" sz="3200" b="1" i="0" kern="1200" dirty="0" smtClean="0">
+                        <a:solidFill>
+                          <a:schemeClr val="dk1"/>
+                        </a:solidFill>
+                        <a:effectLst/>
+                        <a:latin typeface="+mn-lt"/>
+                        <a:ea typeface="+mn-ea"/>
+                        <a:cs typeface="+mn-cs"/>
+                      </a:endParaRPr>
+                    </a:p>
+                    <a:p>
+                      <a:pPr algn="ctr"/>
+                      <a:r>
+                        <a:rPr lang="en-SG" sz="3200" b="1" i="0" kern="1200" dirty="0" smtClean="0">
+                          <a:solidFill>
+                            <a:schemeClr val="dk1"/>
+                          </a:solidFill>
+                          <a:effectLst/>
+                          <a:latin typeface="+mn-lt"/>
+                          <a:ea typeface="+mn-ea"/>
+                          <a:cs typeface="+mn-cs"/>
+                        </a:rPr>
+                        <a:t>Nabilah</a:t>
+                      </a:r>
+                      <a:r>
+                        <a:rPr lang="en-SG" sz="3200" b="1" dirty="0" smtClean="0"/>
+                        <a:t/>
+                      </a:r>
+                      <a:br>
+                        <a:rPr lang="en-SG" sz="3200" b="1" dirty="0" smtClean="0"/>
+                      </a:br>
+                      <a:endParaRPr lang="en-SG" sz="3200" b="1" dirty="0"/>
+                    </a:p>
+                  </a:txBody>
+                  <a:tcPr anchor="ctr">
+                    <a:solidFill>
+                      <a:srgbClr val="00B0F0"/>
+                    </a:solidFill>
+                  </a:tcPr>
+                </a:tc>
+                <a:tc>
+                  <a:txBody>
+                    <a:bodyPr/>
+                    <a:lstStyle/>
+                    <a:p>
+                      <a:pPr algn="ctr"/>
+                      <a:endParaRPr lang="en-SG" sz="3200" b="1" i="0" kern="1200" dirty="0" smtClean="0">
+                        <a:solidFill>
+                          <a:schemeClr val="dk1"/>
+                        </a:solidFill>
+                        <a:effectLst/>
+                        <a:latin typeface="+mn-lt"/>
+                        <a:ea typeface="+mn-ea"/>
+                        <a:cs typeface="+mn-cs"/>
+                      </a:endParaRPr>
+                    </a:p>
+                    <a:p>
+                      <a:pPr algn="ctr"/>
+                      <a:endParaRPr lang="en-SG" sz="3200" b="1" i="0" kern="1200" dirty="0" smtClean="0">
+                        <a:solidFill>
+                          <a:schemeClr val="dk1"/>
+                        </a:solidFill>
+                        <a:effectLst/>
+                        <a:latin typeface="+mn-lt"/>
+                        <a:ea typeface="+mn-ea"/>
+                        <a:cs typeface="+mn-cs"/>
+                      </a:endParaRPr>
+                    </a:p>
+                    <a:p>
+                      <a:pPr algn="ctr"/>
+                      <a:r>
+                        <a:rPr lang="en-SG" sz="3200" b="1" i="0" kern="1200" dirty="0" smtClean="0">
+                          <a:solidFill>
+                            <a:schemeClr val="dk1"/>
+                          </a:solidFill>
+                          <a:effectLst/>
+                          <a:latin typeface="+mn-lt"/>
+                          <a:ea typeface="+mn-ea"/>
+                          <a:cs typeface="+mn-cs"/>
+                        </a:rPr>
+                        <a:t>Darren</a:t>
+                      </a:r>
+                      <a:r>
+                        <a:rPr lang="en-SG" sz="3200" b="1" dirty="0" smtClean="0"/>
+                        <a:t/>
+                      </a:r>
+                      <a:br>
+                        <a:rPr lang="en-SG" sz="3200" b="1" dirty="0" smtClean="0"/>
+                      </a:br>
+                      <a:r>
+                        <a:rPr lang="en-SG" sz="3200" b="1" dirty="0" smtClean="0"/>
+                        <a:t/>
+                      </a:r>
+                      <a:br>
+                        <a:rPr lang="en-SG" sz="3200" b="1" dirty="0" smtClean="0"/>
+                      </a:br>
+                      <a:endParaRPr lang="en-SG" sz="3200" b="1" dirty="0"/>
+                    </a:p>
+                  </a:txBody>
+                  <a:tcPr anchor="ctr"/>
+                </a:tc>
+                <a:tc>
+                  <a:txBody>
+                    <a:bodyPr/>
+                    <a:lstStyle/>
+                    <a:p>
+                      <a:pPr algn="ctr"/>
+                      <a:r>
+                        <a:rPr lang="en-SG" sz="3200" b="1" i="0" kern="1200" dirty="0" smtClean="0">
+                          <a:solidFill>
+                            <a:schemeClr val="dk1"/>
+                          </a:solidFill>
+                          <a:effectLst/>
+                          <a:latin typeface="+mn-lt"/>
+                          <a:ea typeface="+mn-ea"/>
+                          <a:cs typeface="+mn-cs"/>
+                        </a:rPr>
+                        <a:t>Shu Wen</a:t>
+                      </a:r>
+                      <a:endParaRPr lang="en-SG" sz="3200" b="1" dirty="0"/>
+                    </a:p>
+                  </a:txBody>
+                  <a:tcPr anchor="ctr">
+                    <a:solidFill>
+                      <a:srgbClr val="00B0F0"/>
+                    </a:solidFill>
+                  </a:tcPr>
+                </a:tc>
+                <a:tc>
+                  <a:txBody>
+                    <a:bodyPr/>
+                    <a:lstStyle/>
+                    <a:p>
+                      <a:pPr algn="ctr"/>
+                      <a:endParaRPr lang="en-SG" sz="3200" b="1" i="0" kern="1200" dirty="0" smtClean="0">
+                        <a:solidFill>
+                          <a:schemeClr val="dk1"/>
+                        </a:solidFill>
+                        <a:effectLst/>
+                        <a:latin typeface="+mn-lt"/>
+                        <a:ea typeface="+mn-ea"/>
+                        <a:cs typeface="+mn-cs"/>
+                      </a:endParaRPr>
+                    </a:p>
+                    <a:p>
+                      <a:pPr algn="ctr"/>
+                      <a:r>
+                        <a:rPr lang="en-SG" sz="3200" b="1" i="0" kern="1200" dirty="0" smtClean="0">
+                          <a:solidFill>
+                            <a:schemeClr val="dk1"/>
+                          </a:solidFill>
+                          <a:effectLst/>
+                          <a:latin typeface="+mn-lt"/>
+                          <a:ea typeface="+mn-ea"/>
+                          <a:cs typeface="+mn-cs"/>
+                        </a:rPr>
+                        <a:t>Jeremy</a:t>
+                      </a:r>
+                      <a:r>
+                        <a:rPr lang="en-SG" sz="3200" b="1" dirty="0" smtClean="0"/>
+                        <a:t/>
+                      </a:r>
+                      <a:br>
+                        <a:rPr lang="en-SG" sz="3200" b="1" dirty="0" smtClean="0"/>
+                      </a:br>
+                      <a:endParaRPr lang="en-SG" sz="3200" b="1" dirty="0"/>
+                    </a:p>
+                  </a:txBody>
+                  <a:tcPr anchor="ctr"/>
+                </a:tc>
+              </a:tr>
+              <a:tr h="1855015">
+                <a:tc>
+                  <a:txBody>
+                    <a:bodyPr/>
+                    <a:lstStyle/>
+                    <a:p>
+                      <a:pPr algn="ctr"/>
+                      <a:r>
+                        <a:rPr lang="en-SG" sz="3200" b="1" dirty="0" smtClean="0"/>
+                        <a:t>Pair 1</a:t>
+                      </a:r>
+                      <a:endParaRPr lang="en-SG" sz="3200" b="1" dirty="0"/>
+                    </a:p>
+                  </a:txBody>
+                  <a:tcPr anchor="ctr"/>
+                </a:tc>
+                <a:tc>
+                  <a:txBody>
+                    <a:bodyPr/>
+                    <a:lstStyle/>
+                    <a:p>
+                      <a:pPr marL="0" marR="0" indent="0" algn="ctr" defTabSz="457200" rtl="0" eaLnBrk="1" fontAlgn="auto" latinLnBrk="0" hangingPunct="1">
+                        <a:lnSpc>
+                          <a:spcPct val="100000"/>
+                        </a:lnSpc>
+                        <a:spcBef>
+                          <a:spcPts val="0"/>
+                        </a:spcBef>
+                        <a:spcAft>
+                          <a:spcPts val="0"/>
+                        </a:spcAft>
+                        <a:buClrTx/>
+                        <a:buSzTx/>
+                        <a:buFontTx/>
+                        <a:buNone/>
+                        <a:tabLst/>
+                        <a:defRPr/>
+                      </a:pPr>
+                      <a:endParaRPr lang="en-SG" sz="3200" b="1" i="0" kern="1200" dirty="0" smtClean="0">
+                        <a:solidFill>
+                          <a:schemeClr val="dk1"/>
+                        </a:solidFill>
+                        <a:effectLst/>
+                        <a:latin typeface="+mn-lt"/>
+                        <a:ea typeface="+mn-ea"/>
+                        <a:cs typeface="+mn-cs"/>
+                      </a:endParaRPr>
+                    </a:p>
+                    <a:p>
+                      <a:pPr marL="0" marR="0" indent="0" algn="ctr" defTabSz="457200" rtl="0" eaLnBrk="1" fontAlgn="auto" latinLnBrk="0" hangingPunct="1">
+                        <a:lnSpc>
+                          <a:spcPct val="100000"/>
+                        </a:lnSpc>
+                        <a:spcBef>
+                          <a:spcPts val="0"/>
+                        </a:spcBef>
+                        <a:spcAft>
+                          <a:spcPts val="0"/>
+                        </a:spcAft>
+                        <a:buClrTx/>
+                        <a:buSzTx/>
+                        <a:buFontTx/>
+                        <a:buNone/>
+                        <a:tabLst/>
+                        <a:defRPr/>
+                      </a:pPr>
+                      <a:r>
+                        <a:rPr lang="en-SG" sz="3200" b="1" i="0" kern="1200" dirty="0" smtClean="0">
+                          <a:solidFill>
+                            <a:schemeClr val="dk1"/>
+                          </a:solidFill>
+                          <a:effectLst/>
+                          <a:latin typeface="+mn-lt"/>
+                          <a:ea typeface="+mn-ea"/>
+                          <a:cs typeface="+mn-cs"/>
+                        </a:rPr>
+                        <a:t>Darren </a:t>
+                      </a:r>
+                    </a:p>
+                    <a:p>
+                      <a:pPr marL="0" marR="0" indent="0" algn="ctr" defTabSz="457200" rtl="0" eaLnBrk="1" fontAlgn="auto" latinLnBrk="0" hangingPunct="1">
+                        <a:lnSpc>
+                          <a:spcPct val="100000"/>
+                        </a:lnSpc>
+                        <a:spcBef>
+                          <a:spcPts val="0"/>
+                        </a:spcBef>
+                        <a:spcAft>
+                          <a:spcPts val="0"/>
+                        </a:spcAft>
+                        <a:buClrTx/>
+                        <a:buSzTx/>
+                        <a:buFontTx/>
+                        <a:buNone/>
+                        <a:tabLst/>
+                        <a:defRPr/>
+                      </a:pPr>
+                      <a:r>
+                        <a:rPr lang="en-SG" sz="3200" b="1" i="0" kern="1200" dirty="0" smtClean="0">
+                          <a:solidFill>
+                            <a:schemeClr val="dk1"/>
+                          </a:solidFill>
+                          <a:effectLst/>
+                          <a:latin typeface="+mn-lt"/>
+                          <a:ea typeface="+mn-ea"/>
+                          <a:cs typeface="+mn-cs"/>
+                        </a:rPr>
+                        <a:t>Shu Wen</a:t>
+                      </a:r>
+                      <a:r>
+                        <a:rPr lang="en-SG" sz="3200" b="1" dirty="0" smtClean="0"/>
+                        <a:t/>
+                      </a:r>
+                      <a:br>
+                        <a:rPr lang="en-SG" sz="3200" b="1" dirty="0" smtClean="0"/>
+                      </a:br>
+                      <a:endParaRPr lang="en-SG" sz="3200" b="1" dirty="0"/>
+                    </a:p>
+                  </a:txBody>
+                  <a:tcPr anchor="ctr">
+                    <a:solidFill>
+                      <a:srgbClr val="00B0F0"/>
+                    </a:solidFill>
+                  </a:tcPr>
+                </a:tc>
+                <a:tc>
+                  <a:txBody>
+                    <a:bodyPr/>
+                    <a:lstStyle/>
+                    <a:p>
+                      <a:pPr marL="0" marR="0" indent="0" algn="ctr" defTabSz="457200" rtl="0" eaLnBrk="1" fontAlgn="auto" latinLnBrk="0" hangingPunct="1">
+                        <a:lnSpc>
+                          <a:spcPct val="100000"/>
+                        </a:lnSpc>
+                        <a:spcBef>
+                          <a:spcPts val="0"/>
+                        </a:spcBef>
+                        <a:spcAft>
+                          <a:spcPts val="0"/>
+                        </a:spcAft>
+                        <a:buClrTx/>
+                        <a:buSzTx/>
+                        <a:buFontTx/>
+                        <a:buNone/>
+                        <a:tabLst/>
+                        <a:defRPr/>
+                      </a:pPr>
+                      <a:endParaRPr lang="en-SG" sz="3200" b="1" i="0" kern="1200" dirty="0" smtClean="0">
+                        <a:solidFill>
+                          <a:schemeClr val="dk1"/>
+                        </a:solidFill>
+                        <a:effectLst/>
+                        <a:latin typeface="+mn-lt"/>
+                        <a:ea typeface="+mn-ea"/>
+                        <a:cs typeface="+mn-cs"/>
+                      </a:endParaRPr>
+                    </a:p>
+                    <a:p>
+                      <a:pPr marL="0" marR="0" indent="0" algn="ctr" defTabSz="457200" rtl="0" eaLnBrk="1" fontAlgn="auto" latinLnBrk="0" hangingPunct="1">
+                        <a:lnSpc>
+                          <a:spcPct val="100000"/>
+                        </a:lnSpc>
+                        <a:spcBef>
+                          <a:spcPts val="0"/>
+                        </a:spcBef>
+                        <a:spcAft>
+                          <a:spcPts val="0"/>
+                        </a:spcAft>
+                        <a:buClrTx/>
+                        <a:buSzTx/>
+                        <a:buFontTx/>
+                        <a:buNone/>
+                        <a:tabLst/>
+                        <a:defRPr/>
+                      </a:pPr>
+                      <a:r>
+                        <a:rPr lang="en-SG" sz="3200" b="1" i="0" kern="1200" dirty="0" smtClean="0">
+                          <a:solidFill>
+                            <a:schemeClr val="dk1"/>
+                          </a:solidFill>
+                          <a:effectLst/>
+                          <a:latin typeface="+mn-lt"/>
+                          <a:ea typeface="+mn-ea"/>
+                          <a:cs typeface="+mn-cs"/>
+                        </a:rPr>
+                        <a:t>Darren Nabilah</a:t>
+                      </a:r>
+                      <a:r>
+                        <a:rPr lang="en-SG" sz="3200" b="1" dirty="0" smtClean="0"/>
+                        <a:t/>
+                      </a:r>
+                      <a:br>
+                        <a:rPr lang="en-SG" sz="3200" b="1" dirty="0" smtClean="0"/>
+                      </a:br>
+                      <a:endParaRPr lang="en-SG" sz="3200" b="1" dirty="0"/>
+                    </a:p>
+                  </a:txBody>
+                  <a:tcPr anchor="ctr"/>
+                </a:tc>
+                <a:tc>
+                  <a:txBody>
+                    <a:bodyPr/>
+                    <a:lstStyle/>
+                    <a:p>
+                      <a:pPr algn="ctr"/>
+                      <a:endParaRPr lang="en-SG" sz="3200" b="1" i="0" kern="1200" dirty="0" smtClean="0">
+                        <a:solidFill>
+                          <a:schemeClr val="dk1"/>
+                        </a:solidFill>
+                        <a:effectLst/>
+                        <a:latin typeface="+mn-lt"/>
+                        <a:ea typeface="+mn-ea"/>
+                        <a:cs typeface="+mn-cs"/>
+                      </a:endParaRPr>
+                    </a:p>
+                    <a:p>
+                      <a:pPr algn="ctr"/>
+                      <a:r>
+                        <a:rPr lang="en-SG" sz="3200" b="1" i="0" kern="1200" dirty="0" smtClean="0">
+                          <a:solidFill>
+                            <a:schemeClr val="dk1"/>
+                          </a:solidFill>
+                          <a:effectLst/>
+                          <a:latin typeface="+mn-lt"/>
+                          <a:ea typeface="+mn-ea"/>
+                          <a:cs typeface="+mn-cs"/>
+                        </a:rPr>
+                        <a:t>Darren</a:t>
+                      </a:r>
+                    </a:p>
+                    <a:p>
+                      <a:pPr algn="ctr"/>
+                      <a:r>
+                        <a:rPr lang="en-SG" sz="3200" b="1" dirty="0" smtClean="0"/>
+                        <a:t>Shu Wen</a:t>
+                      </a:r>
+                      <a:br>
+                        <a:rPr lang="en-SG" sz="3200" b="1" dirty="0" smtClean="0"/>
+                      </a:br>
+                      <a:endParaRPr lang="en-SG" sz="3200" b="1" dirty="0"/>
+                    </a:p>
+                  </a:txBody>
+                  <a:tcPr anchor="ctr">
+                    <a:solidFill>
+                      <a:srgbClr val="00B0F0"/>
+                    </a:solidFill>
+                  </a:tcPr>
+                </a:tc>
+                <a:tc>
+                  <a:txBody>
+                    <a:bodyPr/>
+                    <a:lstStyle/>
+                    <a:p>
+                      <a:pPr algn="ctr"/>
+                      <a:r>
+                        <a:rPr lang="en-SG" sz="3200" b="1" i="0" kern="1200" dirty="0" smtClean="0">
+                          <a:solidFill>
+                            <a:schemeClr val="dk1"/>
+                          </a:solidFill>
+                          <a:effectLst/>
+                          <a:latin typeface="+mn-lt"/>
+                          <a:ea typeface="+mn-ea"/>
+                          <a:cs typeface="+mn-cs"/>
+                        </a:rPr>
+                        <a:t>Jeremy</a:t>
+                      </a:r>
+                    </a:p>
+                    <a:p>
+                      <a:pPr algn="ctr"/>
+                      <a:r>
+                        <a:rPr lang="en-SG" sz="3200" b="1" i="0" kern="1200" dirty="0" smtClean="0">
+                          <a:solidFill>
+                            <a:schemeClr val="dk1"/>
+                          </a:solidFill>
+                          <a:effectLst/>
+                          <a:latin typeface="+mn-lt"/>
+                          <a:ea typeface="+mn-ea"/>
+                          <a:cs typeface="+mn-cs"/>
+                        </a:rPr>
+                        <a:t>Zhi Hui</a:t>
+                      </a:r>
+                      <a:endParaRPr lang="en-SG" sz="3200" b="1" dirty="0"/>
+                    </a:p>
+                  </a:txBody>
+                  <a:tcPr anchor="ctr"/>
+                </a:tc>
+                <a:tc>
+                  <a:txBody>
+                    <a:bodyPr/>
+                    <a:lstStyle/>
+                    <a:p>
+                      <a:pPr marL="0" marR="0" indent="0" algn="ctr" defTabSz="457200" rtl="0" eaLnBrk="1" fontAlgn="auto" latinLnBrk="0" hangingPunct="1">
+                        <a:lnSpc>
+                          <a:spcPct val="100000"/>
+                        </a:lnSpc>
+                        <a:spcBef>
+                          <a:spcPts val="0"/>
+                        </a:spcBef>
+                        <a:spcAft>
+                          <a:spcPts val="0"/>
+                        </a:spcAft>
+                        <a:buClrTx/>
+                        <a:buSzTx/>
+                        <a:buFontTx/>
+                        <a:buNone/>
+                        <a:tabLst/>
+                        <a:defRPr/>
+                      </a:pPr>
+                      <a:endParaRPr lang="en-SG" sz="3200" b="1" i="0" kern="1200" dirty="0" smtClean="0">
+                        <a:solidFill>
+                          <a:schemeClr val="dk1"/>
+                        </a:solidFill>
+                        <a:effectLst/>
+                        <a:latin typeface="+mn-lt"/>
+                        <a:ea typeface="+mn-ea"/>
+                        <a:cs typeface="+mn-cs"/>
+                      </a:endParaRPr>
+                    </a:p>
+                    <a:p>
+                      <a:pPr marL="0" marR="0" indent="0" algn="ctr" defTabSz="457200" rtl="0" eaLnBrk="1" fontAlgn="auto" latinLnBrk="0" hangingPunct="1">
+                        <a:lnSpc>
+                          <a:spcPct val="100000"/>
+                        </a:lnSpc>
+                        <a:spcBef>
+                          <a:spcPts val="0"/>
+                        </a:spcBef>
+                        <a:spcAft>
+                          <a:spcPts val="0"/>
+                        </a:spcAft>
+                        <a:buClrTx/>
+                        <a:buSzTx/>
+                        <a:buFontTx/>
+                        <a:buNone/>
+                        <a:tabLst/>
+                        <a:defRPr/>
+                      </a:pPr>
+                      <a:r>
+                        <a:rPr lang="en-SG" sz="3200" b="1" i="0" kern="1200" dirty="0" smtClean="0">
+                          <a:solidFill>
+                            <a:schemeClr val="dk1"/>
+                          </a:solidFill>
+                          <a:effectLst/>
+                          <a:latin typeface="+mn-lt"/>
+                          <a:ea typeface="+mn-ea"/>
+                          <a:cs typeface="+mn-cs"/>
+                        </a:rPr>
+                        <a:t>Jeremy  Nabilah</a:t>
+                      </a:r>
+                      <a:endParaRPr lang="en-SG" sz="3200" b="1" dirty="0" smtClean="0"/>
+                    </a:p>
+                    <a:p>
+                      <a:pPr algn="ctr"/>
+                      <a:endParaRPr lang="en-SG" sz="3200" b="1" dirty="0"/>
+                    </a:p>
+                  </a:txBody>
+                  <a:tcPr anchor="ctr">
+                    <a:solidFill>
+                      <a:srgbClr val="00B0F0"/>
+                    </a:solidFill>
+                  </a:tcPr>
+                </a:tc>
+                <a:tc>
+                  <a:txBody>
+                    <a:bodyPr/>
+                    <a:lstStyle/>
+                    <a:p>
+                      <a:pPr marL="0" marR="0" indent="0" algn="ctr" defTabSz="457200" rtl="0" eaLnBrk="1" fontAlgn="auto" latinLnBrk="0" hangingPunct="1">
+                        <a:lnSpc>
+                          <a:spcPct val="100000"/>
+                        </a:lnSpc>
+                        <a:spcBef>
+                          <a:spcPts val="0"/>
+                        </a:spcBef>
+                        <a:spcAft>
+                          <a:spcPts val="0"/>
+                        </a:spcAft>
+                        <a:buClrTx/>
+                        <a:buSzTx/>
+                        <a:buFontTx/>
+                        <a:buNone/>
+                        <a:tabLst/>
+                        <a:defRPr/>
+                      </a:pPr>
+                      <a:endParaRPr lang="en-SG" sz="3200" b="1" i="0" kern="1200" dirty="0" smtClean="0">
+                        <a:solidFill>
+                          <a:schemeClr val="dk1"/>
+                        </a:solidFill>
+                        <a:effectLst/>
+                        <a:latin typeface="+mn-lt"/>
+                        <a:ea typeface="+mn-ea"/>
+                        <a:cs typeface="+mn-cs"/>
+                      </a:endParaRPr>
+                    </a:p>
+                    <a:p>
+                      <a:pPr marL="0" marR="0" indent="0" algn="ctr" defTabSz="457200" rtl="0" eaLnBrk="1" fontAlgn="auto" latinLnBrk="0" hangingPunct="1">
+                        <a:lnSpc>
+                          <a:spcPct val="100000"/>
+                        </a:lnSpc>
+                        <a:spcBef>
+                          <a:spcPts val="0"/>
+                        </a:spcBef>
+                        <a:spcAft>
+                          <a:spcPts val="0"/>
+                        </a:spcAft>
+                        <a:buClrTx/>
+                        <a:buSzTx/>
+                        <a:buFontTx/>
+                        <a:buNone/>
+                        <a:tabLst/>
+                        <a:defRPr/>
+                      </a:pPr>
+                      <a:r>
+                        <a:rPr lang="en-SG" sz="3200" b="1" i="0" kern="1200" dirty="0" smtClean="0">
+                          <a:solidFill>
+                            <a:schemeClr val="dk1"/>
+                          </a:solidFill>
+                          <a:effectLst/>
+                          <a:latin typeface="+mn-lt"/>
+                          <a:ea typeface="+mn-ea"/>
+                          <a:cs typeface="+mn-cs"/>
+                        </a:rPr>
+                        <a:t>Darren</a:t>
+                      </a:r>
+                    </a:p>
+                    <a:p>
+                      <a:pPr marL="0" marR="0" indent="0" algn="ctr" defTabSz="457200" rtl="0" eaLnBrk="1" fontAlgn="auto" latinLnBrk="0" hangingPunct="1">
+                        <a:lnSpc>
+                          <a:spcPct val="100000"/>
+                        </a:lnSpc>
+                        <a:spcBef>
+                          <a:spcPts val="0"/>
+                        </a:spcBef>
+                        <a:spcAft>
+                          <a:spcPts val="0"/>
+                        </a:spcAft>
+                        <a:buClrTx/>
+                        <a:buSzTx/>
+                        <a:buFontTx/>
+                        <a:buNone/>
+                        <a:tabLst/>
+                        <a:defRPr/>
+                      </a:pPr>
+                      <a:r>
+                        <a:rPr lang="en-SG" sz="3200" b="1" i="0" kern="1200" dirty="0" smtClean="0">
+                          <a:solidFill>
+                            <a:schemeClr val="dk1"/>
+                          </a:solidFill>
+                          <a:effectLst/>
+                          <a:latin typeface="+mn-lt"/>
+                          <a:ea typeface="+mn-ea"/>
+                          <a:cs typeface="+mn-cs"/>
+                        </a:rPr>
+                        <a:t>Zhi Hui</a:t>
+                      </a:r>
+                      <a:r>
+                        <a:rPr lang="en-SG" sz="3200" b="1" dirty="0" smtClean="0"/>
+                        <a:t/>
+                      </a:r>
+                      <a:br>
+                        <a:rPr lang="en-SG" sz="3200" b="1" dirty="0" smtClean="0"/>
+                      </a:br>
+                      <a:endParaRPr lang="en-SG" sz="3200" b="1" dirty="0"/>
+                    </a:p>
+                  </a:txBody>
+                  <a:tcPr anchor="ctr"/>
+                </a:tc>
+              </a:tr>
+              <a:tr h="1855015">
+                <a:tc>
+                  <a:txBody>
+                    <a:bodyPr/>
+                    <a:lstStyle/>
+                    <a:p>
+                      <a:pPr algn="ctr"/>
+                      <a:r>
+                        <a:rPr lang="en-SG" sz="3200" b="1" dirty="0" smtClean="0"/>
+                        <a:t>Pair 2</a:t>
+                      </a:r>
+                      <a:endParaRPr lang="en-SG" sz="3200" b="1" dirty="0"/>
+                    </a:p>
+                  </a:txBody>
+                  <a:tcPr anchor="ctr"/>
+                </a:tc>
+                <a:tc>
+                  <a:txBody>
+                    <a:bodyPr/>
+                    <a:lstStyle/>
+                    <a:p>
+                      <a:pPr marL="0" marR="0" indent="0" algn="ctr" defTabSz="457200" rtl="0" eaLnBrk="1" fontAlgn="auto" latinLnBrk="0" hangingPunct="1">
+                        <a:lnSpc>
+                          <a:spcPct val="100000"/>
+                        </a:lnSpc>
+                        <a:spcBef>
+                          <a:spcPts val="0"/>
+                        </a:spcBef>
+                        <a:spcAft>
+                          <a:spcPts val="0"/>
+                        </a:spcAft>
+                        <a:buClrTx/>
+                        <a:buSzTx/>
+                        <a:buFontTx/>
+                        <a:buNone/>
+                        <a:tabLst/>
+                        <a:defRPr/>
+                      </a:pPr>
+                      <a:r>
+                        <a:rPr lang="en-SG" sz="3200" b="1" i="0" kern="1200" dirty="0" smtClean="0">
+                          <a:solidFill>
+                            <a:schemeClr val="dk1"/>
+                          </a:solidFill>
+                          <a:effectLst/>
+                          <a:latin typeface="+mn-lt"/>
+                          <a:ea typeface="+mn-ea"/>
+                          <a:cs typeface="+mn-cs"/>
+                        </a:rPr>
+                        <a:t>Zhi Hui</a:t>
+                      </a:r>
+                    </a:p>
+                    <a:p>
+                      <a:pPr marL="0" marR="0" indent="0" algn="ctr" defTabSz="457200" rtl="0" eaLnBrk="1" fontAlgn="auto" latinLnBrk="0" hangingPunct="1">
+                        <a:lnSpc>
+                          <a:spcPct val="100000"/>
+                        </a:lnSpc>
+                        <a:spcBef>
+                          <a:spcPts val="0"/>
+                        </a:spcBef>
+                        <a:spcAft>
+                          <a:spcPts val="0"/>
+                        </a:spcAft>
+                        <a:buClrTx/>
+                        <a:buSzTx/>
+                        <a:buFontTx/>
+                        <a:buNone/>
+                        <a:tabLst/>
+                        <a:defRPr/>
+                      </a:pPr>
+                      <a:r>
+                        <a:rPr lang="en-SG" sz="3200" b="1" i="0" kern="1200" dirty="0" smtClean="0">
+                          <a:solidFill>
+                            <a:schemeClr val="dk1"/>
+                          </a:solidFill>
+                          <a:effectLst/>
+                          <a:latin typeface="+mn-lt"/>
+                          <a:ea typeface="+mn-ea"/>
+                          <a:cs typeface="+mn-cs"/>
+                        </a:rPr>
+                        <a:t>Nabilah</a:t>
+                      </a:r>
+                      <a:endParaRPr lang="en-SG" sz="3200" b="1" dirty="0"/>
+                    </a:p>
+                  </a:txBody>
+                  <a:tcPr anchor="ctr">
+                    <a:solidFill>
+                      <a:srgbClr val="00B0F0"/>
+                    </a:solidFill>
+                  </a:tcPr>
+                </a:tc>
+                <a:tc>
+                  <a:txBody>
+                    <a:bodyPr/>
+                    <a:lstStyle/>
+                    <a:p>
+                      <a:pPr marL="0" marR="0" indent="0" algn="ctr" defTabSz="457200" rtl="0" eaLnBrk="1" fontAlgn="auto" latinLnBrk="0" hangingPunct="1">
+                        <a:lnSpc>
+                          <a:spcPct val="100000"/>
+                        </a:lnSpc>
+                        <a:spcBef>
+                          <a:spcPts val="0"/>
+                        </a:spcBef>
+                        <a:spcAft>
+                          <a:spcPts val="0"/>
+                        </a:spcAft>
+                        <a:buClrTx/>
+                        <a:buSzTx/>
+                        <a:buFontTx/>
+                        <a:buNone/>
+                        <a:tabLst/>
+                        <a:defRPr/>
+                      </a:pPr>
+                      <a:r>
+                        <a:rPr lang="en-SG" sz="3200" b="1" i="0" kern="1200" dirty="0" smtClean="0">
+                          <a:solidFill>
+                            <a:schemeClr val="dk1"/>
+                          </a:solidFill>
+                          <a:effectLst/>
+                          <a:latin typeface="+mn-lt"/>
+                          <a:ea typeface="+mn-ea"/>
+                          <a:cs typeface="+mn-cs"/>
+                        </a:rPr>
+                        <a:t>Jeremy Shu wen</a:t>
+                      </a:r>
+                      <a:endParaRPr lang="en-SG" sz="3200" b="1" dirty="0"/>
+                    </a:p>
+                  </a:txBody>
+                  <a:tcPr anchor="ctr"/>
+                </a:tc>
+                <a:tc>
+                  <a:txBody>
+                    <a:bodyPr/>
+                    <a:lstStyle/>
+                    <a:p>
+                      <a:pPr marL="0" marR="0" indent="0" algn="ctr" defTabSz="457200" rtl="0" eaLnBrk="1" fontAlgn="auto" latinLnBrk="0" hangingPunct="1">
+                        <a:lnSpc>
+                          <a:spcPct val="100000"/>
+                        </a:lnSpc>
+                        <a:spcBef>
+                          <a:spcPts val="0"/>
+                        </a:spcBef>
+                        <a:spcAft>
+                          <a:spcPts val="0"/>
+                        </a:spcAft>
+                        <a:buClrTx/>
+                        <a:buSzTx/>
+                        <a:buFontTx/>
+                        <a:buNone/>
+                        <a:tabLst/>
+                        <a:defRPr/>
+                      </a:pPr>
+                      <a:r>
+                        <a:rPr lang="en-SG" sz="3200" b="1" i="0" kern="1200" dirty="0" smtClean="0">
+                          <a:solidFill>
+                            <a:schemeClr val="dk1"/>
+                          </a:solidFill>
+                          <a:effectLst/>
+                          <a:latin typeface="+mn-lt"/>
+                          <a:ea typeface="+mn-ea"/>
+                          <a:cs typeface="+mn-cs"/>
+                        </a:rPr>
+                        <a:t>Jeremy</a:t>
+                      </a:r>
+                    </a:p>
+                    <a:p>
+                      <a:pPr marL="0" marR="0" indent="0" algn="ctr" defTabSz="457200" rtl="0" eaLnBrk="1" fontAlgn="auto" latinLnBrk="0" hangingPunct="1">
+                        <a:lnSpc>
+                          <a:spcPct val="100000"/>
+                        </a:lnSpc>
+                        <a:spcBef>
+                          <a:spcPts val="0"/>
+                        </a:spcBef>
+                        <a:spcAft>
+                          <a:spcPts val="0"/>
+                        </a:spcAft>
+                        <a:buClrTx/>
+                        <a:buSzTx/>
+                        <a:buFontTx/>
+                        <a:buNone/>
+                        <a:tabLst/>
+                        <a:defRPr/>
+                      </a:pPr>
+                      <a:r>
+                        <a:rPr lang="en-SG" sz="3200" b="1" i="0" kern="1200" dirty="0" smtClean="0">
+                          <a:solidFill>
+                            <a:schemeClr val="dk1"/>
+                          </a:solidFill>
+                          <a:effectLst/>
+                          <a:latin typeface="+mn-lt"/>
+                          <a:ea typeface="+mn-ea"/>
+                          <a:cs typeface="+mn-cs"/>
+                        </a:rPr>
+                        <a:t>Zhi Hui</a:t>
+                      </a:r>
+                      <a:endParaRPr lang="en-SG" sz="3200" b="1" dirty="0"/>
+                    </a:p>
+                  </a:txBody>
+                  <a:tcPr anchor="ctr">
+                    <a:solidFill>
+                      <a:srgbClr val="00B0F0"/>
+                    </a:solidFill>
+                  </a:tcPr>
+                </a:tc>
+                <a:tc>
+                  <a:txBody>
+                    <a:bodyPr/>
+                    <a:lstStyle/>
+                    <a:p>
+                      <a:pPr marL="0" marR="0" indent="0" algn="ctr" defTabSz="457200" rtl="0" eaLnBrk="1" fontAlgn="auto" latinLnBrk="0" hangingPunct="1">
+                        <a:lnSpc>
+                          <a:spcPct val="100000"/>
+                        </a:lnSpc>
+                        <a:spcBef>
+                          <a:spcPts val="0"/>
+                        </a:spcBef>
+                        <a:spcAft>
+                          <a:spcPts val="0"/>
+                        </a:spcAft>
+                        <a:buClrTx/>
+                        <a:buSzTx/>
+                        <a:buFontTx/>
+                        <a:buNone/>
+                        <a:tabLst/>
+                        <a:defRPr/>
+                      </a:pPr>
+                      <a:r>
+                        <a:rPr lang="en-SG" sz="3200" b="1" i="0" kern="1200" dirty="0" smtClean="0">
+                          <a:solidFill>
+                            <a:schemeClr val="dk1"/>
+                          </a:solidFill>
+                          <a:effectLst/>
+                          <a:latin typeface="+mn-lt"/>
+                          <a:ea typeface="+mn-ea"/>
+                          <a:cs typeface="+mn-cs"/>
+                        </a:rPr>
+                        <a:t>Shu</a:t>
+                      </a:r>
+                      <a:r>
+                        <a:rPr lang="en-SG" sz="3200" b="1" i="0" kern="1200" baseline="0" dirty="0" smtClean="0">
+                          <a:solidFill>
+                            <a:schemeClr val="dk1"/>
+                          </a:solidFill>
+                          <a:effectLst/>
+                          <a:latin typeface="+mn-lt"/>
+                          <a:ea typeface="+mn-ea"/>
+                          <a:cs typeface="+mn-cs"/>
+                        </a:rPr>
+                        <a:t> Wen</a:t>
+                      </a:r>
+                      <a:endParaRPr lang="en-SG" sz="3200" b="1" i="0" kern="1200" dirty="0" smtClean="0">
+                        <a:solidFill>
+                          <a:schemeClr val="dk1"/>
+                        </a:solidFill>
+                        <a:effectLst/>
+                        <a:latin typeface="+mn-lt"/>
+                        <a:ea typeface="+mn-ea"/>
+                        <a:cs typeface="+mn-cs"/>
+                      </a:endParaRPr>
+                    </a:p>
+                    <a:p>
+                      <a:pPr marL="0" marR="0" indent="0" algn="ctr" defTabSz="457200" rtl="0" eaLnBrk="1" fontAlgn="auto" latinLnBrk="0" hangingPunct="1">
+                        <a:lnSpc>
+                          <a:spcPct val="100000"/>
+                        </a:lnSpc>
+                        <a:spcBef>
+                          <a:spcPts val="0"/>
+                        </a:spcBef>
+                        <a:spcAft>
+                          <a:spcPts val="0"/>
+                        </a:spcAft>
+                        <a:buClrTx/>
+                        <a:buSzTx/>
+                        <a:buFontTx/>
+                        <a:buNone/>
+                        <a:tabLst/>
+                        <a:defRPr/>
+                      </a:pPr>
+                      <a:r>
+                        <a:rPr lang="en-SG" sz="3200" b="1" i="0" kern="1200" dirty="0" smtClean="0">
+                          <a:solidFill>
+                            <a:schemeClr val="dk1"/>
+                          </a:solidFill>
+                          <a:effectLst/>
+                          <a:latin typeface="+mn-lt"/>
+                          <a:ea typeface="+mn-ea"/>
+                          <a:cs typeface="+mn-cs"/>
+                        </a:rPr>
+                        <a:t>Nabilah</a:t>
+                      </a:r>
+                      <a:endParaRPr lang="en-SG" sz="3200" b="1" dirty="0"/>
+                    </a:p>
+                  </a:txBody>
+                  <a:tcPr anchor="ctr"/>
+                </a:tc>
+                <a:tc>
+                  <a:txBody>
+                    <a:bodyPr/>
+                    <a:lstStyle/>
+                    <a:p>
+                      <a:pPr marL="0" marR="0" indent="0" algn="ctr" defTabSz="457200" rtl="0" eaLnBrk="1" fontAlgn="auto" latinLnBrk="0" hangingPunct="1">
+                        <a:lnSpc>
+                          <a:spcPct val="100000"/>
+                        </a:lnSpc>
+                        <a:spcBef>
+                          <a:spcPts val="0"/>
+                        </a:spcBef>
+                        <a:spcAft>
+                          <a:spcPts val="0"/>
+                        </a:spcAft>
+                        <a:buClrTx/>
+                        <a:buSzTx/>
+                        <a:buFontTx/>
+                        <a:buNone/>
+                        <a:tabLst/>
+                        <a:defRPr/>
+                      </a:pPr>
+                      <a:r>
+                        <a:rPr lang="en-SG" sz="3200" b="1" i="0" kern="1200" dirty="0" smtClean="0">
+                          <a:solidFill>
+                            <a:schemeClr val="dk1"/>
+                          </a:solidFill>
+                          <a:effectLst/>
+                          <a:latin typeface="+mn-lt"/>
+                          <a:ea typeface="+mn-ea"/>
+                          <a:cs typeface="+mn-cs"/>
+                        </a:rPr>
+                        <a:t>Darren</a:t>
+                      </a:r>
+                      <a:endParaRPr lang="en-SG" sz="3200" b="1" dirty="0" smtClean="0"/>
+                    </a:p>
+                    <a:p>
+                      <a:pPr marL="0" marR="0" indent="0" algn="ctr" defTabSz="457200" rtl="0" eaLnBrk="1" fontAlgn="auto" latinLnBrk="0" hangingPunct="1">
+                        <a:lnSpc>
+                          <a:spcPct val="100000"/>
+                        </a:lnSpc>
+                        <a:spcBef>
+                          <a:spcPts val="0"/>
+                        </a:spcBef>
+                        <a:spcAft>
+                          <a:spcPts val="0"/>
+                        </a:spcAft>
+                        <a:buClrTx/>
+                        <a:buSzTx/>
+                        <a:buFontTx/>
+                        <a:buNone/>
+                        <a:tabLst/>
+                        <a:defRPr/>
+                      </a:pPr>
+                      <a:r>
+                        <a:rPr lang="en-SG" sz="3200" b="1" i="0" kern="1200" dirty="0" smtClean="0">
+                          <a:solidFill>
+                            <a:schemeClr val="dk1"/>
+                          </a:solidFill>
+                          <a:effectLst/>
+                          <a:latin typeface="+mn-lt"/>
+                          <a:ea typeface="+mn-ea"/>
+                          <a:cs typeface="+mn-cs"/>
+                        </a:rPr>
+                        <a:t>Zhi</a:t>
+                      </a:r>
+                      <a:r>
+                        <a:rPr lang="en-SG" sz="3200" b="1" i="0" kern="1200" baseline="0" dirty="0" smtClean="0">
+                          <a:solidFill>
+                            <a:schemeClr val="dk1"/>
+                          </a:solidFill>
+                          <a:effectLst/>
+                          <a:latin typeface="+mn-lt"/>
+                          <a:ea typeface="+mn-ea"/>
+                          <a:cs typeface="+mn-cs"/>
+                        </a:rPr>
+                        <a:t> </a:t>
+                      </a:r>
+                      <a:r>
+                        <a:rPr lang="en-SG" sz="3200" b="1" i="0" kern="1200" dirty="0" smtClean="0">
+                          <a:solidFill>
+                            <a:schemeClr val="dk1"/>
+                          </a:solidFill>
+                          <a:effectLst/>
+                          <a:latin typeface="+mn-lt"/>
+                          <a:ea typeface="+mn-ea"/>
+                          <a:cs typeface="+mn-cs"/>
+                        </a:rPr>
+                        <a:t>Hui </a:t>
+                      </a:r>
+                    </a:p>
+                  </a:txBody>
+                  <a:tcPr anchor="ctr">
+                    <a:solidFill>
+                      <a:srgbClr val="00B0F0"/>
+                    </a:solidFill>
+                  </a:tcPr>
+                </a:tc>
+                <a:tc>
+                  <a:txBody>
+                    <a:bodyPr/>
+                    <a:lstStyle/>
+                    <a:p>
+                      <a:pPr marL="0" marR="0" indent="0" algn="ctr" defTabSz="457200" rtl="0" eaLnBrk="1" fontAlgn="auto" latinLnBrk="0" hangingPunct="1">
+                        <a:lnSpc>
+                          <a:spcPct val="100000"/>
+                        </a:lnSpc>
+                        <a:spcBef>
+                          <a:spcPts val="0"/>
+                        </a:spcBef>
+                        <a:spcAft>
+                          <a:spcPts val="0"/>
+                        </a:spcAft>
+                        <a:buClrTx/>
+                        <a:buSzTx/>
+                        <a:buFontTx/>
+                        <a:buNone/>
+                        <a:tabLst/>
+                        <a:defRPr/>
+                      </a:pPr>
+                      <a:endParaRPr lang="en-SG" sz="3200" b="1" i="0" kern="1200" dirty="0" smtClean="0">
+                        <a:solidFill>
+                          <a:schemeClr val="dk1"/>
+                        </a:solidFill>
+                        <a:effectLst/>
+                        <a:latin typeface="+mn-lt"/>
+                        <a:ea typeface="+mn-ea"/>
+                        <a:cs typeface="+mn-cs"/>
+                      </a:endParaRPr>
+                    </a:p>
+                    <a:p>
+                      <a:pPr marL="0" marR="0" indent="0" algn="ctr" defTabSz="457200" rtl="0" eaLnBrk="1" fontAlgn="auto" latinLnBrk="0" hangingPunct="1">
+                        <a:lnSpc>
+                          <a:spcPct val="100000"/>
+                        </a:lnSpc>
+                        <a:spcBef>
+                          <a:spcPts val="0"/>
+                        </a:spcBef>
+                        <a:spcAft>
+                          <a:spcPts val="0"/>
+                        </a:spcAft>
+                        <a:buClrTx/>
+                        <a:buSzTx/>
+                        <a:buFontTx/>
+                        <a:buNone/>
+                        <a:tabLst/>
+                        <a:defRPr/>
+                      </a:pPr>
+                      <a:r>
+                        <a:rPr lang="en-SG" sz="3200" b="1" i="0" kern="1200" dirty="0" smtClean="0">
+                          <a:solidFill>
+                            <a:schemeClr val="dk1"/>
+                          </a:solidFill>
+                          <a:effectLst/>
+                          <a:latin typeface="+mn-lt"/>
+                          <a:ea typeface="+mn-ea"/>
+                          <a:cs typeface="+mn-cs"/>
+                        </a:rPr>
+                        <a:t>Shu Wen</a:t>
+                      </a:r>
+                    </a:p>
+                    <a:p>
+                      <a:pPr marL="0" marR="0" indent="0" algn="ctr" defTabSz="457200" rtl="0" eaLnBrk="1" fontAlgn="auto" latinLnBrk="0" hangingPunct="1">
+                        <a:lnSpc>
+                          <a:spcPct val="100000"/>
+                        </a:lnSpc>
+                        <a:spcBef>
+                          <a:spcPts val="0"/>
+                        </a:spcBef>
+                        <a:spcAft>
+                          <a:spcPts val="0"/>
+                        </a:spcAft>
+                        <a:buClrTx/>
+                        <a:buSzTx/>
+                        <a:buFontTx/>
+                        <a:buNone/>
+                        <a:tabLst/>
+                        <a:defRPr/>
+                      </a:pPr>
+                      <a:r>
+                        <a:rPr lang="en-SG" sz="3200" b="1" i="0" kern="1200" dirty="0" smtClean="0">
+                          <a:solidFill>
+                            <a:schemeClr val="dk1"/>
+                          </a:solidFill>
+                          <a:effectLst/>
+                          <a:latin typeface="+mn-lt"/>
+                          <a:ea typeface="+mn-ea"/>
+                          <a:cs typeface="+mn-cs"/>
+                        </a:rPr>
+                        <a:t>Nabilah</a:t>
+                      </a:r>
+                      <a:endParaRPr lang="en-SG" sz="3200" b="1" dirty="0" smtClean="0"/>
+                    </a:p>
+                    <a:p>
+                      <a:pPr algn="ctr"/>
+                      <a:endParaRPr lang="en-SG" sz="3200" b="1" dirty="0"/>
+                    </a:p>
+                  </a:txBody>
+                  <a:tcPr anchor="ctr"/>
+                </a:tc>
+              </a:tr>
+            </a:tbl>
+          </a:graphicData>
+        </a:graphic>
+      </p:graphicFrame>
     </p:spTree>
     <p:extLst>
       <p:ext uri="{BB962C8B-B14F-4D97-AF65-F5344CB8AC3E}">
-        <p14:creationId xmlns:p14="http://schemas.microsoft.com/office/powerpoint/2010/main" val="4098362748"/>
+        <p14:creationId xmlns:p14="http://schemas.microsoft.com/office/powerpoint/2010/main" val="1304075444"/>
       </p:ext>
     </p:extLst>
   </p:cSld>
@@ -10680,12 +12684,7 @@
             <p:ph type="title"/>
           </p:nvPr>
         </p:nvSpPr>
-        <p:spPr>
-          <a:xfrm>
-            <a:off x="956051" y="15394"/>
-            <a:ext cx="10571998" cy="970450"/>
-          </a:xfrm>
-        </p:spPr>
+        <p:spPr/>
         <p:txBody>
           <a:bodyPr/>
           <a:lstStyle/>
@@ -10698,1932 +12697,34 @@
           </a:p>
         </p:txBody>
       </p:sp>
-      <p:sp>
-        <p:nvSpPr>
-          <p:cNvPr id="3" name="Content Placeholder 2"/>
-          <p:cNvSpPr>
-            <a:spLocks noGrp="1"/>
-          </p:cNvSpPr>
-          <p:nvPr>
-            <p:ph idx="1"/>
-          </p:nvPr>
-        </p:nvSpPr>
-        <p:spPr/>
-        <p:txBody>
-          <a:bodyPr/>
-          <a:lstStyle/>
-          <a:p>
-            <a:endParaRPr lang="en-SG" dirty="0"/>
-          </a:p>
-        </p:txBody>
-      </p:sp>
-      <p:graphicFrame>
-        <p:nvGraphicFramePr>
-          <p:cNvPr id="4" name="Table 3"/>
-          <p:cNvGraphicFramePr>
-            <a:graphicFrameLocks noGrp="1"/>
-          </p:cNvGraphicFramePr>
-          <p:nvPr>
-            <p:extLst>
-              <p:ext uri="{D42A27DB-BD31-4B8C-83A1-F6EECF244321}">
-                <p14:modId xmlns:p14="http://schemas.microsoft.com/office/powerpoint/2010/main" val="3772947522"/>
-              </p:ext>
-            </p:extLst>
-          </p:nvPr>
-        </p:nvGraphicFramePr>
-        <p:xfrm>
-          <a:off x="2246528" y="0"/>
-          <a:ext cx="9945472" cy="7223760"/>
-        </p:xfrm>
-        <a:graphic>
-          <a:graphicData uri="http://schemas.openxmlformats.org/drawingml/2006/table">
-            <a:tbl>
-              <a:tblPr firstRow="1" bandRow="1">
-                <a:tableStyleId>{5C22544A-7EE6-4342-B048-85BDC9FD1C3A}</a:tableStyleId>
-              </a:tblPr>
-              <a:tblGrid>
-                <a:gridCol w="961708"/>
-                <a:gridCol w="1497294"/>
-                <a:gridCol w="1497294"/>
-                <a:gridCol w="1497294"/>
-                <a:gridCol w="1497294"/>
-                <a:gridCol w="1497294"/>
-                <a:gridCol w="1497294"/>
-              </a:tblGrid>
-              <a:tr h="1366735">
-                <a:tc>
-                  <a:txBody>
-                    <a:bodyPr/>
-                    <a:lstStyle/>
-                    <a:p>
-                      <a:endParaRPr lang="en-SG" dirty="0"/>
-                    </a:p>
-                  </a:txBody>
-                  <a:tcPr/>
-                </a:tc>
-                <a:tc>
-                  <a:txBody>
-                    <a:bodyPr/>
-                    <a:lstStyle/>
-                    <a:p>
-                      <a:r>
-                        <a:rPr lang="en-SG" dirty="0" smtClean="0"/>
-                        <a:t>Iteration 1:</a:t>
-                      </a:r>
-                    </a:p>
-                    <a:p>
-                      <a:pPr marL="0" marR="0" indent="0" algn="l" defTabSz="457200" rtl="0" eaLnBrk="1" fontAlgn="auto" latinLnBrk="0" hangingPunct="1">
-                        <a:lnSpc>
-                          <a:spcPct val="100000"/>
-                        </a:lnSpc>
-                        <a:spcBef>
-                          <a:spcPts val="0"/>
-                        </a:spcBef>
-                        <a:spcAft>
-                          <a:spcPts val="0"/>
-                        </a:spcAft>
-                        <a:buClrTx/>
-                        <a:buSzTx/>
-                        <a:buFontTx/>
-                        <a:buNone/>
-                        <a:tabLst/>
-                        <a:defRPr/>
-                      </a:pPr>
-                      <a:r>
-                        <a:rPr lang="en-SG" sz="1800" b="0" i="0" kern="1200" dirty="0" smtClean="0">
-                          <a:solidFill>
-                            <a:schemeClr val="dk1"/>
-                          </a:solidFill>
-                          <a:effectLst/>
-                          <a:latin typeface="+mn-lt"/>
-                          <a:ea typeface="+mn-ea"/>
-                          <a:cs typeface="+mn-cs"/>
-                        </a:rPr>
-                        <a:t>28/8/2015 - 12/9/2015 (Weeks 2 + 3)</a:t>
-                      </a:r>
-                      <a:endParaRPr lang="en-SG" dirty="0" smtClean="0"/>
-                    </a:p>
-                    <a:p>
-                      <a:endParaRPr lang="en-SG" dirty="0"/>
-                    </a:p>
-                  </a:txBody>
-                  <a:tcPr/>
-                </a:tc>
-                <a:tc>
-                  <a:txBody>
-                    <a:bodyPr/>
-                    <a:lstStyle/>
-                    <a:p>
-                      <a:pPr marL="0" marR="0" indent="0" algn="l" defTabSz="457200" rtl="0" eaLnBrk="1" fontAlgn="auto" latinLnBrk="0" hangingPunct="1">
-                        <a:lnSpc>
-                          <a:spcPct val="100000"/>
-                        </a:lnSpc>
-                        <a:spcBef>
-                          <a:spcPts val="0"/>
-                        </a:spcBef>
-                        <a:spcAft>
-                          <a:spcPts val="0"/>
-                        </a:spcAft>
-                        <a:buClrTx/>
-                        <a:buSzTx/>
-                        <a:buFontTx/>
-                        <a:buNone/>
-                        <a:tabLst/>
-                        <a:defRPr/>
-                      </a:pPr>
-                      <a:r>
-                        <a:rPr lang="en-SG" dirty="0" smtClean="0"/>
-                        <a:t>Iteration 2:</a:t>
-                      </a:r>
-                    </a:p>
-                    <a:p>
-                      <a:pPr marL="0" marR="0" indent="0" algn="l" defTabSz="457200" rtl="0" eaLnBrk="1" fontAlgn="auto" latinLnBrk="0" hangingPunct="1">
-                        <a:lnSpc>
-                          <a:spcPct val="100000"/>
-                        </a:lnSpc>
-                        <a:spcBef>
-                          <a:spcPts val="0"/>
-                        </a:spcBef>
-                        <a:spcAft>
-                          <a:spcPts val="0"/>
-                        </a:spcAft>
-                        <a:buClrTx/>
-                        <a:buSzTx/>
-                        <a:buFontTx/>
-                        <a:buNone/>
-                        <a:tabLst/>
-                        <a:defRPr/>
-                      </a:pPr>
-                      <a:r>
-                        <a:rPr lang="en-SG" sz="1800" b="0" i="0" kern="1200" dirty="0" smtClean="0">
-                          <a:solidFill>
-                            <a:schemeClr val="dk1"/>
-                          </a:solidFill>
-                          <a:effectLst/>
-                          <a:latin typeface="+mn-lt"/>
-                          <a:ea typeface="+mn-ea"/>
-                          <a:cs typeface="+mn-cs"/>
-                        </a:rPr>
-                        <a:t>12/09/2015 - 25/09/2015 (Weeks 4 &amp; 5)</a:t>
-                      </a:r>
-                      <a:r>
-                        <a:rPr lang="en-SG" dirty="0" smtClean="0"/>
-                        <a:t/>
-                      </a:r>
-                      <a:br>
-                        <a:rPr lang="en-SG" dirty="0" smtClean="0"/>
-                      </a:br>
-                      <a:endParaRPr lang="en-SG" dirty="0" smtClean="0"/>
-                    </a:p>
-                    <a:p>
-                      <a:endParaRPr lang="en-SG" dirty="0"/>
-                    </a:p>
-                  </a:txBody>
-                  <a:tcPr/>
-                </a:tc>
-                <a:tc>
-                  <a:txBody>
-                    <a:bodyPr/>
-                    <a:lstStyle/>
-                    <a:p>
-                      <a:pPr marL="0" marR="0" indent="0" algn="l" defTabSz="457200" rtl="0" eaLnBrk="1" fontAlgn="auto" latinLnBrk="0" hangingPunct="1">
-                        <a:lnSpc>
-                          <a:spcPct val="100000"/>
-                        </a:lnSpc>
-                        <a:spcBef>
-                          <a:spcPts val="0"/>
-                        </a:spcBef>
-                        <a:spcAft>
-                          <a:spcPts val="0"/>
-                        </a:spcAft>
-                        <a:buClrTx/>
-                        <a:buSzTx/>
-                        <a:buFontTx/>
-                        <a:buNone/>
-                        <a:tabLst/>
-                        <a:defRPr/>
-                      </a:pPr>
-                      <a:r>
-                        <a:rPr lang="en-SG" dirty="0" smtClean="0"/>
-                        <a:t>Iteration 3:</a:t>
-                      </a:r>
-                    </a:p>
-                    <a:p>
-                      <a:pPr marL="0" marR="0" indent="0" algn="l" defTabSz="457200" rtl="0" eaLnBrk="1" fontAlgn="auto" latinLnBrk="0" hangingPunct="1">
-                        <a:lnSpc>
-                          <a:spcPct val="100000"/>
-                        </a:lnSpc>
-                        <a:spcBef>
-                          <a:spcPts val="0"/>
-                        </a:spcBef>
-                        <a:spcAft>
-                          <a:spcPts val="0"/>
-                        </a:spcAft>
-                        <a:buClrTx/>
-                        <a:buSzTx/>
-                        <a:buFontTx/>
-                        <a:buNone/>
-                        <a:tabLst/>
-                        <a:defRPr/>
-                      </a:pPr>
-                      <a:r>
-                        <a:rPr lang="en-SG" sz="1800" b="0" i="0" kern="1200" dirty="0" smtClean="0">
-                          <a:solidFill>
-                            <a:schemeClr val="dk1"/>
-                          </a:solidFill>
-                          <a:effectLst/>
-                          <a:latin typeface="+mn-lt"/>
-                          <a:ea typeface="+mn-ea"/>
-                          <a:cs typeface="+mn-cs"/>
-                        </a:rPr>
-                        <a:t>25/09/2015 - 09/10/2015 (Weeks 6 + 7)</a:t>
-                      </a:r>
-                      <a:r>
-                        <a:rPr lang="en-SG" dirty="0" smtClean="0"/>
-                        <a:t/>
-                      </a:r>
-                      <a:br>
-                        <a:rPr lang="en-SG" dirty="0" smtClean="0"/>
-                      </a:br>
-                      <a:endParaRPr lang="en-SG" dirty="0" smtClean="0"/>
-                    </a:p>
-                    <a:p>
-                      <a:endParaRPr lang="en-SG" dirty="0"/>
-                    </a:p>
-                  </a:txBody>
-                  <a:tcPr/>
-                </a:tc>
-                <a:tc>
-                  <a:txBody>
-                    <a:bodyPr/>
-                    <a:lstStyle/>
-                    <a:p>
-                      <a:pPr marL="0" marR="0" indent="0" algn="l" defTabSz="457200" rtl="0" eaLnBrk="1" fontAlgn="auto" latinLnBrk="0" hangingPunct="1">
-                        <a:lnSpc>
-                          <a:spcPct val="100000"/>
-                        </a:lnSpc>
-                        <a:spcBef>
-                          <a:spcPts val="0"/>
-                        </a:spcBef>
-                        <a:spcAft>
-                          <a:spcPts val="0"/>
-                        </a:spcAft>
-                        <a:buClrTx/>
-                        <a:buSzTx/>
-                        <a:buFontTx/>
-                        <a:buNone/>
-                        <a:tabLst/>
-                        <a:defRPr/>
-                      </a:pPr>
-                      <a:r>
-                        <a:rPr lang="en-SG" dirty="0" smtClean="0"/>
-                        <a:t>Iteration 4:</a:t>
-                      </a:r>
-                    </a:p>
-                    <a:p>
-                      <a:pPr marL="0" marR="0" indent="0" algn="l" defTabSz="457200" rtl="0" eaLnBrk="1" fontAlgn="auto" latinLnBrk="0" hangingPunct="1">
-                        <a:lnSpc>
-                          <a:spcPct val="100000"/>
-                        </a:lnSpc>
-                        <a:spcBef>
-                          <a:spcPts val="0"/>
-                        </a:spcBef>
-                        <a:spcAft>
-                          <a:spcPts val="0"/>
-                        </a:spcAft>
-                        <a:buClrTx/>
-                        <a:buSzTx/>
-                        <a:buFontTx/>
-                        <a:buNone/>
-                        <a:tabLst/>
-                        <a:defRPr/>
-                      </a:pPr>
-                      <a:r>
-                        <a:rPr lang="en-SG" sz="1800" b="0" i="0" kern="1200" dirty="0" smtClean="0">
-                          <a:solidFill>
-                            <a:schemeClr val="dk1"/>
-                          </a:solidFill>
-                          <a:effectLst/>
-                          <a:latin typeface="+mn-lt"/>
-                          <a:ea typeface="+mn-ea"/>
-                          <a:cs typeface="+mn-cs"/>
-                        </a:rPr>
-                        <a:t>09/10/2015 - 23/10/2015 (Weeks 8 + 9)</a:t>
-                      </a:r>
-                      <a:r>
-                        <a:rPr lang="en-SG" dirty="0" smtClean="0"/>
-                        <a:t/>
-                      </a:r>
-                      <a:br>
-                        <a:rPr lang="en-SG" dirty="0" smtClean="0"/>
-                      </a:br>
-                      <a:endParaRPr lang="en-SG" dirty="0"/>
-                    </a:p>
-                  </a:txBody>
-                  <a:tcPr/>
-                </a:tc>
-                <a:tc>
-                  <a:txBody>
-                    <a:bodyPr/>
-                    <a:lstStyle/>
-                    <a:p>
-                      <a:pPr marL="0" marR="0" indent="0" algn="l" defTabSz="457200" rtl="0" eaLnBrk="1" fontAlgn="auto" latinLnBrk="0" hangingPunct="1">
-                        <a:lnSpc>
-                          <a:spcPct val="100000"/>
-                        </a:lnSpc>
-                        <a:spcBef>
-                          <a:spcPts val="0"/>
-                        </a:spcBef>
-                        <a:spcAft>
-                          <a:spcPts val="0"/>
-                        </a:spcAft>
-                        <a:buClrTx/>
-                        <a:buSzTx/>
-                        <a:buFontTx/>
-                        <a:buNone/>
-                        <a:tabLst/>
-                        <a:defRPr/>
-                      </a:pPr>
-                      <a:r>
-                        <a:rPr lang="en-SG" dirty="0" smtClean="0"/>
-                        <a:t>Iteration 5:</a:t>
-                      </a:r>
-                    </a:p>
-                    <a:p>
-                      <a:pPr marL="0" marR="0" indent="0" algn="l" defTabSz="457200" rtl="0" eaLnBrk="1" fontAlgn="auto" latinLnBrk="0" hangingPunct="1">
-                        <a:lnSpc>
-                          <a:spcPct val="100000"/>
-                        </a:lnSpc>
-                        <a:spcBef>
-                          <a:spcPts val="0"/>
-                        </a:spcBef>
-                        <a:spcAft>
-                          <a:spcPts val="0"/>
-                        </a:spcAft>
-                        <a:buClrTx/>
-                        <a:buSzTx/>
-                        <a:buFontTx/>
-                        <a:buNone/>
-                        <a:tabLst/>
-                        <a:defRPr/>
-                      </a:pPr>
-                      <a:r>
-                        <a:rPr lang="en-SG" sz="1800" b="0" i="0" kern="1200" dirty="0" smtClean="0">
-                          <a:solidFill>
-                            <a:schemeClr val="dk1"/>
-                          </a:solidFill>
-                          <a:effectLst/>
-                          <a:latin typeface="+mn-lt"/>
-                          <a:ea typeface="+mn-ea"/>
-                          <a:cs typeface="+mn-cs"/>
-                        </a:rPr>
-                        <a:t>28/10/2015 - 05/11/2015 </a:t>
-                      </a:r>
-                      <a:r>
-                        <a:rPr lang="en-SG" sz="1600" b="0" i="0" kern="1200" dirty="0" smtClean="0">
-                          <a:solidFill>
-                            <a:schemeClr val="dk1"/>
-                          </a:solidFill>
-                          <a:effectLst/>
-                          <a:latin typeface="+mn-lt"/>
-                          <a:ea typeface="+mn-ea"/>
-                          <a:cs typeface="+mn-cs"/>
-                        </a:rPr>
-                        <a:t>(</a:t>
-                      </a:r>
-                      <a:r>
-                        <a:rPr lang="en-SG" sz="1400" b="0" i="0" kern="1200" dirty="0" smtClean="0">
-                          <a:solidFill>
-                            <a:schemeClr val="dk1"/>
-                          </a:solidFill>
-                          <a:effectLst/>
-                          <a:latin typeface="+mn-lt"/>
-                          <a:ea typeface="+mn-ea"/>
-                          <a:cs typeface="+mn-cs"/>
-                        </a:rPr>
-                        <a:t>Weeks</a:t>
-                      </a:r>
-                      <a:r>
-                        <a:rPr lang="en-SG" sz="1600" b="0" i="0" kern="1200" dirty="0" smtClean="0">
-                          <a:solidFill>
-                            <a:schemeClr val="dk1"/>
-                          </a:solidFill>
-                          <a:effectLst/>
-                          <a:latin typeface="+mn-lt"/>
-                          <a:ea typeface="+mn-ea"/>
-                          <a:cs typeface="+mn-cs"/>
-                        </a:rPr>
-                        <a:t> 10 + 11)</a:t>
-                      </a:r>
-                      <a:endParaRPr lang="en-SG" sz="1600" dirty="0"/>
-                    </a:p>
-                  </a:txBody>
-                  <a:tcPr/>
-                </a:tc>
-                <a:tc>
-                  <a:txBody>
-                    <a:bodyPr/>
-                    <a:lstStyle/>
-                    <a:p>
-                      <a:pPr marL="0" marR="0" indent="0" algn="l" defTabSz="457200" rtl="0" eaLnBrk="1" fontAlgn="auto" latinLnBrk="0" hangingPunct="1">
-                        <a:lnSpc>
-                          <a:spcPct val="100000"/>
-                        </a:lnSpc>
-                        <a:spcBef>
-                          <a:spcPts val="0"/>
-                        </a:spcBef>
-                        <a:spcAft>
-                          <a:spcPts val="0"/>
-                        </a:spcAft>
-                        <a:buClrTx/>
-                        <a:buSzTx/>
-                        <a:buFontTx/>
-                        <a:buNone/>
-                        <a:tabLst/>
-                        <a:defRPr/>
-                      </a:pPr>
-                      <a:r>
-                        <a:rPr lang="en-SG" dirty="0" smtClean="0"/>
-                        <a:t>Iteration 6:</a:t>
-                      </a:r>
-                    </a:p>
-                    <a:p>
-                      <a:pPr marL="0" marR="0" indent="0" algn="l" defTabSz="457200" rtl="0" eaLnBrk="1" fontAlgn="auto" latinLnBrk="0" hangingPunct="1">
-                        <a:lnSpc>
-                          <a:spcPct val="100000"/>
-                        </a:lnSpc>
-                        <a:spcBef>
-                          <a:spcPts val="0"/>
-                        </a:spcBef>
-                        <a:spcAft>
-                          <a:spcPts val="0"/>
-                        </a:spcAft>
-                        <a:buClrTx/>
-                        <a:buSzTx/>
-                        <a:buFontTx/>
-                        <a:buNone/>
-                        <a:tabLst/>
-                        <a:defRPr/>
-                      </a:pPr>
-                      <a:r>
-                        <a:rPr lang="en-SG" sz="1800" b="0" i="0" kern="1200" dirty="0" smtClean="0">
-                          <a:solidFill>
-                            <a:schemeClr val="dk1"/>
-                          </a:solidFill>
-                          <a:effectLst/>
-                          <a:latin typeface="+mn-lt"/>
-                          <a:ea typeface="+mn-ea"/>
-                          <a:cs typeface="+mn-cs"/>
-                        </a:rPr>
-                        <a:t>06/11/2015 - 20/11/2015 </a:t>
-                      </a:r>
-                      <a:r>
-                        <a:rPr lang="en-SG" sz="1600" b="0" i="0" kern="1200" dirty="0" smtClean="0">
-                          <a:solidFill>
-                            <a:schemeClr val="dk1"/>
-                          </a:solidFill>
-                          <a:effectLst/>
-                          <a:latin typeface="+mn-lt"/>
-                          <a:ea typeface="+mn-ea"/>
-                          <a:cs typeface="+mn-cs"/>
-                        </a:rPr>
-                        <a:t>(</a:t>
-                      </a:r>
-                      <a:r>
-                        <a:rPr lang="en-SG" sz="1400" b="0" i="0" kern="1200" dirty="0" smtClean="0">
-                          <a:solidFill>
-                            <a:schemeClr val="dk1"/>
-                          </a:solidFill>
-                          <a:effectLst/>
-                          <a:latin typeface="+mn-lt"/>
-                          <a:ea typeface="+mn-ea"/>
-                          <a:cs typeface="+mn-cs"/>
-                        </a:rPr>
-                        <a:t>Weeks</a:t>
-                      </a:r>
-                      <a:r>
-                        <a:rPr lang="en-SG" sz="1600" b="0" i="0" kern="1200" dirty="0" smtClean="0">
-                          <a:solidFill>
-                            <a:schemeClr val="dk1"/>
-                          </a:solidFill>
-                          <a:effectLst/>
-                          <a:latin typeface="+mn-lt"/>
-                          <a:ea typeface="+mn-ea"/>
-                          <a:cs typeface="+mn-cs"/>
-                        </a:rPr>
-                        <a:t> 12 + 13)</a:t>
-                      </a:r>
-                      <a:r>
-                        <a:rPr lang="en-SG" sz="1600" dirty="0" smtClean="0"/>
-                        <a:t/>
-                      </a:r>
-                      <a:br>
-                        <a:rPr lang="en-SG" sz="1600" dirty="0" smtClean="0"/>
-                      </a:br>
-                      <a:endParaRPr lang="en-SG" dirty="0" smtClean="0"/>
-                    </a:p>
-                  </a:txBody>
-                  <a:tcPr/>
-                </a:tc>
-              </a:tr>
-              <a:tr h="1150935">
-                <a:tc>
-                  <a:txBody>
-                    <a:bodyPr/>
-                    <a:lstStyle/>
-                    <a:p>
-                      <a:r>
-                        <a:rPr lang="en-SG" dirty="0" smtClean="0"/>
-                        <a:t>PM</a:t>
-                      </a:r>
-                      <a:endParaRPr lang="en-SG" dirty="0"/>
-                    </a:p>
-                  </a:txBody>
-                  <a:tcPr anchor="ctr"/>
-                </a:tc>
-                <a:tc>
-                  <a:txBody>
-                    <a:bodyPr/>
-                    <a:lstStyle/>
-                    <a:p>
-                      <a:endParaRPr lang="en-SG" sz="1800" b="0" i="0" kern="1200" dirty="0" smtClean="0">
-                        <a:solidFill>
-                          <a:schemeClr val="dk1"/>
-                        </a:solidFill>
-                        <a:effectLst/>
-                        <a:latin typeface="+mn-lt"/>
-                        <a:ea typeface="+mn-ea"/>
-                        <a:cs typeface="+mn-cs"/>
-                      </a:endParaRPr>
-                    </a:p>
-                    <a:p>
-                      <a:r>
-                        <a:rPr lang="en-SG" sz="1800" b="0" i="0" kern="1200" dirty="0" smtClean="0">
-                          <a:solidFill>
-                            <a:schemeClr val="dk1"/>
-                          </a:solidFill>
-                          <a:effectLst/>
-                          <a:latin typeface="+mn-lt"/>
-                          <a:ea typeface="+mn-ea"/>
-                          <a:cs typeface="+mn-cs"/>
-                        </a:rPr>
-                        <a:t>Jeremy</a:t>
-                      </a:r>
-                      <a:r>
-                        <a:rPr lang="en-SG" dirty="0" smtClean="0"/>
-                        <a:t/>
-                      </a:r>
-                      <a:br>
-                        <a:rPr lang="en-SG" dirty="0" smtClean="0"/>
-                      </a:br>
-                      <a:endParaRPr lang="en-SG" dirty="0"/>
-                    </a:p>
-                  </a:txBody>
-                  <a:tcPr anchor="ctr"/>
-                </a:tc>
-                <a:tc>
-                  <a:txBody>
-                    <a:bodyPr/>
-                    <a:lstStyle/>
-                    <a:p>
-                      <a:endParaRPr lang="en-SG" sz="1800" b="0" i="0" kern="1200" dirty="0" smtClean="0">
-                        <a:solidFill>
-                          <a:schemeClr val="dk1"/>
-                        </a:solidFill>
-                        <a:effectLst/>
-                        <a:latin typeface="+mn-lt"/>
-                        <a:ea typeface="+mn-ea"/>
-                        <a:cs typeface="+mn-cs"/>
-                      </a:endParaRPr>
-                    </a:p>
-                    <a:p>
-                      <a:r>
-                        <a:rPr lang="en-SG" sz="1800" b="0" i="0" kern="1200" dirty="0" smtClean="0">
-                          <a:solidFill>
-                            <a:schemeClr val="dk1"/>
-                          </a:solidFill>
-                          <a:effectLst/>
-                          <a:latin typeface="+mn-lt"/>
-                          <a:ea typeface="+mn-ea"/>
-                          <a:cs typeface="+mn-cs"/>
-                        </a:rPr>
-                        <a:t>Zhi Hui</a:t>
-                      </a:r>
-                      <a:r>
-                        <a:rPr lang="en-SG" dirty="0" smtClean="0"/>
-                        <a:t/>
-                      </a:r>
-                      <a:br>
-                        <a:rPr lang="en-SG" dirty="0" smtClean="0"/>
-                      </a:br>
-                      <a:endParaRPr lang="en-SG" dirty="0"/>
-                    </a:p>
-                  </a:txBody>
-                  <a:tcPr anchor="ctr"/>
-                </a:tc>
-                <a:tc>
-                  <a:txBody>
-                    <a:bodyPr/>
-                    <a:lstStyle/>
-                    <a:p>
-                      <a:endParaRPr lang="en-SG" sz="1800" b="0" i="0" kern="1200" dirty="0" smtClean="0">
-                        <a:solidFill>
-                          <a:schemeClr val="dk1"/>
-                        </a:solidFill>
-                        <a:effectLst/>
-                        <a:latin typeface="+mn-lt"/>
-                        <a:ea typeface="+mn-ea"/>
-                        <a:cs typeface="+mn-cs"/>
-                      </a:endParaRPr>
-                    </a:p>
-                    <a:p>
-                      <a:r>
-                        <a:rPr lang="en-SG" sz="1800" b="0" i="0" kern="1200" dirty="0" smtClean="0">
-                          <a:solidFill>
-                            <a:schemeClr val="dk1"/>
-                          </a:solidFill>
-                          <a:effectLst/>
-                          <a:latin typeface="+mn-lt"/>
-                          <a:ea typeface="+mn-ea"/>
-                          <a:cs typeface="+mn-cs"/>
-                        </a:rPr>
-                        <a:t>Nabilah</a:t>
-                      </a:r>
-                      <a:r>
-                        <a:rPr lang="en-SG" dirty="0" smtClean="0"/>
-                        <a:t/>
-                      </a:r>
-                      <a:br>
-                        <a:rPr lang="en-SG" dirty="0" smtClean="0"/>
-                      </a:br>
-                      <a:endParaRPr lang="en-SG" dirty="0"/>
-                    </a:p>
-                  </a:txBody>
-                  <a:tcPr anchor="ctr"/>
-                </a:tc>
-                <a:tc>
-                  <a:txBody>
-                    <a:bodyPr/>
-                    <a:lstStyle/>
-                    <a:p>
-                      <a:endParaRPr lang="en-SG" sz="1800" b="0" i="0" kern="1200" dirty="0" smtClean="0">
-                        <a:solidFill>
-                          <a:schemeClr val="dk1"/>
-                        </a:solidFill>
-                        <a:effectLst/>
-                        <a:latin typeface="+mn-lt"/>
-                        <a:ea typeface="+mn-ea"/>
-                        <a:cs typeface="+mn-cs"/>
-                      </a:endParaRPr>
-                    </a:p>
-                    <a:p>
-                      <a:endParaRPr lang="en-SG" sz="1800" b="0" i="0" kern="1200" dirty="0" smtClean="0">
-                        <a:solidFill>
-                          <a:schemeClr val="dk1"/>
-                        </a:solidFill>
-                        <a:effectLst/>
-                        <a:latin typeface="+mn-lt"/>
-                        <a:ea typeface="+mn-ea"/>
-                        <a:cs typeface="+mn-cs"/>
-                      </a:endParaRPr>
-                    </a:p>
-                    <a:p>
-                      <a:r>
-                        <a:rPr lang="en-SG" sz="1800" b="0" i="0" kern="1200" dirty="0" smtClean="0">
-                          <a:solidFill>
-                            <a:schemeClr val="dk1"/>
-                          </a:solidFill>
-                          <a:effectLst/>
-                          <a:latin typeface="+mn-lt"/>
-                          <a:ea typeface="+mn-ea"/>
-                          <a:cs typeface="+mn-cs"/>
-                        </a:rPr>
-                        <a:t>Darren</a:t>
-                      </a:r>
-                      <a:r>
-                        <a:rPr lang="en-SG" dirty="0" smtClean="0"/>
-                        <a:t/>
-                      </a:r>
-                      <a:br>
-                        <a:rPr lang="en-SG" dirty="0" smtClean="0"/>
-                      </a:br>
-                      <a:r>
-                        <a:rPr lang="en-SG" dirty="0" smtClean="0"/>
-                        <a:t/>
-                      </a:r>
-                      <a:br>
-                        <a:rPr lang="en-SG" dirty="0" smtClean="0"/>
-                      </a:br>
-                      <a:endParaRPr lang="en-SG" dirty="0"/>
-                    </a:p>
-                  </a:txBody>
-                  <a:tcPr anchor="ctr"/>
-                </a:tc>
-                <a:tc>
-                  <a:txBody>
-                    <a:bodyPr/>
-                    <a:lstStyle/>
-                    <a:p>
-                      <a:r>
-                        <a:rPr lang="en-SG" sz="1800" b="0" i="0" kern="1200" dirty="0" smtClean="0">
-                          <a:solidFill>
-                            <a:schemeClr val="dk1"/>
-                          </a:solidFill>
-                          <a:effectLst/>
-                          <a:latin typeface="+mn-lt"/>
-                          <a:ea typeface="+mn-ea"/>
-                          <a:cs typeface="+mn-cs"/>
-                        </a:rPr>
-                        <a:t>Shuwen</a:t>
-                      </a:r>
-                      <a:endParaRPr lang="en-SG" dirty="0"/>
-                    </a:p>
-                  </a:txBody>
-                  <a:tcPr anchor="ctr"/>
-                </a:tc>
-                <a:tc>
-                  <a:txBody>
-                    <a:bodyPr/>
-                    <a:lstStyle/>
-                    <a:p>
-                      <a:endParaRPr lang="en-SG" sz="1800" b="0" i="0" kern="1200" dirty="0" smtClean="0">
-                        <a:solidFill>
-                          <a:schemeClr val="dk1"/>
-                        </a:solidFill>
-                        <a:effectLst/>
-                        <a:latin typeface="+mn-lt"/>
-                        <a:ea typeface="+mn-ea"/>
-                        <a:cs typeface="+mn-cs"/>
-                      </a:endParaRPr>
-                    </a:p>
-                    <a:p>
-                      <a:r>
-                        <a:rPr lang="en-SG" sz="1800" b="0" i="0" kern="1200" dirty="0" smtClean="0">
-                          <a:solidFill>
-                            <a:schemeClr val="dk1"/>
-                          </a:solidFill>
-                          <a:effectLst/>
-                          <a:latin typeface="+mn-lt"/>
-                          <a:ea typeface="+mn-ea"/>
-                          <a:cs typeface="+mn-cs"/>
-                        </a:rPr>
-                        <a:t>Jeremy</a:t>
-                      </a:r>
-                      <a:r>
-                        <a:rPr lang="en-SG" dirty="0" smtClean="0"/>
-                        <a:t/>
-                      </a:r>
-                      <a:br>
-                        <a:rPr lang="en-SG" dirty="0" smtClean="0"/>
-                      </a:br>
-                      <a:endParaRPr lang="en-SG" dirty="0"/>
-                    </a:p>
-                  </a:txBody>
-                  <a:tcPr anchor="ctr"/>
-                </a:tc>
-              </a:tr>
-              <a:tr h="935134">
-                <a:tc>
-                  <a:txBody>
-                    <a:bodyPr/>
-                    <a:lstStyle/>
-                    <a:p>
-                      <a:r>
-                        <a:rPr lang="en-SG" dirty="0" smtClean="0"/>
-                        <a:t>Pair 1</a:t>
-                      </a:r>
-                      <a:endParaRPr lang="en-SG" dirty="0"/>
-                    </a:p>
-                  </a:txBody>
-                  <a:tcPr anchor="ctr"/>
-                </a:tc>
-                <a:tc>
-                  <a:txBody>
-                    <a:bodyPr/>
-                    <a:lstStyle/>
-                    <a:p>
-                      <a:pPr marL="0" marR="0" indent="0" algn="l" defTabSz="457200" rtl="0" eaLnBrk="1" fontAlgn="auto" latinLnBrk="0" hangingPunct="1">
-                        <a:lnSpc>
-                          <a:spcPct val="100000"/>
-                        </a:lnSpc>
-                        <a:spcBef>
-                          <a:spcPts val="0"/>
-                        </a:spcBef>
-                        <a:spcAft>
-                          <a:spcPts val="0"/>
-                        </a:spcAft>
-                        <a:buClrTx/>
-                        <a:buSzTx/>
-                        <a:buFontTx/>
-                        <a:buNone/>
-                        <a:tabLst/>
-                        <a:defRPr/>
-                      </a:pPr>
-                      <a:endParaRPr lang="en-SG" sz="1800" b="0" i="0" kern="1200" dirty="0" smtClean="0">
-                        <a:solidFill>
-                          <a:schemeClr val="dk1"/>
-                        </a:solidFill>
-                        <a:effectLst/>
-                        <a:latin typeface="+mn-lt"/>
-                        <a:ea typeface="+mn-ea"/>
-                        <a:cs typeface="+mn-cs"/>
-                      </a:endParaRPr>
-                    </a:p>
-                    <a:p>
-                      <a:pPr marL="0" marR="0" indent="0" algn="l" defTabSz="457200" rtl="0" eaLnBrk="1" fontAlgn="auto" latinLnBrk="0" hangingPunct="1">
-                        <a:lnSpc>
-                          <a:spcPct val="100000"/>
-                        </a:lnSpc>
-                        <a:spcBef>
-                          <a:spcPts val="0"/>
-                        </a:spcBef>
-                        <a:spcAft>
-                          <a:spcPts val="0"/>
-                        </a:spcAft>
-                        <a:buClrTx/>
-                        <a:buSzTx/>
-                        <a:buFontTx/>
-                        <a:buNone/>
-                        <a:tabLst/>
-                        <a:defRPr/>
-                      </a:pPr>
-                      <a:r>
-                        <a:rPr lang="en-SG" sz="1800" b="0" i="0" kern="1200" dirty="0" smtClean="0">
-                          <a:solidFill>
-                            <a:schemeClr val="dk1"/>
-                          </a:solidFill>
-                          <a:effectLst/>
-                          <a:latin typeface="+mn-lt"/>
-                          <a:ea typeface="+mn-ea"/>
-                          <a:cs typeface="+mn-cs"/>
-                        </a:rPr>
-                        <a:t>Darren </a:t>
-                      </a:r>
-                    </a:p>
-                    <a:p>
-                      <a:pPr marL="0" marR="0" indent="0" algn="l" defTabSz="457200" rtl="0" eaLnBrk="1" fontAlgn="auto" latinLnBrk="0" hangingPunct="1">
-                        <a:lnSpc>
-                          <a:spcPct val="100000"/>
-                        </a:lnSpc>
-                        <a:spcBef>
-                          <a:spcPts val="0"/>
-                        </a:spcBef>
-                        <a:spcAft>
-                          <a:spcPts val="0"/>
-                        </a:spcAft>
-                        <a:buClrTx/>
-                        <a:buSzTx/>
-                        <a:buFontTx/>
-                        <a:buNone/>
-                        <a:tabLst/>
-                        <a:defRPr/>
-                      </a:pPr>
-                      <a:r>
-                        <a:rPr lang="en-SG" sz="1800" b="0" i="0" kern="1200" dirty="0" smtClean="0">
-                          <a:solidFill>
-                            <a:schemeClr val="dk1"/>
-                          </a:solidFill>
-                          <a:effectLst/>
-                          <a:latin typeface="+mn-lt"/>
-                          <a:ea typeface="+mn-ea"/>
-                          <a:cs typeface="+mn-cs"/>
-                        </a:rPr>
-                        <a:t>Shu Wen</a:t>
-                      </a:r>
-                      <a:r>
-                        <a:rPr lang="en-SG" dirty="0" smtClean="0"/>
-                        <a:t/>
-                      </a:r>
-                      <a:br>
-                        <a:rPr lang="en-SG" dirty="0" smtClean="0"/>
-                      </a:br>
-                      <a:endParaRPr lang="en-SG" dirty="0"/>
-                    </a:p>
-                  </a:txBody>
-                  <a:tcPr anchor="ctr"/>
-                </a:tc>
-                <a:tc>
-                  <a:txBody>
-                    <a:bodyPr/>
-                    <a:lstStyle/>
-                    <a:p>
-                      <a:pPr marL="0" marR="0" indent="0" algn="l" defTabSz="457200" rtl="0" eaLnBrk="1" fontAlgn="auto" latinLnBrk="0" hangingPunct="1">
-                        <a:lnSpc>
-                          <a:spcPct val="100000"/>
-                        </a:lnSpc>
-                        <a:spcBef>
-                          <a:spcPts val="0"/>
-                        </a:spcBef>
-                        <a:spcAft>
-                          <a:spcPts val="0"/>
-                        </a:spcAft>
-                        <a:buClrTx/>
-                        <a:buSzTx/>
-                        <a:buFontTx/>
-                        <a:buNone/>
-                        <a:tabLst/>
-                        <a:defRPr/>
-                      </a:pPr>
-                      <a:endParaRPr lang="en-SG" sz="1800" b="0" i="0" kern="1200" dirty="0" smtClean="0">
-                        <a:solidFill>
-                          <a:schemeClr val="dk1"/>
-                        </a:solidFill>
-                        <a:effectLst/>
-                        <a:latin typeface="+mn-lt"/>
-                        <a:ea typeface="+mn-ea"/>
-                        <a:cs typeface="+mn-cs"/>
-                      </a:endParaRPr>
-                    </a:p>
-                    <a:p>
-                      <a:pPr marL="0" marR="0" indent="0" algn="l" defTabSz="457200" rtl="0" eaLnBrk="1" fontAlgn="auto" latinLnBrk="0" hangingPunct="1">
-                        <a:lnSpc>
-                          <a:spcPct val="100000"/>
-                        </a:lnSpc>
-                        <a:spcBef>
-                          <a:spcPts val="0"/>
-                        </a:spcBef>
-                        <a:spcAft>
-                          <a:spcPts val="0"/>
-                        </a:spcAft>
-                        <a:buClrTx/>
-                        <a:buSzTx/>
-                        <a:buFontTx/>
-                        <a:buNone/>
-                        <a:tabLst/>
-                        <a:defRPr/>
-                      </a:pPr>
-                      <a:r>
-                        <a:rPr lang="en-SG" sz="1800" b="0" i="0" kern="1200" dirty="0" smtClean="0">
-                          <a:solidFill>
-                            <a:schemeClr val="dk1"/>
-                          </a:solidFill>
-                          <a:effectLst/>
-                          <a:latin typeface="+mn-lt"/>
-                          <a:ea typeface="+mn-ea"/>
-                          <a:cs typeface="+mn-cs"/>
-                        </a:rPr>
-                        <a:t>Darren Nabilah</a:t>
-                      </a:r>
-                      <a:r>
-                        <a:rPr lang="en-SG" dirty="0" smtClean="0"/>
-                        <a:t/>
-                      </a:r>
-                      <a:br>
-                        <a:rPr lang="en-SG" dirty="0" smtClean="0"/>
-                      </a:br>
-                      <a:endParaRPr lang="en-SG" dirty="0"/>
-                    </a:p>
-                  </a:txBody>
-                  <a:tcPr anchor="ctr"/>
-                </a:tc>
-                <a:tc>
-                  <a:txBody>
-                    <a:bodyPr/>
-                    <a:lstStyle/>
-                    <a:p>
-                      <a:pPr algn="l"/>
-                      <a:endParaRPr lang="en-SG" sz="1800" b="0" i="0" kern="1200" dirty="0" smtClean="0">
-                        <a:solidFill>
-                          <a:schemeClr val="dk1"/>
-                        </a:solidFill>
-                        <a:effectLst/>
-                        <a:latin typeface="+mn-lt"/>
-                        <a:ea typeface="+mn-ea"/>
-                        <a:cs typeface="+mn-cs"/>
-                      </a:endParaRPr>
-                    </a:p>
-                    <a:p>
-                      <a:pPr algn="l"/>
-                      <a:r>
-                        <a:rPr lang="en-SG" sz="1800" b="0" i="0" kern="1200" dirty="0" smtClean="0">
-                          <a:solidFill>
-                            <a:schemeClr val="dk1"/>
-                          </a:solidFill>
-                          <a:effectLst/>
-                          <a:latin typeface="+mn-lt"/>
-                          <a:ea typeface="+mn-ea"/>
-                          <a:cs typeface="+mn-cs"/>
-                        </a:rPr>
-                        <a:t>Darren</a:t>
-                      </a:r>
-                    </a:p>
-                    <a:p>
-                      <a:pPr algn="l"/>
-                      <a:r>
-                        <a:rPr lang="en-SG" dirty="0" smtClean="0"/>
-                        <a:t>Shu Wen</a:t>
-                      </a:r>
-                      <a:br>
-                        <a:rPr lang="en-SG" dirty="0" smtClean="0"/>
-                      </a:br>
-                      <a:endParaRPr lang="en-SG" dirty="0"/>
-                    </a:p>
-                  </a:txBody>
-                  <a:tcPr anchor="ctr"/>
-                </a:tc>
-                <a:tc>
-                  <a:txBody>
-                    <a:bodyPr/>
-                    <a:lstStyle/>
-                    <a:p>
-                      <a:pPr algn="l"/>
-                      <a:r>
-                        <a:rPr lang="en-SG" sz="1800" b="0" i="0" kern="1200" dirty="0" smtClean="0">
-                          <a:solidFill>
-                            <a:schemeClr val="dk1"/>
-                          </a:solidFill>
-                          <a:effectLst/>
-                          <a:latin typeface="+mn-lt"/>
-                          <a:ea typeface="+mn-ea"/>
-                          <a:cs typeface="+mn-cs"/>
-                        </a:rPr>
-                        <a:t>Jeremy</a:t>
-                      </a:r>
-                    </a:p>
-                    <a:p>
-                      <a:pPr algn="l"/>
-                      <a:r>
-                        <a:rPr lang="en-SG" sz="1800" b="0" i="0" kern="1200" dirty="0" smtClean="0">
-                          <a:solidFill>
-                            <a:schemeClr val="dk1"/>
-                          </a:solidFill>
-                          <a:effectLst/>
-                          <a:latin typeface="+mn-lt"/>
-                          <a:ea typeface="+mn-ea"/>
-                          <a:cs typeface="+mn-cs"/>
-                        </a:rPr>
-                        <a:t>Zhi Hui</a:t>
-                      </a:r>
-                      <a:endParaRPr lang="en-SG" dirty="0"/>
-                    </a:p>
-                  </a:txBody>
-                  <a:tcPr anchor="ctr"/>
-                </a:tc>
-                <a:tc>
-                  <a:txBody>
-                    <a:bodyPr/>
-                    <a:lstStyle/>
-                    <a:p>
-                      <a:pPr marL="0" marR="0" indent="0" algn="l" defTabSz="457200" rtl="0" eaLnBrk="1" fontAlgn="auto" latinLnBrk="0" hangingPunct="1">
-                        <a:lnSpc>
-                          <a:spcPct val="100000"/>
-                        </a:lnSpc>
-                        <a:spcBef>
-                          <a:spcPts val="0"/>
-                        </a:spcBef>
-                        <a:spcAft>
-                          <a:spcPts val="0"/>
-                        </a:spcAft>
-                        <a:buClrTx/>
-                        <a:buSzTx/>
-                        <a:buFontTx/>
-                        <a:buNone/>
-                        <a:tabLst/>
-                        <a:defRPr/>
-                      </a:pPr>
-                      <a:endParaRPr lang="en-SG" sz="1800" b="0" i="0" kern="1200" dirty="0" smtClean="0">
-                        <a:solidFill>
-                          <a:schemeClr val="dk1"/>
-                        </a:solidFill>
-                        <a:effectLst/>
-                        <a:latin typeface="+mn-lt"/>
-                        <a:ea typeface="+mn-ea"/>
-                        <a:cs typeface="+mn-cs"/>
-                      </a:endParaRPr>
-                    </a:p>
-                    <a:p>
-                      <a:pPr marL="0" marR="0" indent="0" algn="l" defTabSz="457200" rtl="0" eaLnBrk="1" fontAlgn="auto" latinLnBrk="0" hangingPunct="1">
-                        <a:lnSpc>
-                          <a:spcPct val="100000"/>
-                        </a:lnSpc>
-                        <a:spcBef>
-                          <a:spcPts val="0"/>
-                        </a:spcBef>
-                        <a:spcAft>
-                          <a:spcPts val="0"/>
-                        </a:spcAft>
-                        <a:buClrTx/>
-                        <a:buSzTx/>
-                        <a:buFontTx/>
-                        <a:buNone/>
-                        <a:tabLst/>
-                        <a:defRPr/>
-                      </a:pPr>
-                      <a:r>
-                        <a:rPr lang="en-SG" sz="1800" b="0" i="0" kern="1200" dirty="0" smtClean="0">
-                          <a:solidFill>
-                            <a:schemeClr val="dk1"/>
-                          </a:solidFill>
-                          <a:effectLst/>
-                          <a:latin typeface="+mn-lt"/>
-                          <a:ea typeface="+mn-ea"/>
-                          <a:cs typeface="+mn-cs"/>
-                        </a:rPr>
-                        <a:t>Jeremy  Nabilah</a:t>
-                      </a:r>
-                      <a:endParaRPr lang="en-SG" dirty="0" smtClean="0"/>
-                    </a:p>
-                    <a:p>
-                      <a:pPr algn="l"/>
-                      <a:endParaRPr lang="en-SG" dirty="0"/>
-                    </a:p>
-                  </a:txBody>
-                  <a:tcPr anchor="ctr"/>
-                </a:tc>
-                <a:tc>
-                  <a:txBody>
-                    <a:bodyPr/>
-                    <a:lstStyle/>
-                    <a:p>
-                      <a:pPr marL="0" marR="0" indent="0" algn="l" defTabSz="457200" rtl="0" eaLnBrk="1" fontAlgn="auto" latinLnBrk="0" hangingPunct="1">
-                        <a:lnSpc>
-                          <a:spcPct val="100000"/>
-                        </a:lnSpc>
-                        <a:spcBef>
-                          <a:spcPts val="0"/>
-                        </a:spcBef>
-                        <a:spcAft>
-                          <a:spcPts val="0"/>
-                        </a:spcAft>
-                        <a:buClrTx/>
-                        <a:buSzTx/>
-                        <a:buFontTx/>
-                        <a:buNone/>
-                        <a:tabLst/>
-                        <a:defRPr/>
-                      </a:pPr>
-                      <a:endParaRPr lang="en-SG" sz="1800" b="0" i="0" kern="1200" dirty="0" smtClean="0">
-                        <a:solidFill>
-                          <a:schemeClr val="dk1"/>
-                        </a:solidFill>
-                        <a:effectLst/>
-                        <a:latin typeface="+mn-lt"/>
-                        <a:ea typeface="+mn-ea"/>
-                        <a:cs typeface="+mn-cs"/>
-                      </a:endParaRPr>
-                    </a:p>
-                    <a:p>
-                      <a:pPr marL="0" marR="0" indent="0" algn="l" defTabSz="457200" rtl="0" eaLnBrk="1" fontAlgn="auto" latinLnBrk="0" hangingPunct="1">
-                        <a:lnSpc>
-                          <a:spcPct val="100000"/>
-                        </a:lnSpc>
-                        <a:spcBef>
-                          <a:spcPts val="0"/>
-                        </a:spcBef>
-                        <a:spcAft>
-                          <a:spcPts val="0"/>
-                        </a:spcAft>
-                        <a:buClrTx/>
-                        <a:buSzTx/>
-                        <a:buFontTx/>
-                        <a:buNone/>
-                        <a:tabLst/>
-                        <a:defRPr/>
-                      </a:pPr>
-                      <a:r>
-                        <a:rPr lang="en-SG" sz="1800" b="0" i="0" kern="1200" dirty="0" smtClean="0">
-                          <a:solidFill>
-                            <a:schemeClr val="dk1"/>
-                          </a:solidFill>
-                          <a:effectLst/>
-                          <a:latin typeface="+mn-lt"/>
-                          <a:ea typeface="+mn-ea"/>
-                          <a:cs typeface="+mn-cs"/>
-                        </a:rPr>
-                        <a:t>Darren</a:t>
-                      </a:r>
-                    </a:p>
-                    <a:p>
-                      <a:pPr marL="0" marR="0" indent="0" algn="l" defTabSz="457200" rtl="0" eaLnBrk="1" fontAlgn="auto" latinLnBrk="0" hangingPunct="1">
-                        <a:lnSpc>
-                          <a:spcPct val="100000"/>
-                        </a:lnSpc>
-                        <a:spcBef>
-                          <a:spcPts val="0"/>
-                        </a:spcBef>
-                        <a:spcAft>
-                          <a:spcPts val="0"/>
-                        </a:spcAft>
-                        <a:buClrTx/>
-                        <a:buSzTx/>
-                        <a:buFontTx/>
-                        <a:buNone/>
-                        <a:tabLst/>
-                        <a:defRPr/>
-                      </a:pPr>
-                      <a:r>
-                        <a:rPr lang="en-SG" sz="1800" b="0" i="0" kern="1200" dirty="0" smtClean="0">
-                          <a:solidFill>
-                            <a:schemeClr val="dk1"/>
-                          </a:solidFill>
-                          <a:effectLst/>
-                          <a:latin typeface="+mn-lt"/>
-                          <a:ea typeface="+mn-ea"/>
-                          <a:cs typeface="+mn-cs"/>
-                        </a:rPr>
-                        <a:t>Zhi Hui</a:t>
-                      </a:r>
-                      <a:r>
-                        <a:rPr lang="en-SG" dirty="0" smtClean="0"/>
-                        <a:t/>
-                      </a:r>
-                      <a:br>
-                        <a:rPr lang="en-SG" dirty="0" smtClean="0"/>
-                      </a:br>
-                      <a:endParaRPr lang="en-SG" dirty="0"/>
-                    </a:p>
-                  </a:txBody>
-                  <a:tcPr anchor="ctr"/>
-                </a:tc>
-              </a:tr>
-              <a:tr h="1798335">
-                <a:tc>
-                  <a:txBody>
-                    <a:bodyPr/>
-                    <a:lstStyle/>
-                    <a:p>
-                      <a:r>
-                        <a:rPr lang="en-SG" dirty="0" smtClean="0"/>
-                        <a:t>Pair 2</a:t>
-                      </a:r>
-                      <a:endParaRPr lang="en-SG" dirty="0"/>
-                    </a:p>
-                  </a:txBody>
-                  <a:tcPr anchor="ctr"/>
-                </a:tc>
-                <a:tc>
-                  <a:txBody>
-                    <a:bodyPr/>
-                    <a:lstStyle/>
-                    <a:p>
-                      <a:pPr marL="0" marR="0" indent="0" algn="l" defTabSz="457200" rtl="0" eaLnBrk="1" fontAlgn="auto" latinLnBrk="0" hangingPunct="1">
-                        <a:lnSpc>
-                          <a:spcPct val="100000"/>
-                        </a:lnSpc>
-                        <a:spcBef>
-                          <a:spcPts val="0"/>
-                        </a:spcBef>
-                        <a:spcAft>
-                          <a:spcPts val="0"/>
-                        </a:spcAft>
-                        <a:buClrTx/>
-                        <a:buSzTx/>
-                        <a:buFontTx/>
-                        <a:buNone/>
-                        <a:tabLst/>
-                        <a:defRPr/>
-                      </a:pPr>
-                      <a:endParaRPr lang="en-SG" sz="1800" b="0" i="0" kern="1200" dirty="0" smtClean="0">
-                        <a:solidFill>
-                          <a:schemeClr val="dk1"/>
-                        </a:solidFill>
-                        <a:effectLst/>
-                        <a:latin typeface="+mn-lt"/>
-                        <a:ea typeface="+mn-ea"/>
-                        <a:cs typeface="+mn-cs"/>
-                      </a:endParaRPr>
-                    </a:p>
-                    <a:p>
-                      <a:pPr marL="0" marR="0" indent="0" algn="l" defTabSz="457200" rtl="0" eaLnBrk="1" fontAlgn="auto" latinLnBrk="0" hangingPunct="1">
-                        <a:lnSpc>
-                          <a:spcPct val="100000"/>
-                        </a:lnSpc>
-                        <a:spcBef>
-                          <a:spcPts val="0"/>
-                        </a:spcBef>
-                        <a:spcAft>
-                          <a:spcPts val="0"/>
-                        </a:spcAft>
-                        <a:buClrTx/>
-                        <a:buSzTx/>
-                        <a:buFontTx/>
-                        <a:buNone/>
-                        <a:tabLst/>
-                        <a:defRPr/>
-                      </a:pPr>
-                      <a:r>
-                        <a:rPr lang="en-SG" sz="1800" b="0" i="0" kern="1200" dirty="0" smtClean="0">
-                          <a:solidFill>
-                            <a:schemeClr val="dk1"/>
-                          </a:solidFill>
-                          <a:effectLst/>
-                          <a:latin typeface="+mn-lt"/>
-                          <a:ea typeface="+mn-ea"/>
-                          <a:cs typeface="+mn-cs"/>
-                        </a:rPr>
-                        <a:t>Zhi Hui</a:t>
-                      </a:r>
-                    </a:p>
-                    <a:p>
-                      <a:pPr marL="0" marR="0" indent="0" algn="l" defTabSz="457200" rtl="0" eaLnBrk="1" fontAlgn="auto" latinLnBrk="0" hangingPunct="1">
-                        <a:lnSpc>
-                          <a:spcPct val="100000"/>
-                        </a:lnSpc>
-                        <a:spcBef>
-                          <a:spcPts val="0"/>
-                        </a:spcBef>
-                        <a:spcAft>
-                          <a:spcPts val="0"/>
-                        </a:spcAft>
-                        <a:buClrTx/>
-                        <a:buSzTx/>
-                        <a:buFontTx/>
-                        <a:buNone/>
-                        <a:tabLst/>
-                        <a:defRPr/>
-                      </a:pPr>
-                      <a:r>
-                        <a:rPr lang="en-SG" sz="1800" b="0" i="0" kern="1200" dirty="0" smtClean="0">
-                          <a:solidFill>
-                            <a:schemeClr val="dk1"/>
-                          </a:solidFill>
-                          <a:effectLst/>
-                          <a:latin typeface="+mn-lt"/>
-                          <a:ea typeface="+mn-ea"/>
-                          <a:cs typeface="+mn-cs"/>
-                        </a:rPr>
-                        <a:t>Nabilah</a:t>
-                      </a:r>
-                      <a:r>
-                        <a:rPr lang="en-SG" dirty="0" smtClean="0"/>
-                        <a:t/>
-                      </a:r>
-                      <a:br>
-                        <a:rPr lang="en-SG" dirty="0" smtClean="0"/>
-                      </a:br>
-                      <a:endParaRPr lang="en-SG" dirty="0"/>
-                    </a:p>
-                  </a:txBody>
-                  <a:tcPr anchor="ctr"/>
-                </a:tc>
-                <a:tc>
-                  <a:txBody>
-                    <a:bodyPr/>
-                    <a:lstStyle/>
-                    <a:p>
-                      <a:pPr marL="0" marR="0" indent="0" algn="l" defTabSz="457200" rtl="0" eaLnBrk="1" fontAlgn="auto" latinLnBrk="0" hangingPunct="1">
-                        <a:lnSpc>
-                          <a:spcPct val="100000"/>
-                        </a:lnSpc>
-                        <a:spcBef>
-                          <a:spcPts val="0"/>
-                        </a:spcBef>
-                        <a:spcAft>
-                          <a:spcPts val="0"/>
-                        </a:spcAft>
-                        <a:buClrTx/>
-                        <a:buSzTx/>
-                        <a:buFontTx/>
-                        <a:buNone/>
-                        <a:tabLst/>
-                        <a:defRPr/>
-                      </a:pPr>
-                      <a:endParaRPr lang="en-SG" sz="1800" b="0" i="0" kern="1200" dirty="0" smtClean="0">
-                        <a:solidFill>
-                          <a:schemeClr val="dk1"/>
-                        </a:solidFill>
-                        <a:effectLst/>
-                        <a:latin typeface="+mn-lt"/>
-                        <a:ea typeface="+mn-ea"/>
-                        <a:cs typeface="+mn-cs"/>
-                      </a:endParaRPr>
-                    </a:p>
-                    <a:p>
-                      <a:pPr marL="0" marR="0" indent="0" algn="l" defTabSz="457200" rtl="0" eaLnBrk="1" fontAlgn="auto" latinLnBrk="0" hangingPunct="1">
-                        <a:lnSpc>
-                          <a:spcPct val="100000"/>
-                        </a:lnSpc>
-                        <a:spcBef>
-                          <a:spcPts val="0"/>
-                        </a:spcBef>
-                        <a:spcAft>
-                          <a:spcPts val="0"/>
-                        </a:spcAft>
-                        <a:buClrTx/>
-                        <a:buSzTx/>
-                        <a:buFontTx/>
-                        <a:buNone/>
-                        <a:tabLst/>
-                        <a:defRPr/>
-                      </a:pPr>
-                      <a:r>
-                        <a:rPr lang="en-SG" sz="1800" b="0" i="0" kern="1200" dirty="0" smtClean="0">
-                          <a:solidFill>
-                            <a:schemeClr val="dk1"/>
-                          </a:solidFill>
-                          <a:effectLst/>
-                          <a:latin typeface="+mn-lt"/>
-                          <a:ea typeface="+mn-ea"/>
-                          <a:cs typeface="+mn-cs"/>
-                        </a:rPr>
-                        <a:t>Jeremy Shuwen</a:t>
-                      </a:r>
-                      <a:r>
-                        <a:rPr lang="en-SG" dirty="0" smtClean="0"/>
-                        <a:t/>
-                      </a:r>
-                      <a:br>
-                        <a:rPr lang="en-SG" dirty="0" smtClean="0"/>
-                      </a:br>
-                      <a:endParaRPr lang="en-SG" dirty="0"/>
-                    </a:p>
-                  </a:txBody>
-                  <a:tcPr anchor="ctr"/>
-                </a:tc>
-                <a:tc>
-                  <a:txBody>
-                    <a:bodyPr/>
-                    <a:lstStyle/>
-                    <a:p>
-                      <a:pPr marL="0" marR="0" indent="0" algn="l" defTabSz="457200" rtl="0" eaLnBrk="1" fontAlgn="auto" latinLnBrk="0" hangingPunct="1">
-                        <a:lnSpc>
-                          <a:spcPct val="100000"/>
-                        </a:lnSpc>
-                        <a:spcBef>
-                          <a:spcPts val="0"/>
-                        </a:spcBef>
-                        <a:spcAft>
-                          <a:spcPts val="0"/>
-                        </a:spcAft>
-                        <a:buClrTx/>
-                        <a:buSzTx/>
-                        <a:buFontTx/>
-                        <a:buNone/>
-                        <a:tabLst/>
-                        <a:defRPr/>
-                      </a:pPr>
-                      <a:endParaRPr lang="en-SG" sz="1800" b="0" i="0" kern="1200" dirty="0" smtClean="0">
-                        <a:solidFill>
-                          <a:schemeClr val="dk1"/>
-                        </a:solidFill>
-                        <a:effectLst/>
-                        <a:latin typeface="+mn-lt"/>
-                        <a:ea typeface="+mn-ea"/>
-                        <a:cs typeface="+mn-cs"/>
-                      </a:endParaRPr>
-                    </a:p>
-                    <a:p>
-                      <a:pPr marL="0" marR="0" indent="0" algn="l" defTabSz="457200" rtl="0" eaLnBrk="1" fontAlgn="auto" latinLnBrk="0" hangingPunct="1">
-                        <a:lnSpc>
-                          <a:spcPct val="100000"/>
-                        </a:lnSpc>
-                        <a:spcBef>
-                          <a:spcPts val="0"/>
-                        </a:spcBef>
-                        <a:spcAft>
-                          <a:spcPts val="0"/>
-                        </a:spcAft>
-                        <a:buClrTx/>
-                        <a:buSzTx/>
-                        <a:buFontTx/>
-                        <a:buNone/>
-                        <a:tabLst/>
-                        <a:defRPr/>
-                      </a:pPr>
-                      <a:r>
-                        <a:rPr lang="en-SG" sz="1800" b="0" i="0" kern="1200" dirty="0" smtClean="0">
-                          <a:solidFill>
-                            <a:schemeClr val="dk1"/>
-                          </a:solidFill>
-                          <a:effectLst/>
-                          <a:latin typeface="+mn-lt"/>
-                          <a:ea typeface="+mn-ea"/>
-                          <a:cs typeface="+mn-cs"/>
-                        </a:rPr>
-                        <a:t>Jeremy</a:t>
-                      </a:r>
-                    </a:p>
-                    <a:p>
-                      <a:pPr marL="0" marR="0" indent="0" algn="l" defTabSz="457200" rtl="0" eaLnBrk="1" fontAlgn="auto" latinLnBrk="0" hangingPunct="1">
-                        <a:lnSpc>
-                          <a:spcPct val="100000"/>
-                        </a:lnSpc>
-                        <a:spcBef>
-                          <a:spcPts val="0"/>
-                        </a:spcBef>
-                        <a:spcAft>
-                          <a:spcPts val="0"/>
-                        </a:spcAft>
-                        <a:buClrTx/>
-                        <a:buSzTx/>
-                        <a:buFontTx/>
-                        <a:buNone/>
-                        <a:tabLst/>
-                        <a:defRPr/>
-                      </a:pPr>
-                      <a:r>
-                        <a:rPr lang="en-SG" sz="1800" b="0" i="0" kern="1200" dirty="0" smtClean="0">
-                          <a:solidFill>
-                            <a:schemeClr val="dk1"/>
-                          </a:solidFill>
-                          <a:effectLst/>
-                          <a:latin typeface="+mn-lt"/>
-                          <a:ea typeface="+mn-ea"/>
-                          <a:cs typeface="+mn-cs"/>
-                        </a:rPr>
-                        <a:t>Zhi Hui</a:t>
-                      </a:r>
-                      <a:r>
-                        <a:rPr lang="en-SG" dirty="0" smtClean="0"/>
-                        <a:t/>
-                      </a:r>
-                      <a:br>
-                        <a:rPr lang="en-SG" dirty="0" smtClean="0"/>
-                      </a:br>
-                      <a:endParaRPr lang="en-SG" dirty="0"/>
-                    </a:p>
-                  </a:txBody>
-                  <a:tcPr anchor="ctr"/>
-                </a:tc>
-                <a:tc>
-                  <a:txBody>
-                    <a:bodyPr/>
-                    <a:lstStyle/>
-                    <a:p>
-                      <a:pPr marL="0" marR="0" indent="0" algn="l" defTabSz="457200" rtl="0" eaLnBrk="1" fontAlgn="auto" latinLnBrk="0" hangingPunct="1">
-                        <a:lnSpc>
-                          <a:spcPct val="100000"/>
-                        </a:lnSpc>
-                        <a:spcBef>
-                          <a:spcPts val="0"/>
-                        </a:spcBef>
-                        <a:spcAft>
-                          <a:spcPts val="0"/>
-                        </a:spcAft>
-                        <a:buClrTx/>
-                        <a:buSzTx/>
-                        <a:buFontTx/>
-                        <a:buNone/>
-                        <a:tabLst/>
-                        <a:defRPr/>
-                      </a:pPr>
-                      <a:endParaRPr lang="en-SG" sz="1800" b="0" i="0" kern="1200" dirty="0" smtClean="0">
-                        <a:solidFill>
-                          <a:schemeClr val="dk1"/>
-                        </a:solidFill>
-                        <a:effectLst/>
-                        <a:latin typeface="+mn-lt"/>
-                        <a:ea typeface="+mn-ea"/>
-                        <a:cs typeface="+mn-cs"/>
-                      </a:endParaRPr>
-                    </a:p>
-                    <a:p>
-                      <a:pPr marL="0" marR="0" indent="0" algn="l" defTabSz="457200" rtl="0" eaLnBrk="1" fontAlgn="auto" latinLnBrk="0" hangingPunct="1">
-                        <a:lnSpc>
-                          <a:spcPct val="100000"/>
-                        </a:lnSpc>
-                        <a:spcBef>
-                          <a:spcPts val="0"/>
-                        </a:spcBef>
-                        <a:spcAft>
-                          <a:spcPts val="0"/>
-                        </a:spcAft>
-                        <a:buClrTx/>
-                        <a:buSzTx/>
-                        <a:buFontTx/>
-                        <a:buNone/>
-                        <a:tabLst/>
-                        <a:defRPr/>
-                      </a:pPr>
-                      <a:r>
-                        <a:rPr lang="en-SG" sz="1800" b="0" i="0" kern="1200" dirty="0" smtClean="0">
-                          <a:solidFill>
-                            <a:schemeClr val="dk1"/>
-                          </a:solidFill>
-                          <a:effectLst/>
-                          <a:latin typeface="+mn-lt"/>
-                          <a:ea typeface="+mn-ea"/>
-                          <a:cs typeface="+mn-cs"/>
-                        </a:rPr>
-                        <a:t>Shu</a:t>
-                      </a:r>
-                      <a:r>
-                        <a:rPr lang="en-SG" sz="1800" b="0" i="0" kern="1200" baseline="0" dirty="0" smtClean="0">
-                          <a:solidFill>
-                            <a:schemeClr val="dk1"/>
-                          </a:solidFill>
-                          <a:effectLst/>
-                          <a:latin typeface="+mn-lt"/>
-                          <a:ea typeface="+mn-ea"/>
-                          <a:cs typeface="+mn-cs"/>
-                        </a:rPr>
-                        <a:t> Wen</a:t>
-                      </a:r>
-                      <a:endParaRPr lang="en-SG" sz="1800" b="0" i="0" kern="1200" dirty="0" smtClean="0">
-                        <a:solidFill>
-                          <a:schemeClr val="dk1"/>
-                        </a:solidFill>
-                        <a:effectLst/>
-                        <a:latin typeface="+mn-lt"/>
-                        <a:ea typeface="+mn-ea"/>
-                        <a:cs typeface="+mn-cs"/>
-                      </a:endParaRPr>
-                    </a:p>
-                    <a:p>
-                      <a:pPr marL="0" marR="0" indent="0" algn="l" defTabSz="457200" rtl="0" eaLnBrk="1" fontAlgn="auto" latinLnBrk="0" hangingPunct="1">
-                        <a:lnSpc>
-                          <a:spcPct val="100000"/>
-                        </a:lnSpc>
-                        <a:spcBef>
-                          <a:spcPts val="0"/>
-                        </a:spcBef>
-                        <a:spcAft>
-                          <a:spcPts val="0"/>
-                        </a:spcAft>
-                        <a:buClrTx/>
-                        <a:buSzTx/>
-                        <a:buFontTx/>
-                        <a:buNone/>
-                        <a:tabLst/>
-                        <a:defRPr/>
-                      </a:pPr>
-                      <a:r>
-                        <a:rPr lang="en-SG" sz="1800" b="0" i="0" kern="1200" dirty="0" smtClean="0">
-                          <a:solidFill>
-                            <a:schemeClr val="dk1"/>
-                          </a:solidFill>
-                          <a:effectLst/>
-                          <a:latin typeface="+mn-lt"/>
-                          <a:ea typeface="+mn-ea"/>
-                          <a:cs typeface="+mn-cs"/>
-                        </a:rPr>
-                        <a:t>Nabilah</a:t>
-                      </a:r>
-                      <a:r>
-                        <a:rPr lang="en-SG" dirty="0" smtClean="0"/>
-                        <a:t/>
-                      </a:r>
-                      <a:br>
-                        <a:rPr lang="en-SG" dirty="0" smtClean="0"/>
-                      </a:br>
-                      <a:endParaRPr lang="en-SG" dirty="0"/>
-                    </a:p>
-                  </a:txBody>
-                  <a:tcPr anchor="ctr"/>
-                </a:tc>
-                <a:tc>
-                  <a:txBody>
-                    <a:bodyPr/>
-                    <a:lstStyle/>
-                    <a:p>
-                      <a:pPr marL="0" marR="0" indent="0" algn="l" defTabSz="457200" rtl="0" eaLnBrk="1" fontAlgn="auto" latinLnBrk="0" hangingPunct="1">
-                        <a:lnSpc>
-                          <a:spcPct val="100000"/>
-                        </a:lnSpc>
-                        <a:spcBef>
-                          <a:spcPts val="0"/>
-                        </a:spcBef>
-                        <a:spcAft>
-                          <a:spcPts val="0"/>
-                        </a:spcAft>
-                        <a:buClrTx/>
-                        <a:buSzTx/>
-                        <a:buFontTx/>
-                        <a:buNone/>
-                        <a:tabLst/>
-                        <a:defRPr/>
-                      </a:pPr>
-                      <a:r>
-                        <a:rPr lang="en-SG" sz="1800" b="0" i="0" kern="1200" dirty="0" smtClean="0">
-                          <a:solidFill>
-                            <a:schemeClr val="dk1"/>
-                          </a:solidFill>
-                          <a:effectLst/>
-                          <a:latin typeface="+mn-lt"/>
-                          <a:ea typeface="+mn-ea"/>
-                          <a:cs typeface="+mn-cs"/>
-                        </a:rPr>
-                        <a:t>Darren</a:t>
-                      </a:r>
-                      <a:endParaRPr lang="en-SG" dirty="0" smtClean="0"/>
-                    </a:p>
-                    <a:p>
-                      <a:pPr marL="0" marR="0" indent="0" algn="l" defTabSz="457200" rtl="0" eaLnBrk="1" fontAlgn="auto" latinLnBrk="0" hangingPunct="1">
-                        <a:lnSpc>
-                          <a:spcPct val="100000"/>
-                        </a:lnSpc>
-                        <a:spcBef>
-                          <a:spcPts val="0"/>
-                        </a:spcBef>
-                        <a:spcAft>
-                          <a:spcPts val="0"/>
-                        </a:spcAft>
-                        <a:buClrTx/>
-                        <a:buSzTx/>
-                        <a:buFontTx/>
-                        <a:buNone/>
-                        <a:tabLst/>
-                        <a:defRPr/>
-                      </a:pPr>
-                      <a:r>
-                        <a:rPr lang="en-SG" sz="1800" b="0" i="0" kern="1200" dirty="0" smtClean="0">
-                          <a:solidFill>
-                            <a:schemeClr val="dk1"/>
-                          </a:solidFill>
-                          <a:effectLst/>
-                          <a:latin typeface="+mn-lt"/>
-                          <a:ea typeface="+mn-ea"/>
-                          <a:cs typeface="+mn-cs"/>
-                        </a:rPr>
-                        <a:t>Zhi Hui </a:t>
-                      </a:r>
-                    </a:p>
-                  </a:txBody>
-                  <a:tcPr anchor="ctr"/>
-                </a:tc>
-                <a:tc>
-                  <a:txBody>
-                    <a:bodyPr/>
-                    <a:lstStyle/>
-                    <a:p>
-                      <a:pPr marL="0" marR="0" indent="0" algn="l" defTabSz="457200" rtl="0" eaLnBrk="1" fontAlgn="auto" latinLnBrk="0" hangingPunct="1">
-                        <a:lnSpc>
-                          <a:spcPct val="100000"/>
-                        </a:lnSpc>
-                        <a:spcBef>
-                          <a:spcPts val="0"/>
-                        </a:spcBef>
-                        <a:spcAft>
-                          <a:spcPts val="0"/>
-                        </a:spcAft>
-                        <a:buClrTx/>
-                        <a:buSzTx/>
-                        <a:buFontTx/>
-                        <a:buNone/>
-                        <a:tabLst/>
-                        <a:defRPr/>
-                      </a:pPr>
-                      <a:endParaRPr lang="en-SG" sz="1800" b="0" i="0" kern="1200" dirty="0" smtClean="0">
-                        <a:solidFill>
-                          <a:schemeClr val="dk1"/>
-                        </a:solidFill>
-                        <a:effectLst/>
-                        <a:latin typeface="+mn-lt"/>
-                        <a:ea typeface="+mn-ea"/>
-                        <a:cs typeface="+mn-cs"/>
-                      </a:endParaRPr>
-                    </a:p>
-                    <a:p>
-                      <a:pPr marL="0" marR="0" indent="0" algn="l" defTabSz="457200" rtl="0" eaLnBrk="1" fontAlgn="auto" latinLnBrk="0" hangingPunct="1">
-                        <a:lnSpc>
-                          <a:spcPct val="100000"/>
-                        </a:lnSpc>
-                        <a:spcBef>
-                          <a:spcPts val="0"/>
-                        </a:spcBef>
-                        <a:spcAft>
-                          <a:spcPts val="0"/>
-                        </a:spcAft>
-                        <a:buClrTx/>
-                        <a:buSzTx/>
-                        <a:buFontTx/>
-                        <a:buNone/>
-                        <a:tabLst/>
-                        <a:defRPr/>
-                      </a:pPr>
-                      <a:endParaRPr lang="en-SG" sz="1800" b="0" i="0" kern="1200" dirty="0" smtClean="0">
-                        <a:solidFill>
-                          <a:schemeClr val="dk1"/>
-                        </a:solidFill>
-                        <a:effectLst/>
-                        <a:latin typeface="+mn-lt"/>
-                        <a:ea typeface="+mn-ea"/>
-                        <a:cs typeface="+mn-cs"/>
-                      </a:endParaRPr>
-                    </a:p>
-                    <a:p>
-                      <a:pPr marL="0" marR="0" indent="0" algn="l" defTabSz="457200" rtl="0" eaLnBrk="1" fontAlgn="auto" latinLnBrk="0" hangingPunct="1">
-                        <a:lnSpc>
-                          <a:spcPct val="100000"/>
-                        </a:lnSpc>
-                        <a:spcBef>
-                          <a:spcPts val="0"/>
-                        </a:spcBef>
-                        <a:spcAft>
-                          <a:spcPts val="0"/>
-                        </a:spcAft>
-                        <a:buClrTx/>
-                        <a:buSzTx/>
-                        <a:buFontTx/>
-                        <a:buNone/>
-                        <a:tabLst/>
-                        <a:defRPr/>
-                      </a:pPr>
-                      <a:endParaRPr lang="en-SG" sz="1800" b="0" i="0" kern="1200" dirty="0" smtClean="0">
-                        <a:solidFill>
-                          <a:schemeClr val="dk1"/>
-                        </a:solidFill>
-                        <a:effectLst/>
-                        <a:latin typeface="+mn-lt"/>
-                        <a:ea typeface="+mn-ea"/>
-                        <a:cs typeface="+mn-cs"/>
-                      </a:endParaRPr>
-                    </a:p>
-                    <a:p>
-                      <a:pPr marL="0" marR="0" indent="0" algn="l" defTabSz="457200" rtl="0" eaLnBrk="1" fontAlgn="auto" latinLnBrk="0" hangingPunct="1">
-                        <a:lnSpc>
-                          <a:spcPct val="100000"/>
-                        </a:lnSpc>
-                        <a:spcBef>
-                          <a:spcPts val="0"/>
-                        </a:spcBef>
-                        <a:spcAft>
-                          <a:spcPts val="0"/>
-                        </a:spcAft>
-                        <a:buClrTx/>
-                        <a:buSzTx/>
-                        <a:buFontTx/>
-                        <a:buNone/>
-                        <a:tabLst/>
-                        <a:defRPr/>
-                      </a:pPr>
-                      <a:r>
-                        <a:rPr lang="en-SG" sz="1800" b="0" i="0" kern="1200" dirty="0" smtClean="0">
-                          <a:solidFill>
-                            <a:schemeClr val="dk1"/>
-                          </a:solidFill>
-                          <a:effectLst/>
-                          <a:latin typeface="+mn-lt"/>
-                          <a:ea typeface="+mn-ea"/>
-                          <a:cs typeface="+mn-cs"/>
-                        </a:rPr>
-                        <a:t>Shu Wen</a:t>
-                      </a:r>
-                    </a:p>
-                    <a:p>
-                      <a:pPr marL="0" marR="0" indent="0" algn="l" defTabSz="457200" rtl="0" eaLnBrk="1" fontAlgn="auto" latinLnBrk="0" hangingPunct="1">
-                        <a:lnSpc>
-                          <a:spcPct val="100000"/>
-                        </a:lnSpc>
-                        <a:spcBef>
-                          <a:spcPts val="0"/>
-                        </a:spcBef>
-                        <a:spcAft>
-                          <a:spcPts val="0"/>
-                        </a:spcAft>
-                        <a:buClrTx/>
-                        <a:buSzTx/>
-                        <a:buFontTx/>
-                        <a:buNone/>
-                        <a:tabLst/>
-                        <a:defRPr/>
-                      </a:pPr>
-                      <a:r>
-                        <a:rPr lang="en-SG" sz="1800" b="0" i="0" kern="1200" dirty="0" smtClean="0">
-                          <a:solidFill>
-                            <a:schemeClr val="dk1"/>
-                          </a:solidFill>
-                          <a:effectLst/>
-                          <a:latin typeface="+mn-lt"/>
-                          <a:ea typeface="+mn-ea"/>
-                          <a:cs typeface="+mn-cs"/>
-                        </a:rPr>
-                        <a:t>Nabilah</a:t>
-                      </a:r>
-                    </a:p>
-                    <a:p>
-                      <a:pPr marL="0" marR="0" indent="0" algn="l" defTabSz="457200" rtl="0" eaLnBrk="1" fontAlgn="auto" latinLnBrk="0" hangingPunct="1">
-                        <a:lnSpc>
-                          <a:spcPct val="100000"/>
-                        </a:lnSpc>
-                        <a:spcBef>
-                          <a:spcPts val="0"/>
-                        </a:spcBef>
-                        <a:spcAft>
-                          <a:spcPts val="0"/>
-                        </a:spcAft>
-                        <a:buClrTx/>
-                        <a:buSzTx/>
-                        <a:buFontTx/>
-                        <a:buNone/>
-                        <a:tabLst/>
-                        <a:defRPr/>
-                      </a:pPr>
-                      <a:r>
-                        <a:rPr lang="en-SG" dirty="0" smtClean="0"/>
-                        <a:t/>
-                      </a:r>
-                      <a:br>
-                        <a:rPr lang="en-SG" dirty="0" smtClean="0"/>
-                      </a:br>
-                      <a:endParaRPr lang="en-SG" dirty="0" smtClean="0"/>
-                    </a:p>
-                    <a:p>
-                      <a:pPr algn="l"/>
-                      <a:endParaRPr lang="en-SG" dirty="0"/>
-                    </a:p>
-                  </a:txBody>
-                  <a:tcPr anchor="ctr"/>
-                </a:tc>
-              </a:tr>
-            </a:tbl>
-          </a:graphicData>
-        </a:graphic>
-      </p:graphicFrame>
+      <p:pic>
+        <p:nvPicPr>
+          <p:cNvPr id="4" name="Picture 3"/>
+          <p:cNvPicPr>
+            <a:picLocks noChangeAspect="1"/>
+          </p:cNvPicPr>
+          <p:nvPr/>
+        </p:nvPicPr>
+        <p:blipFill>
+          <a:blip r:embed="rId2"/>
+          <a:stretch>
+            <a:fillRect/>
+          </a:stretch>
+        </p:blipFill>
+        <p:spPr>
+          <a:xfrm>
+            <a:off x="2914649" y="2019300"/>
+            <a:ext cx="8555356" cy="4611786"/>
+          </a:xfrm>
+          <a:prstGeom prst="rect">
+            <a:avLst/>
+          </a:prstGeom>
+        </p:spPr>
+      </p:pic>
     </p:spTree>
     <p:extLst>
       <p:ext uri="{BB962C8B-B14F-4D97-AF65-F5344CB8AC3E}">
-        <p14:creationId xmlns:p14="http://schemas.microsoft.com/office/powerpoint/2010/main" val="1304075444"/>
+        <p14:creationId xmlns:p14="http://schemas.microsoft.com/office/powerpoint/2010/main" val="4098362748"/>
       </p:ext>
     </p:extLst>
   </p:cSld>
@@ -12730,61 +12831,6 @@
       </p:sp>
       <p:sp>
         <p:nvSpPr>
-          <p:cNvPr id="5" name="TextBox 4"/>
-          <p:cNvSpPr txBox="1"/>
-          <p:nvPr/>
-        </p:nvSpPr>
-        <p:spPr>
-          <a:xfrm>
-            <a:off x="2105978" y="424138"/>
-            <a:ext cx="2672080" cy="369332"/>
-          </a:xfrm>
-          <a:prstGeom prst="rect">
-            <a:avLst/>
-          </a:prstGeom>
-          <a:noFill/>
-        </p:spPr>
-        <p:txBody>
-          <a:bodyPr wrap="square" rtlCol="0">
-            <a:spAutoFit/>
-          </a:bodyPr>
-          <a:lstStyle/>
-          <a:p>
-            <a:pPr algn="ctr"/>
-            <a:r>
-              <a:rPr lang="en-SG" dirty="0" smtClean="0">
-                <a:solidFill>
-                  <a:srgbClr val="FFFF00"/>
-                </a:solidFill>
-                <a:effectLst>
-                  <a:glow rad="139700">
-                    <a:schemeClr val="accent3">
-                      <a:satMod val="175000"/>
-                      <a:alpha val="40000"/>
-                    </a:schemeClr>
-                  </a:glow>
-                </a:effectLst>
-              </a:rPr>
-              <a:t>Project Schedule</a:t>
-            </a:r>
-            <a:endParaRPr lang="en-SG" dirty="0">
-              <a:solidFill>
-                <a:srgbClr val="FFFF00"/>
-              </a:solidFill>
-              <a:effectLst>
-                <a:glow rad="139700">
-                  <a:schemeClr val="accent3">
-                    <a:satMod val="175000"/>
-                    <a:alpha val="40000"/>
-                  </a:schemeClr>
-                </a:glow>
-              </a:effectLst>
-            </a:endParaRPr>
-          </a:p>
-        </p:txBody>
-      </p:sp>
-      <p:sp>
-        <p:nvSpPr>
           <p:cNvPr id="6" name="TextBox 5"/>
           <p:cNvSpPr txBox="1"/>
           <p:nvPr/>
@@ -12949,7 +12995,7 @@
           <a:p>
             <a:pPr algn="ctr"/>
             <a:r>
-              <a:rPr lang="en-SG" sz="2800" dirty="0" smtClean="0">
+              <a:rPr lang="en-SG" sz="2800" b="1" dirty="0" smtClean="0">
                 <a:solidFill>
                   <a:srgbClr val="002060"/>
                 </a:solidFill>
@@ -12964,7 +13010,7 @@
             <a:r>
               <a:rPr lang="en-SG" sz="2800" dirty="0">
                 <a:solidFill>
-                  <a:schemeClr val="tx1"/>
+                  <a:srgbClr val="212121"/>
                 </a:solidFill>
               </a:rPr>
               <a:t>28/8/2015 </a:t>
@@ -12972,7 +13018,7 @@
             <a:r>
               <a:rPr lang="en-SG" sz="2800" dirty="0" smtClean="0">
                 <a:solidFill>
-                  <a:schemeClr val="tx1"/>
+                  <a:srgbClr val="212121"/>
                 </a:solidFill>
               </a:rPr>
               <a:t> </a:t>
@@ -12980,12 +13026,11 @@
             <a:r>
               <a:rPr lang="en-SG" sz="2800" dirty="0">
                 <a:solidFill>
-                  <a:schemeClr val="tx1"/>
+                  <a:srgbClr val="212121"/>
                 </a:solidFill>
               </a:rPr>
               <a:t>12/9/2015 </a:t>
             </a:r>
-            <a:endParaRPr lang="en-SG" sz="2800" dirty="0"/>
           </a:p>
         </p:txBody>
       </p:sp>
@@ -13030,7 +13075,7 @@
           <a:p>
             <a:pPr algn="ctr"/>
             <a:r>
-              <a:rPr lang="en-SG" sz="2800" dirty="0" smtClean="0">
+              <a:rPr lang="en-SG" sz="2800" b="1" dirty="0" smtClean="0">
                 <a:solidFill>
                   <a:srgbClr val="002060"/>
                 </a:solidFill>
@@ -13045,7 +13090,7 @@
             <a:r>
               <a:rPr lang="en-SG" sz="2800" dirty="0" smtClean="0">
                 <a:solidFill>
-                  <a:schemeClr val="tx1"/>
+                  <a:srgbClr val="212121"/>
                 </a:solidFill>
               </a:rPr>
               <a:t>12/9/2015</a:t>
@@ -13058,14 +13103,14 @@
             <a:r>
               <a:rPr lang="en-SG" sz="2800" dirty="0" smtClean="0">
                 <a:solidFill>
-                  <a:schemeClr val="tx1"/>
+                  <a:srgbClr val="212121"/>
                 </a:solidFill>
               </a:rPr>
-              <a:t>25/09/201</a:t>
+              <a:t>25/09/2015</a:t>
             </a:r>
             <a:endParaRPr lang="en-SG" sz="2800" dirty="0">
               <a:solidFill>
-                <a:schemeClr val="tx1"/>
+                <a:srgbClr val="212121"/>
               </a:solidFill>
             </a:endParaRPr>
           </a:p>
@@ -13114,12 +13159,20 @@
           <a:p>
             <a:pPr algn="ctr"/>
             <a:r>
+              <a:rPr lang="en-SG" sz="2800" b="1" dirty="0" smtClean="0">
+                <a:solidFill>
+                  <a:srgbClr val="002060"/>
+                </a:solidFill>
+              </a:rPr>
+              <a:t>ITERATION</a:t>
+            </a:r>
+            <a:r>
               <a:rPr lang="en-SG" sz="2800" dirty="0" smtClean="0">
                 <a:solidFill>
                   <a:srgbClr val="002060"/>
                 </a:solidFill>
               </a:rPr>
-              <a:t>ITERATION 3</a:t>
+              <a:t> 3</a:t>
             </a:r>
           </a:p>
           <a:p>
@@ -13127,7 +13180,7 @@
             <a:r>
               <a:rPr lang="en-SG" sz="2800" dirty="0" smtClean="0">
                 <a:solidFill>
-                  <a:schemeClr val="tx1"/>
+                  <a:srgbClr val="212121"/>
                 </a:solidFill>
               </a:rPr>
               <a:t>25/09/2015</a:t>
@@ -13138,14 +13191,14 @@
             <a:r>
               <a:rPr lang="en-SG" sz="2800" dirty="0" smtClean="0">
                 <a:solidFill>
-                  <a:schemeClr val="tx1"/>
+                  <a:srgbClr val="212121"/>
                 </a:solidFill>
               </a:rPr>
               <a:t>09/10/2015</a:t>
             </a:r>
             <a:endParaRPr lang="en-SG" sz="2800" dirty="0">
               <a:solidFill>
-                <a:schemeClr val="tx1"/>
+                <a:srgbClr val="212121"/>
               </a:solidFill>
             </a:endParaRPr>
           </a:p>
@@ -13302,8 +13355,8 @@
         </p:nvSpPr>
         <p:spPr>
           <a:xfrm>
-            <a:off x="8352004" y="3071673"/>
-            <a:ext cx="3484909" cy="3786327"/>
+            <a:off x="8191984" y="3071673"/>
+            <a:ext cx="4232426" cy="3786327"/>
           </a:xfrm>
           <a:prstGeom prst="rect">
             <a:avLst/>
@@ -13405,6 +13458,17 @@
               <a:buChar char="•"/>
             </a:pPr>
             <a:r>
+              <a:rPr lang="en-SG" sz="2000" b="1" dirty="0" err="1" smtClean="0">
+                <a:solidFill>
+                  <a:schemeClr val="bg1">
+                    <a:lumMod val="95000"/>
+                    <a:lumOff val="5000"/>
+                  </a:schemeClr>
+                </a:solidFill>
+              </a:rPr>
+              <a:t>SmartPhone</a:t>
+            </a:r>
+            <a:r>
               <a:rPr lang="en-SG" sz="2000" b="1" dirty="0" smtClean="0">
                 <a:solidFill>
                   <a:schemeClr val="bg1">
@@ -13413,7 +13477,7 @@
                   </a:schemeClr>
                 </a:solidFill>
               </a:rPr>
-              <a:t>Usage Heatmap</a:t>
+              <a:t> Usage Heatmap</a:t>
             </a:r>
           </a:p>
           <a:p>
@@ -13547,6 +13611,85 @@
               </a:rPr>
               <a:t>Sequence Diagram</a:t>
             </a:r>
+          </a:p>
+        </p:txBody>
+      </p:sp>
+      <p:sp>
+        <p:nvSpPr>
+          <p:cNvPr id="17" name="Rectangle 16"/>
+          <p:cNvSpPr/>
+          <p:nvPr/>
+        </p:nvSpPr>
+        <p:spPr>
+          <a:xfrm>
+            <a:off x="2356393" y="275478"/>
+            <a:ext cx="2235927" cy="646331"/>
+          </a:xfrm>
+          <a:prstGeom prst="rect">
+            <a:avLst/>
+          </a:prstGeom>
+        </p:spPr>
+        <p:style>
+          <a:lnRef idx="2">
+            <a:schemeClr val="accent6"/>
+          </a:lnRef>
+          <a:fillRef idx="1">
+            <a:schemeClr val="lt1"/>
+          </a:fillRef>
+          <a:effectRef idx="0">
+            <a:schemeClr val="accent6"/>
+          </a:effectRef>
+          <a:fontRef idx="minor">
+            <a:schemeClr val="dk1"/>
+          </a:fontRef>
+        </p:style>
+        <p:txBody>
+          <a:bodyPr rtlCol="0" anchor="ctr"/>
+          <a:lstStyle/>
+          <a:p>
+            <a:pPr algn="ctr"/>
+            <a:endParaRPr lang="en-SG"/>
+          </a:p>
+        </p:txBody>
+      </p:sp>
+      <p:sp>
+        <p:nvSpPr>
+          <p:cNvPr id="5" name="TextBox 4"/>
+          <p:cNvSpPr txBox="1"/>
+          <p:nvPr/>
+        </p:nvSpPr>
+        <p:spPr>
+          <a:xfrm>
+            <a:off x="2120172" y="436824"/>
+            <a:ext cx="2672080" cy="369332"/>
+          </a:xfrm>
+          <a:prstGeom prst="rect">
+            <a:avLst/>
+          </a:prstGeom>
+          <a:noFill/>
+        </p:spPr>
+        <p:txBody>
+          <a:bodyPr wrap="square" rtlCol="0">
+            <a:spAutoFit/>
+          </a:bodyPr>
+          <a:lstStyle/>
+          <a:p>
+            <a:pPr algn="ctr"/>
+            <a:r>
+              <a:rPr lang="en-SG" b="1" dirty="0" smtClean="0">
+                <a:solidFill>
+                  <a:schemeClr val="bg1"/>
+                </a:solidFill>
+                <a:effectLst/>
+              </a:rPr>
+              <a:t>Project Schedule</a:t>
+            </a:r>
+            <a:endParaRPr lang="en-SG" b="1" dirty="0">
+              <a:solidFill>
+                <a:schemeClr val="bg1"/>
+              </a:solidFill>
+              <a:effectLst/>
+            </a:endParaRPr>
           </a:p>
         </p:txBody>
       </p:sp>
@@ -13630,6 +13773,44 @@
       </p:sp>
       <p:sp>
         <p:nvSpPr>
+          <p:cNvPr id="19" name="Rectangle 18"/>
+          <p:cNvSpPr/>
+          <p:nvPr/>
+        </p:nvSpPr>
+        <p:spPr>
+          <a:xfrm>
+            <a:off x="2348091" y="309330"/>
+            <a:ext cx="2235927" cy="646331"/>
+          </a:xfrm>
+          <a:prstGeom prst="rect">
+            <a:avLst/>
+          </a:prstGeom>
+        </p:spPr>
+        <p:style>
+          <a:lnRef idx="2">
+            <a:schemeClr val="accent6"/>
+          </a:lnRef>
+          <a:fillRef idx="1">
+            <a:schemeClr val="lt1"/>
+          </a:fillRef>
+          <a:effectRef idx="0">
+            <a:schemeClr val="accent6"/>
+          </a:effectRef>
+          <a:fontRef idx="minor">
+            <a:schemeClr val="dk1"/>
+          </a:fontRef>
+        </p:style>
+        <p:txBody>
+          <a:bodyPr rtlCol="0" anchor="ctr"/>
+          <a:lstStyle/>
+          <a:p>
+            <a:pPr algn="ctr"/>
+            <a:endParaRPr lang="en-SG"/>
+          </a:p>
+        </p:txBody>
+      </p:sp>
+      <p:sp>
+        <p:nvSpPr>
           <p:cNvPr id="4" name="TextBox 3"/>
           <p:cNvSpPr txBox="1"/>
           <p:nvPr/>
@@ -13666,7 +13847,7 @@
         </p:nvSpPr>
         <p:spPr>
           <a:xfrm>
-            <a:off x="2105978" y="424138"/>
+            <a:off x="2120172" y="432939"/>
             <a:ext cx="2672080" cy="369332"/>
           </a:xfrm>
           <a:prstGeom prst="rect">
@@ -13682,34 +13863,13 @@
           <a:p>
             <a:pPr algn="ctr"/>
             <a:r>
-              <a:rPr lang="en-SG" dirty="0" smtClean="0">
+              <a:rPr lang="en-SG" b="1" dirty="0">
                 <a:solidFill>
-                  <a:srgbClr val="FFFF00"/>
+                  <a:schemeClr val="bg1"/>
                 </a:solidFill>
-                <a:effectLst>
-                  <a:glow rad="139700">
-                    <a:schemeClr val="accent3">
-                      <a:satMod val="175000"/>
-                      <a:alpha val="40000"/>
-                    </a:schemeClr>
-                  </a:glow>
-                </a:effectLst>
               </a:rPr>
               <a:t>Project Schedule</a:t>
             </a:r>
-            <a:endParaRPr lang="en-SG" dirty="0">
-              <a:solidFill>
-                <a:srgbClr val="FFFF00"/>
-              </a:solidFill>
-              <a:effectLst>
-                <a:glow rad="139700">
-                  <a:schemeClr val="accent3">
-                    <a:satMod val="175000"/>
-                    <a:alpha val="40000"/>
-                  </a:schemeClr>
-                </a:glow>
-              </a:effectLst>
-            </a:endParaRPr>
           </a:p>
         </p:txBody>
       </p:sp>
@@ -13871,7 +14031,7 @@
           <a:p>
             <a:pPr algn="ctr"/>
             <a:r>
-              <a:rPr lang="en-SG" sz="2800" dirty="0" smtClean="0">
+              <a:rPr lang="en-SG" sz="2800" b="1" dirty="0" smtClean="0">
                 <a:solidFill>
                   <a:srgbClr val="002060"/>
                 </a:solidFill>
@@ -13886,7 +14046,7 @@
             <a:r>
               <a:rPr lang="en-SG" sz="2800" dirty="0" smtClean="0">
                 <a:solidFill>
-                  <a:schemeClr val="tx1"/>
+                  <a:srgbClr val="212121"/>
                 </a:solidFill>
               </a:rPr>
               <a:t>09/10/2015</a:t>
@@ -13899,12 +14059,16 @@
             <a:r>
               <a:rPr lang="en-SG" sz="2800" dirty="0" smtClean="0">
                 <a:solidFill>
-                  <a:schemeClr val="tx1"/>
+                  <a:srgbClr val="212121"/>
                 </a:solidFill>
               </a:rPr>
               <a:t>23/10/2015</a:t>
             </a:r>
-            <a:endParaRPr lang="en-SG" sz="2800" dirty="0"/>
+            <a:endParaRPr lang="en-SG" sz="2800" dirty="0">
+              <a:solidFill>
+                <a:srgbClr val="212121"/>
+              </a:solidFill>
+            </a:endParaRPr>
           </a:p>
         </p:txBody>
       </p:sp>
@@ -13945,7 +14109,7 @@
           <a:p>
             <a:pPr algn="ctr"/>
             <a:r>
-              <a:rPr lang="en-SG" sz="2800" dirty="0" smtClean="0">
+              <a:rPr lang="en-SG" sz="2800" b="1" dirty="0" smtClean="0">
                 <a:solidFill>
                   <a:srgbClr val="002060"/>
                 </a:solidFill>
@@ -13960,7 +14124,7 @@
             <a:r>
               <a:rPr lang="en-SG" sz="2800" dirty="0" smtClean="0">
                 <a:solidFill>
-                  <a:schemeClr val="tx1"/>
+                  <a:srgbClr val="212121"/>
                 </a:solidFill>
               </a:rPr>
               <a:t>23/10/2015</a:t>
@@ -13973,7 +14137,7 @@
             <a:r>
               <a:rPr lang="en-SG" sz="2800" dirty="0">
                 <a:solidFill>
-                  <a:schemeClr val="tx1"/>
+                  <a:srgbClr val="212121"/>
                 </a:solidFill>
               </a:rPr>
               <a:t>05/11/2015</a:t>
@@ -14018,7 +14182,7 @@
           <a:p>
             <a:pPr algn="ctr"/>
             <a:r>
-              <a:rPr lang="en-SG" sz="2800" dirty="0" smtClean="0">
+              <a:rPr lang="en-SG" sz="2800" b="1" dirty="0" smtClean="0">
                 <a:solidFill>
                   <a:srgbClr val="002060"/>
                 </a:solidFill>
@@ -14031,7 +14195,7 @@
             <a:r>
               <a:rPr lang="en-SG" sz="2800" dirty="0" smtClean="0">
                 <a:solidFill>
-                  <a:schemeClr val="tx1"/>
+                  <a:srgbClr val="212121"/>
                 </a:solidFill>
               </a:rPr>
               <a:t>05/11/2015</a:t>
@@ -14042,12 +14206,11 @@
             <a:r>
               <a:rPr lang="en-SG" sz="2800" dirty="0" smtClean="0">
                 <a:solidFill>
-                  <a:schemeClr val="tx1"/>
+                  <a:srgbClr val="212121"/>
                 </a:solidFill>
               </a:rPr>
               <a:t>End</a:t>
             </a:r>
-            <a:endParaRPr lang="en-SG" sz="2800" dirty="0" smtClean="0"/>
           </a:p>
         </p:txBody>
       </p:sp>
@@ -14537,6 +14700,44 @@
       </p:sp>
       <p:sp>
         <p:nvSpPr>
+          <p:cNvPr id="19" name="Rectangle 18"/>
+          <p:cNvSpPr/>
+          <p:nvPr/>
+        </p:nvSpPr>
+        <p:spPr>
+          <a:xfrm>
+            <a:off x="2348091" y="309330"/>
+            <a:ext cx="2235927" cy="646331"/>
+          </a:xfrm>
+          <a:prstGeom prst="rect">
+            <a:avLst/>
+          </a:prstGeom>
+        </p:spPr>
+        <p:style>
+          <a:lnRef idx="2">
+            <a:schemeClr val="accent6"/>
+          </a:lnRef>
+          <a:fillRef idx="1">
+            <a:schemeClr val="lt1"/>
+          </a:fillRef>
+          <a:effectRef idx="0">
+            <a:schemeClr val="accent6"/>
+          </a:effectRef>
+          <a:fontRef idx="minor">
+            <a:schemeClr val="dk1"/>
+          </a:fontRef>
+        </p:style>
+        <p:txBody>
+          <a:bodyPr rtlCol="0" anchor="ctr"/>
+          <a:lstStyle/>
+          <a:p>
+            <a:pPr algn="ctr"/>
+            <a:endParaRPr lang="en-SG"/>
+          </a:p>
+        </p:txBody>
+      </p:sp>
+      <p:sp>
+        <p:nvSpPr>
           <p:cNvPr id="4" name="TextBox 3"/>
           <p:cNvSpPr txBox="1"/>
           <p:nvPr/>
@@ -14589,33 +14790,19 @@
           <a:p>
             <a:pPr algn="ctr"/>
             <a:r>
-              <a:rPr lang="en-SG" dirty="0" smtClean="0">
+              <a:rPr lang="en-SG" b="1" dirty="0" smtClean="0">
                 <a:solidFill>
-                  <a:srgbClr val="FFFF00"/>
+                  <a:srgbClr val="212121"/>
                 </a:solidFill>
-                <a:effectLst>
-                  <a:glow rad="139700">
-                    <a:schemeClr val="accent3">
-                      <a:satMod val="175000"/>
-                      <a:alpha val="40000"/>
-                    </a:schemeClr>
-                  </a:glow>
-                </a:effectLst>
+                <a:effectLst/>
               </a:rPr>
               <a:t>Project Schedule</a:t>
             </a:r>
-            <a:endParaRPr lang="en-SG" dirty="0">
+            <a:endParaRPr lang="en-SG" b="1" dirty="0">
               <a:solidFill>
-                <a:srgbClr val="FFFF00"/>
+                <a:srgbClr val="212121"/>
               </a:solidFill>
-              <a:effectLst>
-                <a:glow rad="139700">
-                  <a:schemeClr val="accent3">
-                    <a:satMod val="175000"/>
-                    <a:alpha val="40000"/>
-                  </a:schemeClr>
-                </a:glow>
-              </a:effectLst>
+              <a:effectLst/>
             </a:endParaRPr>
           </a:p>
         </p:txBody>
@@ -14720,7 +14907,7 @@
         <p:spPr>
           <a:xfrm>
             <a:off x="91440" y="1336331"/>
-            <a:ext cx="12156439" cy="1384995"/>
+            <a:ext cx="12156439" cy="1200329"/>
           </a:xfrm>
           <a:prstGeom prst="rect">
             <a:avLst/>
@@ -14734,7 +14921,7 @@
           <a:lstStyle/>
           <a:p>
             <a:r>
-              <a:rPr lang="en-SG" sz="2800" dirty="0" smtClean="0">
+              <a:rPr lang="en-SG" sz="3600" b="1" dirty="0" smtClean="0">
                 <a:solidFill>
                   <a:schemeClr val="accent1">
                     <a:lumMod val="60000"/>
@@ -14747,20 +14934,18 @@
           </a:p>
           <a:p>
             <a:r>
-              <a:rPr lang="en-SG" sz="2800" dirty="0" smtClean="0"/>
+              <a:rPr lang="en-SG" sz="3600" b="1" dirty="0" smtClean="0"/>
               <a:t>Iteration 5:    1</a:t>
             </a:r>
             <a:r>
-              <a:rPr lang="en-SG" sz="2800" baseline="30000" dirty="0" smtClean="0"/>
+              <a:rPr lang="en-SG" sz="3600" b="1" baseline="30000" dirty="0" smtClean="0"/>
               <a:t>st</a:t>
             </a:r>
             <a:r>
-              <a:rPr lang="en-SG" sz="2800" dirty="0" smtClean="0"/>
-              <a:t> half of the Iteration                  23/10/2015 - 30/11/2015 </a:t>
-            </a:r>
-          </a:p>
-          <a:p>
-            <a:endParaRPr lang="en-SG" sz="2800" dirty="0"/>
+              <a:rPr lang="en-SG" sz="3600" b="1" dirty="0" smtClean="0"/>
+              <a:t> half of the Iteration</a:t>
+            </a:r>
+            <a:endParaRPr lang="en-SG" sz="3600" b="1" dirty="0"/>
           </a:p>
         </p:txBody>
       </p:sp>
@@ -14815,7 +15000,11 @@
             <a:p>
               <a:pPr algn="ctr"/>
               <a:r>
-                <a:rPr lang="en-SG" sz="7200" dirty="0"/>
+                <a:rPr lang="en-SG" sz="7200" b="1" dirty="0">
+                  <a:solidFill>
+                    <a:srgbClr val="212121"/>
+                  </a:solidFill>
+                </a:rPr>
                 <a:t>1</a:t>
               </a:r>
             </a:p>
@@ -14858,10 +15047,18 @@
             <a:p>
               <a:pPr algn="ctr"/>
               <a:r>
-                <a:rPr lang="en-SG" sz="7200" dirty="0" smtClean="0"/>
+                <a:rPr lang="en-SG" sz="7200" b="1" dirty="0" smtClean="0">
+                  <a:solidFill>
+                    <a:srgbClr val="212121"/>
+                  </a:solidFill>
+                </a:rPr>
                 <a:t>2</a:t>
               </a:r>
-              <a:endParaRPr lang="en-SG" sz="7200" dirty="0"/>
+              <a:endParaRPr lang="en-SG" sz="7200" b="1" dirty="0">
+                <a:solidFill>
+                  <a:srgbClr val="212121"/>
+                </a:solidFill>
+              </a:endParaRPr>
             </a:p>
           </p:txBody>
         </p:sp>
@@ -14902,10 +15099,18 @@
             <a:p>
               <a:pPr algn="ctr"/>
               <a:r>
-                <a:rPr lang="en-SG" sz="7200" dirty="0" smtClean="0"/>
+                <a:rPr lang="en-SG" sz="7200" b="1" dirty="0" smtClean="0">
+                  <a:solidFill>
+                    <a:srgbClr val="212121"/>
+                  </a:solidFill>
+                </a:rPr>
                 <a:t>3</a:t>
               </a:r>
-              <a:endParaRPr lang="en-SG" sz="7200" dirty="0"/>
+              <a:endParaRPr lang="en-SG" sz="7200" b="1" dirty="0">
+                <a:solidFill>
+                  <a:srgbClr val="212121"/>
+                </a:solidFill>
+              </a:endParaRPr>
             </a:p>
           </p:txBody>
         </p:sp>
@@ -14946,10 +15151,18 @@
             <a:p>
               <a:pPr algn="ctr"/>
               <a:r>
-                <a:rPr lang="en-SG" sz="7200" dirty="0" smtClean="0"/>
+                <a:rPr lang="en-SG" sz="7200" b="1" dirty="0" smtClean="0">
+                  <a:solidFill>
+                    <a:srgbClr val="212121"/>
+                  </a:solidFill>
+                </a:rPr>
                 <a:t>4</a:t>
               </a:r>
-              <a:endParaRPr lang="en-SG" sz="7200" dirty="0"/>
+              <a:endParaRPr lang="en-SG" sz="7200" b="1" dirty="0">
+                <a:solidFill>
+                  <a:srgbClr val="212121"/>
+                </a:solidFill>
+              </a:endParaRPr>
             </a:p>
           </p:txBody>
         </p:sp>
@@ -14990,7 +15203,11 @@
             <a:p>
               <a:pPr algn="ctr"/>
               <a:r>
-                <a:rPr lang="en-SG" sz="7200" dirty="0"/>
+                <a:rPr lang="en-SG" sz="7200" b="1" dirty="0">
+                  <a:solidFill>
+                    <a:srgbClr val="212121"/>
+                  </a:solidFill>
+                </a:rPr>
                 <a:t>5</a:t>
               </a:r>
             </a:p>
@@ -15033,10 +15250,18 @@
             <a:p>
               <a:pPr algn="ctr"/>
               <a:r>
-                <a:rPr lang="en-SG" sz="7200" dirty="0" smtClean="0"/>
+                <a:rPr lang="en-SG" sz="7200" b="1" dirty="0" smtClean="0">
+                  <a:solidFill>
+                    <a:srgbClr val="212121"/>
+                  </a:solidFill>
+                </a:rPr>
                 <a:t>6</a:t>
               </a:r>
-              <a:endParaRPr lang="en-SG" sz="7200" dirty="0"/>
+              <a:endParaRPr lang="en-SG" sz="7200" b="1" dirty="0">
+                <a:solidFill>
+                  <a:srgbClr val="212121"/>
+                </a:solidFill>
+              </a:endParaRPr>
             </a:p>
           </p:txBody>
         </p:sp>
@@ -15127,7 +15352,7 @@
           <a:lstStyle/>
           <a:p>
             <a:pPr algn="ctr"/>
-            <a:endParaRPr lang="en-SG"/>
+            <a:endParaRPr lang="en-SG" b="1" dirty="0"/>
           </a:p>
         </p:txBody>
       </p:sp>
@@ -15139,12 +15364,12 @@
         </p:nvCxnSpPr>
         <p:spPr>
           <a:xfrm rot="10800000">
-            <a:off x="2105979" y="1589104"/>
+            <a:off x="2284481" y="1733483"/>
             <a:ext cx="6629649" cy="2055435"/>
           </a:xfrm>
           <a:prstGeom prst="curvedConnector3">
             <a:avLst>
-              <a:gd name="adj1" fmla="val 10229"/>
+              <a:gd name="adj1" fmla="val -30665"/>
             </a:avLst>
           </a:prstGeom>
           <a:ln>
@@ -15251,6 +15476,44 @@
       </p:sp>
       <p:sp>
         <p:nvSpPr>
+          <p:cNvPr id="27" name="Rectangle 26"/>
+          <p:cNvSpPr/>
+          <p:nvPr/>
+        </p:nvSpPr>
+        <p:spPr>
+          <a:xfrm>
+            <a:off x="2348091" y="309330"/>
+            <a:ext cx="2235927" cy="646331"/>
+          </a:xfrm>
+          <a:prstGeom prst="rect">
+            <a:avLst/>
+          </a:prstGeom>
+        </p:spPr>
+        <p:style>
+          <a:lnRef idx="2">
+            <a:schemeClr val="accent6"/>
+          </a:lnRef>
+          <a:fillRef idx="1">
+            <a:schemeClr val="lt1"/>
+          </a:fillRef>
+          <a:effectRef idx="0">
+            <a:schemeClr val="accent6"/>
+          </a:effectRef>
+          <a:fontRef idx="minor">
+            <a:schemeClr val="dk1"/>
+          </a:fontRef>
+        </p:style>
+        <p:txBody>
+          <a:bodyPr rtlCol="0" anchor="ctr"/>
+          <a:lstStyle/>
+          <a:p>
+            <a:pPr algn="ctr"/>
+            <a:endParaRPr lang="en-SG"/>
+          </a:p>
+        </p:txBody>
+      </p:sp>
+      <p:sp>
+        <p:nvSpPr>
           <p:cNvPr id="4" name="TextBox 3"/>
           <p:cNvSpPr txBox="1"/>
           <p:nvPr/>
@@ -15303,33 +15566,19 @@
           <a:p>
             <a:pPr algn="ctr"/>
             <a:r>
-              <a:rPr lang="en-SG" dirty="0" smtClean="0">
+              <a:rPr lang="en-SG" b="1" dirty="0" smtClean="0">
                 <a:solidFill>
-                  <a:srgbClr val="FFFF00"/>
+                  <a:srgbClr val="212121"/>
                 </a:solidFill>
-                <a:effectLst>
-                  <a:glow rad="139700">
-                    <a:schemeClr val="accent3">
-                      <a:satMod val="175000"/>
-                      <a:alpha val="40000"/>
-                    </a:schemeClr>
-                  </a:glow>
-                </a:effectLst>
+                <a:effectLst/>
               </a:rPr>
               <a:t>Project Schedule</a:t>
             </a:r>
-            <a:endParaRPr lang="en-SG" dirty="0">
+            <a:endParaRPr lang="en-SG" b="1" dirty="0">
               <a:solidFill>
-                <a:srgbClr val="FFFF00"/>
+                <a:srgbClr val="212121"/>
               </a:solidFill>
-              <a:effectLst>
-                <a:glow rad="139700">
-                  <a:schemeClr val="accent3">
-                    <a:satMod val="175000"/>
-                    <a:alpha val="40000"/>
-                  </a:schemeClr>
-                </a:glow>
-              </a:effectLst>
+              <a:effectLst/>
             </a:endParaRPr>
           </a:p>
         </p:txBody>
@@ -16371,6 +16620,44 @@
       </p:sp>
       <p:sp>
         <p:nvSpPr>
+          <p:cNvPr id="13" name="Rectangle 12"/>
+          <p:cNvSpPr/>
+          <p:nvPr/>
+        </p:nvSpPr>
+        <p:spPr>
+          <a:xfrm>
+            <a:off x="2348091" y="309330"/>
+            <a:ext cx="2235927" cy="646331"/>
+          </a:xfrm>
+          <a:prstGeom prst="rect">
+            <a:avLst/>
+          </a:prstGeom>
+        </p:spPr>
+        <p:style>
+          <a:lnRef idx="2">
+            <a:schemeClr val="accent6"/>
+          </a:lnRef>
+          <a:fillRef idx="1">
+            <a:schemeClr val="lt1"/>
+          </a:fillRef>
+          <a:effectRef idx="0">
+            <a:schemeClr val="accent6"/>
+          </a:effectRef>
+          <a:fontRef idx="minor">
+            <a:schemeClr val="dk1"/>
+          </a:fontRef>
+        </p:style>
+        <p:txBody>
+          <a:bodyPr rtlCol="0" anchor="ctr"/>
+          <a:lstStyle/>
+          <a:p>
+            <a:pPr algn="ctr"/>
+            <a:endParaRPr lang="en-SG"/>
+          </a:p>
+        </p:txBody>
+      </p:sp>
+      <p:sp>
+        <p:nvSpPr>
           <p:cNvPr id="4" name="TextBox 3"/>
           <p:cNvSpPr txBox="1"/>
           <p:nvPr/>
@@ -16423,33 +16710,19 @@
           <a:p>
             <a:pPr algn="ctr"/>
             <a:r>
-              <a:rPr lang="en-SG" dirty="0" smtClean="0">
+              <a:rPr lang="en-SG" b="1" dirty="0" smtClean="0">
                 <a:solidFill>
-                  <a:srgbClr val="FFFF00"/>
+                  <a:srgbClr val="212121"/>
                 </a:solidFill>
-                <a:effectLst>
-                  <a:glow rad="139700">
-                    <a:schemeClr val="accent3">
-                      <a:satMod val="175000"/>
-                      <a:alpha val="40000"/>
-                    </a:schemeClr>
-                  </a:glow>
-                </a:effectLst>
+                <a:effectLst/>
               </a:rPr>
               <a:t>Project Schedule</a:t>
             </a:r>
-            <a:endParaRPr lang="en-SG" dirty="0">
+            <a:endParaRPr lang="en-SG" b="1" dirty="0">
               <a:solidFill>
-                <a:srgbClr val="FFFF00"/>
+                <a:srgbClr val="212121"/>
               </a:solidFill>
-              <a:effectLst>
-                <a:glow rad="139700">
-                  <a:schemeClr val="accent3">
-                    <a:satMod val="175000"/>
-                    <a:alpha val="40000"/>
-                  </a:schemeClr>
-                </a:glow>
-              </a:effectLst>
+              <a:effectLst/>
             </a:endParaRPr>
           </a:p>
         </p:txBody>
@@ -16577,31 +16850,7 @@
       </p:sp>
       <p:pic>
         <p:nvPicPr>
-          <p:cNvPr id="12" name="Picture 11"/>
-          <p:cNvPicPr>
-            <a:picLocks noChangeAspect="1"/>
-          </p:cNvPicPr>
-          <p:nvPr/>
-        </p:nvPicPr>
-        <p:blipFill>
-          <a:blip r:embed="rId2"/>
-          <a:stretch>
-            <a:fillRect/>
-          </a:stretch>
-        </p:blipFill>
-        <p:spPr>
-          <a:xfrm>
-            <a:off x="0" y="2476500"/>
-            <a:ext cx="12183626" cy="4381500"/>
-          </a:xfrm>
-          <a:prstGeom prst="rect">
-            <a:avLst/>
-          </a:prstGeom>
-        </p:spPr>
-      </p:pic>
-      <p:pic>
-        <p:nvPicPr>
-          <p:cNvPr id="22" name="Picture 21"/>
+          <p:cNvPr id="17" name="Picture 16"/>
           <p:cNvPicPr>
             <a:picLocks noChangeAspect="1"/>
           </p:cNvPicPr>
@@ -16615,8 +16864,8 @@
         </p:blipFill>
         <p:spPr>
           <a:xfrm>
-            <a:off x="12201525" y="2486025"/>
-            <a:ext cx="10452615" cy="4383356"/>
+            <a:off x="45720" y="1689698"/>
+            <a:ext cx="12148491" cy="5168302"/>
           </a:xfrm>
           <a:prstGeom prst="rect">
             <a:avLst/>
@@ -16635,7 +16884,7 @@
   </p:clrMapOvr>
   <mc:AlternateContent xmlns:mc="http://schemas.openxmlformats.org/markup-compatibility/2006" xmlns:p14="http://schemas.microsoft.com/office/powerpoint/2010/main">
     <mc:Choice Requires="p14">
-      <p:transition p14:dur="0"/>
+      <p:transition p14:dur="10"/>
     </mc:Choice>
     <mc:Fallback xmlns="">
       <p:transition/>
@@ -16703,353 +16952,18 @@
       </p:sp>
       <p:sp>
         <p:nvSpPr>
-          <p:cNvPr id="4" name="TextBox 3"/>
-          <p:cNvSpPr txBox="1"/>
+          <p:cNvPr id="15" name="Rectangle 14"/>
+          <p:cNvSpPr/>
           <p:nvPr/>
         </p:nvSpPr>
         <p:spPr>
           <a:xfrm>
-            <a:off x="192220" y="413978"/>
-            <a:ext cx="1800000" cy="540000"/>
+            <a:off x="2348091" y="309330"/>
+            <a:ext cx="2235927" cy="646331"/>
           </a:xfrm>
           <a:prstGeom prst="rect">
             <a:avLst/>
           </a:prstGeom>
-          <a:noFill/>
-        </p:spPr>
-        <p:txBody>
-          <a:bodyPr wrap="square" rtlCol="0">
-            <a:spAutoFit/>
-          </a:bodyPr>
-          <a:lstStyle/>
-          <a:p>
-            <a:r>
-              <a:rPr lang="en-SG" dirty="0" smtClean="0"/>
-              <a:t>Functionalities</a:t>
-            </a:r>
-            <a:endParaRPr lang="en-SG" dirty="0"/>
-          </a:p>
-        </p:txBody>
-      </p:sp>
-      <p:sp>
-        <p:nvSpPr>
-          <p:cNvPr id="5" name="TextBox 4"/>
-          <p:cNvSpPr txBox="1"/>
-          <p:nvPr/>
-        </p:nvSpPr>
-        <p:spPr>
-          <a:xfrm>
-            <a:off x="2105978" y="424138"/>
-            <a:ext cx="2672080" cy="369332"/>
-          </a:xfrm>
-          <a:prstGeom prst="rect">
-            <a:avLst/>
-          </a:prstGeom>
-          <a:noFill/>
-        </p:spPr>
-        <p:txBody>
-          <a:bodyPr wrap="square" rtlCol="0">
-            <a:spAutoFit/>
-          </a:bodyPr>
-          <a:lstStyle/>
-          <a:p>
-            <a:pPr algn="ctr"/>
-            <a:r>
-              <a:rPr lang="en-SG" dirty="0" smtClean="0">
-                <a:solidFill>
-                  <a:srgbClr val="FFFF00"/>
-                </a:solidFill>
-                <a:effectLst>
-                  <a:glow rad="139700">
-                    <a:schemeClr val="accent3">
-                      <a:satMod val="175000"/>
-                      <a:alpha val="40000"/>
-                    </a:schemeClr>
-                  </a:glow>
-                </a:effectLst>
-              </a:rPr>
-              <a:t>Project Schedule</a:t>
-            </a:r>
-            <a:endParaRPr lang="en-SG" dirty="0">
-              <a:solidFill>
-                <a:srgbClr val="FFFF00"/>
-              </a:solidFill>
-              <a:effectLst>
-                <a:glow rad="139700">
-                  <a:schemeClr val="accent3">
-                    <a:satMod val="175000"/>
-                    <a:alpha val="40000"/>
-                  </a:schemeClr>
-                </a:glow>
-              </a:effectLst>
-            </a:endParaRPr>
-          </a:p>
-        </p:txBody>
-      </p:sp>
-      <p:sp>
-        <p:nvSpPr>
-          <p:cNvPr id="6" name="TextBox 5"/>
-          <p:cNvSpPr txBox="1"/>
-          <p:nvPr/>
-        </p:nvSpPr>
-        <p:spPr>
-          <a:xfrm>
-            <a:off x="6242050" y="437890"/>
-            <a:ext cx="2672080" cy="369332"/>
-          </a:xfrm>
-          <a:prstGeom prst="rect">
-            <a:avLst/>
-          </a:prstGeom>
-          <a:noFill/>
-        </p:spPr>
-        <p:txBody>
-          <a:bodyPr wrap="square" rtlCol="0">
-            <a:spAutoFit/>
-          </a:bodyPr>
-          <a:lstStyle/>
-          <a:p>
-            <a:r>
-              <a:rPr lang="en-SG" dirty="0" smtClean="0"/>
-              <a:t>Roles &amp; Responsibilities</a:t>
-            </a:r>
-            <a:endParaRPr lang="en-SG" dirty="0"/>
-          </a:p>
-        </p:txBody>
-      </p:sp>
-      <p:sp>
-        <p:nvSpPr>
-          <p:cNvPr id="7" name="TextBox 6"/>
-          <p:cNvSpPr txBox="1"/>
-          <p:nvPr/>
-        </p:nvSpPr>
-        <p:spPr>
-          <a:xfrm>
-            <a:off x="4442050" y="434991"/>
-            <a:ext cx="1800000" cy="540000"/>
-          </a:xfrm>
-          <a:prstGeom prst="rect">
-            <a:avLst/>
-          </a:prstGeom>
-          <a:noFill/>
-        </p:spPr>
-        <p:txBody>
-          <a:bodyPr wrap="square" rtlCol="0">
-            <a:spAutoFit/>
-          </a:bodyPr>
-          <a:lstStyle/>
-          <a:p>
-            <a:pPr algn="ctr"/>
-            <a:r>
-              <a:rPr lang="en-SG" dirty="0" smtClean="0"/>
-              <a:t>Metrics</a:t>
-            </a:r>
-            <a:endParaRPr lang="en-SG" dirty="0"/>
-          </a:p>
-        </p:txBody>
-      </p:sp>
-      <p:sp>
-        <p:nvSpPr>
-          <p:cNvPr id="8" name="TextBox 7"/>
-          <p:cNvSpPr txBox="1"/>
-          <p:nvPr/>
-        </p:nvSpPr>
-        <p:spPr>
-          <a:xfrm>
-            <a:off x="9170035" y="434991"/>
-            <a:ext cx="3962400" cy="369332"/>
-          </a:xfrm>
-          <a:prstGeom prst="rect">
-            <a:avLst/>
-          </a:prstGeom>
-          <a:noFill/>
-        </p:spPr>
-        <p:txBody>
-          <a:bodyPr wrap="square" rtlCol="0">
-            <a:spAutoFit/>
-          </a:bodyPr>
-          <a:lstStyle/>
-          <a:p>
-            <a:r>
-              <a:rPr lang="en-SG" dirty="0" smtClean="0"/>
-              <a:t>PP Team &amp; Rotation Plans</a:t>
-            </a:r>
-            <a:endParaRPr lang="en-SG" dirty="0"/>
-          </a:p>
-        </p:txBody>
-      </p:sp>
-      <p:pic>
-        <p:nvPicPr>
-          <p:cNvPr id="10" name="Picture 9"/>
-          <p:cNvPicPr>
-            <a:picLocks noChangeAspect="1"/>
-          </p:cNvPicPr>
-          <p:nvPr/>
-        </p:nvPicPr>
-        <p:blipFill>
-          <a:blip r:embed="rId2"/>
-          <a:stretch>
-            <a:fillRect/>
-          </a:stretch>
-        </p:blipFill>
-        <p:spPr>
-          <a:xfrm>
-            <a:off x="-19050" y="2486025"/>
-            <a:ext cx="10452615" cy="4383356"/>
-          </a:xfrm>
-          <a:prstGeom prst="rect">
-            <a:avLst/>
-          </a:prstGeom>
-        </p:spPr>
-      </p:pic>
-      <p:sp>
-        <p:nvSpPr>
-          <p:cNvPr id="11" name="Rectangle 10"/>
-          <p:cNvSpPr/>
-          <p:nvPr/>
-        </p:nvSpPr>
-        <p:spPr>
-          <a:xfrm>
-            <a:off x="1092220" y="5467350"/>
-            <a:ext cx="1152525" cy="333375"/>
-          </a:xfrm>
-          <a:prstGeom prst="rect">
-            <a:avLst/>
-          </a:prstGeom>
-          <a:solidFill>
-            <a:srgbClr val="538135"/>
-          </a:solidFill>
-          <a:ln>
-            <a:solidFill>
-              <a:srgbClr val="538135"/>
-            </a:solidFill>
-          </a:ln>
-        </p:spPr>
-        <p:style>
-          <a:lnRef idx="2">
-            <a:schemeClr val="accent1">
-              <a:shade val="50000"/>
-            </a:schemeClr>
-          </a:lnRef>
-          <a:fillRef idx="1">
-            <a:schemeClr val="accent1"/>
-          </a:fillRef>
-          <a:effectRef idx="0">
-            <a:schemeClr val="accent1"/>
-          </a:effectRef>
-          <a:fontRef idx="minor">
-            <a:schemeClr val="lt1"/>
-          </a:fontRef>
-        </p:style>
-        <p:txBody>
-          <a:bodyPr rtlCol="0" anchor="ctr"/>
-          <a:lstStyle/>
-          <a:p>
-            <a:pPr algn="ctr"/>
-            <a:r>
-              <a:rPr lang="en-SG" dirty="0" smtClean="0"/>
-              <a:t>Cont.</a:t>
-            </a:r>
-            <a:endParaRPr lang="en-SG" dirty="0"/>
-          </a:p>
-        </p:txBody>
-      </p:sp>
-      <p:sp>
-        <p:nvSpPr>
-          <p:cNvPr id="12" name="Rectangle 11"/>
-          <p:cNvSpPr/>
-          <p:nvPr/>
-        </p:nvSpPr>
-        <p:spPr>
-          <a:xfrm>
-            <a:off x="10433565" y="2486025"/>
-            <a:ext cx="1768594" cy="4383356"/>
-          </a:xfrm>
-          <a:prstGeom prst="rect">
-            <a:avLst/>
-          </a:prstGeom>
-          <a:solidFill>
-            <a:schemeClr val="tx1"/>
-          </a:solidFill>
-          <a:ln>
-            <a:solidFill>
-              <a:schemeClr val="tx1"/>
-            </a:solidFill>
-          </a:ln>
-        </p:spPr>
-        <p:style>
-          <a:lnRef idx="2">
-            <a:schemeClr val="accent1">
-              <a:shade val="50000"/>
-            </a:schemeClr>
-          </a:lnRef>
-          <a:fillRef idx="1">
-            <a:schemeClr val="accent1"/>
-          </a:fillRef>
-          <a:effectRef idx="0">
-            <a:schemeClr val="accent1"/>
-          </a:effectRef>
-          <a:fontRef idx="minor">
-            <a:schemeClr val="lt1"/>
-          </a:fontRef>
-        </p:style>
-        <p:txBody>
-          <a:bodyPr rtlCol="0" anchor="ctr"/>
-          <a:lstStyle/>
-          <a:p>
-            <a:pPr algn="ctr"/>
-            <a:endParaRPr lang="en-SG"/>
-          </a:p>
-        </p:txBody>
-      </p:sp>
-      <p:sp>
-        <p:nvSpPr>
-          <p:cNvPr id="13" name="TextBox 12"/>
-          <p:cNvSpPr txBox="1"/>
-          <p:nvPr/>
-        </p:nvSpPr>
-        <p:spPr>
-          <a:xfrm>
-            <a:off x="45720" y="1166478"/>
-            <a:ext cx="12156439" cy="523220"/>
-          </a:xfrm>
-          <a:prstGeom prst="rect">
-            <a:avLst/>
-          </a:prstGeom>
-          <a:noFill/>
-        </p:spPr>
-        <p:txBody>
-          <a:bodyPr wrap="square" rtlCol="0">
-            <a:spAutoFit/>
-          </a:bodyPr>
-          <a:lstStyle/>
-          <a:p>
-            <a:r>
-              <a:rPr lang="en-SG" sz="2800" dirty="0" smtClean="0"/>
-              <a:t>---------</a:t>
-            </a:r>
-            <a:endParaRPr lang="en-SG" sz="2800" dirty="0"/>
-          </a:p>
-        </p:txBody>
-      </p:sp>
-      <p:sp>
-        <p:nvSpPr>
-          <p:cNvPr id="14" name="Isosceles Triangle 13"/>
-          <p:cNvSpPr/>
-          <p:nvPr/>
-        </p:nvSpPr>
-        <p:spPr>
-          <a:xfrm rot="5400000">
-            <a:off x="1143000" y="1316050"/>
-            <a:ext cx="447675" cy="318098"/>
-          </a:xfrm>
-          <a:prstGeom prst="triangle">
-            <a:avLst/>
-          </a:prstGeom>
-          <a:ln>
-            <a:solidFill>
-              <a:schemeClr val="tx1"/>
-            </a:solidFill>
-          </a:ln>
         </p:spPr>
         <p:style>
           <a:lnRef idx="2">
@@ -17074,6 +16988,265 @@
           </a:p>
         </p:txBody>
       </p:sp>
+      <p:sp>
+        <p:nvSpPr>
+          <p:cNvPr id="4" name="TextBox 3"/>
+          <p:cNvSpPr txBox="1"/>
+          <p:nvPr/>
+        </p:nvSpPr>
+        <p:spPr>
+          <a:xfrm>
+            <a:off x="192220" y="413978"/>
+            <a:ext cx="1800000" cy="540000"/>
+          </a:xfrm>
+          <a:prstGeom prst="rect">
+            <a:avLst/>
+          </a:prstGeom>
+          <a:noFill/>
+        </p:spPr>
+        <p:txBody>
+          <a:bodyPr wrap="square" rtlCol="0">
+            <a:spAutoFit/>
+          </a:bodyPr>
+          <a:lstStyle/>
+          <a:p>
+            <a:r>
+              <a:rPr lang="en-SG" dirty="0" smtClean="0"/>
+              <a:t>Functionalities</a:t>
+            </a:r>
+            <a:endParaRPr lang="en-SG" dirty="0"/>
+          </a:p>
+        </p:txBody>
+      </p:sp>
+      <p:sp>
+        <p:nvSpPr>
+          <p:cNvPr id="5" name="TextBox 4"/>
+          <p:cNvSpPr txBox="1"/>
+          <p:nvPr/>
+        </p:nvSpPr>
+        <p:spPr>
+          <a:xfrm>
+            <a:off x="2105978" y="424138"/>
+            <a:ext cx="2672080" cy="369332"/>
+          </a:xfrm>
+          <a:prstGeom prst="rect">
+            <a:avLst/>
+          </a:prstGeom>
+          <a:noFill/>
+        </p:spPr>
+        <p:txBody>
+          <a:bodyPr wrap="square" rtlCol="0">
+            <a:spAutoFit/>
+          </a:bodyPr>
+          <a:lstStyle/>
+          <a:p>
+            <a:pPr algn="ctr"/>
+            <a:r>
+              <a:rPr lang="en-SG" b="1" dirty="0" smtClean="0">
+                <a:solidFill>
+                  <a:srgbClr val="212121"/>
+                </a:solidFill>
+                <a:effectLst/>
+              </a:rPr>
+              <a:t>Project Schedule</a:t>
+            </a:r>
+            <a:endParaRPr lang="en-SG" b="1" dirty="0">
+              <a:solidFill>
+                <a:srgbClr val="212121"/>
+              </a:solidFill>
+              <a:effectLst/>
+            </a:endParaRPr>
+          </a:p>
+        </p:txBody>
+      </p:sp>
+      <p:sp>
+        <p:nvSpPr>
+          <p:cNvPr id="6" name="TextBox 5"/>
+          <p:cNvSpPr txBox="1"/>
+          <p:nvPr/>
+        </p:nvSpPr>
+        <p:spPr>
+          <a:xfrm>
+            <a:off x="6242050" y="437890"/>
+            <a:ext cx="2672080" cy="369332"/>
+          </a:xfrm>
+          <a:prstGeom prst="rect">
+            <a:avLst/>
+          </a:prstGeom>
+          <a:noFill/>
+        </p:spPr>
+        <p:txBody>
+          <a:bodyPr wrap="square" rtlCol="0">
+            <a:spAutoFit/>
+          </a:bodyPr>
+          <a:lstStyle/>
+          <a:p>
+            <a:r>
+              <a:rPr lang="en-SG" dirty="0" smtClean="0"/>
+              <a:t>Roles &amp; Responsibilities</a:t>
+            </a:r>
+            <a:endParaRPr lang="en-SG" dirty="0"/>
+          </a:p>
+        </p:txBody>
+      </p:sp>
+      <p:sp>
+        <p:nvSpPr>
+          <p:cNvPr id="7" name="TextBox 6"/>
+          <p:cNvSpPr txBox="1"/>
+          <p:nvPr/>
+        </p:nvSpPr>
+        <p:spPr>
+          <a:xfrm>
+            <a:off x="4442050" y="434991"/>
+            <a:ext cx="1800000" cy="540000"/>
+          </a:xfrm>
+          <a:prstGeom prst="rect">
+            <a:avLst/>
+          </a:prstGeom>
+          <a:noFill/>
+        </p:spPr>
+        <p:txBody>
+          <a:bodyPr wrap="square" rtlCol="0">
+            <a:spAutoFit/>
+          </a:bodyPr>
+          <a:lstStyle/>
+          <a:p>
+            <a:pPr algn="ctr"/>
+            <a:r>
+              <a:rPr lang="en-SG" dirty="0" smtClean="0"/>
+              <a:t>Metrics</a:t>
+            </a:r>
+            <a:endParaRPr lang="en-SG" dirty="0"/>
+          </a:p>
+        </p:txBody>
+      </p:sp>
+      <p:sp>
+        <p:nvSpPr>
+          <p:cNvPr id="8" name="TextBox 7"/>
+          <p:cNvSpPr txBox="1"/>
+          <p:nvPr/>
+        </p:nvSpPr>
+        <p:spPr>
+          <a:xfrm>
+            <a:off x="9170035" y="434991"/>
+            <a:ext cx="3962400" cy="369332"/>
+          </a:xfrm>
+          <a:prstGeom prst="rect">
+            <a:avLst/>
+          </a:prstGeom>
+          <a:noFill/>
+        </p:spPr>
+        <p:txBody>
+          <a:bodyPr wrap="square" rtlCol="0">
+            <a:spAutoFit/>
+          </a:bodyPr>
+          <a:lstStyle/>
+          <a:p>
+            <a:r>
+              <a:rPr lang="en-SG" dirty="0" smtClean="0"/>
+              <a:t>PP Team &amp; Rotation Plans</a:t>
+            </a:r>
+            <a:endParaRPr lang="en-SG" dirty="0"/>
+          </a:p>
+        </p:txBody>
+      </p:sp>
+      <p:sp>
+        <p:nvSpPr>
+          <p:cNvPr id="13" name="TextBox 12"/>
+          <p:cNvSpPr txBox="1"/>
+          <p:nvPr/>
+        </p:nvSpPr>
+        <p:spPr>
+          <a:xfrm>
+            <a:off x="45720" y="1166478"/>
+            <a:ext cx="12156439" cy="523220"/>
+          </a:xfrm>
+          <a:prstGeom prst="rect">
+            <a:avLst/>
+          </a:prstGeom>
+          <a:noFill/>
+        </p:spPr>
+        <p:txBody>
+          <a:bodyPr wrap="square" rtlCol="0">
+            <a:spAutoFit/>
+          </a:bodyPr>
+          <a:lstStyle/>
+          <a:p>
+            <a:r>
+              <a:rPr lang="en-SG" sz="2800" dirty="0" smtClean="0"/>
+              <a:t>---------</a:t>
+            </a:r>
+            <a:endParaRPr lang="en-SG" sz="2800" dirty="0"/>
+          </a:p>
+        </p:txBody>
+      </p:sp>
+      <p:sp>
+        <p:nvSpPr>
+          <p:cNvPr id="14" name="Isosceles Triangle 13"/>
+          <p:cNvSpPr/>
+          <p:nvPr/>
+        </p:nvSpPr>
+        <p:spPr>
+          <a:xfrm rot="5400000">
+            <a:off x="1143000" y="1316050"/>
+            <a:ext cx="447675" cy="318098"/>
+          </a:xfrm>
+          <a:prstGeom prst="triangle">
+            <a:avLst/>
+          </a:prstGeom>
+          <a:ln>
+            <a:solidFill>
+              <a:schemeClr val="tx1"/>
+            </a:solidFill>
+          </a:ln>
+        </p:spPr>
+        <p:style>
+          <a:lnRef idx="2">
+            <a:schemeClr val="accent6"/>
+          </a:lnRef>
+          <a:fillRef idx="1">
+            <a:schemeClr val="lt1"/>
+          </a:fillRef>
+          <a:effectRef idx="0">
+            <a:schemeClr val="accent6"/>
+          </a:effectRef>
+          <a:fontRef idx="minor">
+            <a:schemeClr val="dk1"/>
+          </a:fontRef>
+        </p:style>
+        <p:txBody>
+          <a:bodyPr rtlCol="0" anchor="ctr"/>
+          <a:lstStyle/>
+          <a:p>
+            <a:pPr algn="ctr"/>
+            <a:endParaRPr lang="en-SG"/>
+          </a:p>
+        </p:txBody>
+      </p:sp>
+      <p:pic>
+        <p:nvPicPr>
+          <p:cNvPr id="17" name="Picture 16"/>
+          <p:cNvPicPr>
+            <a:picLocks noChangeAspect="1"/>
+          </p:cNvPicPr>
+          <p:nvPr/>
+        </p:nvPicPr>
+        <p:blipFill>
+          <a:blip r:embed="rId2"/>
+          <a:stretch>
+            <a:fillRect/>
+          </a:stretch>
+        </p:blipFill>
+        <p:spPr>
+          <a:xfrm>
+            <a:off x="10159" y="1689698"/>
+            <a:ext cx="12181841" cy="5168302"/>
+          </a:xfrm>
+          <a:prstGeom prst="rect">
+            <a:avLst/>
+          </a:prstGeom>
+        </p:spPr>
+      </p:pic>
     </p:spTree>
     <p:extLst>
       <p:ext uri="{BB962C8B-B14F-4D97-AF65-F5344CB8AC3E}">
@@ -17084,18 +17257,9 @@
   <p:clrMapOvr>
     <a:masterClrMapping/>
   </p:clrMapOvr>
-  <mc:AlternateContent xmlns:mc="http://schemas.openxmlformats.org/markup-compatibility/2006" xmlns:p14="http://schemas.microsoft.com/office/powerpoint/2010/main">
-    <mc:Choice Requires="p14">
-      <p:transition spd="slow" p14:dur="5000">
-        <p:push/>
-      </p:transition>
-    </mc:Choice>
-    <mc:Fallback xmlns="">
-      <p:transition spd="slow">
-        <p:push/>
-      </p:transition>
-    </mc:Fallback>
-  </mc:AlternateContent>
+  <p:transition spd="slow">
+    <p:push/>
+  </p:transition>
   <p:timing>
     <p:tnLst>
       <p:par>
@@ -17158,6 +17322,44 @@
       </p:sp>
       <p:sp>
         <p:nvSpPr>
+          <p:cNvPr id="19" name="Rectangle 18"/>
+          <p:cNvSpPr/>
+          <p:nvPr/>
+        </p:nvSpPr>
+        <p:spPr>
+          <a:xfrm>
+            <a:off x="4529819" y="309330"/>
+            <a:ext cx="1467572" cy="646331"/>
+          </a:xfrm>
+          <a:prstGeom prst="rect">
+            <a:avLst/>
+          </a:prstGeom>
+        </p:spPr>
+        <p:style>
+          <a:lnRef idx="2">
+            <a:schemeClr val="accent6"/>
+          </a:lnRef>
+          <a:fillRef idx="1">
+            <a:schemeClr val="lt1"/>
+          </a:fillRef>
+          <a:effectRef idx="0">
+            <a:schemeClr val="accent6"/>
+          </a:effectRef>
+          <a:fontRef idx="minor">
+            <a:schemeClr val="dk1"/>
+          </a:fontRef>
+        </p:style>
+        <p:txBody>
+          <a:bodyPr rtlCol="0" anchor="ctr"/>
+          <a:lstStyle/>
+          <a:p>
+            <a:pPr algn="ctr"/>
+            <a:endParaRPr lang="en-SG"/>
+          </a:p>
+        </p:txBody>
+      </p:sp>
+      <p:sp>
+        <p:nvSpPr>
           <p:cNvPr id="4" name="TextBox 3"/>
           <p:cNvSpPr txBox="1"/>
           <p:nvPr/>
@@ -17255,8 +17457,8 @@
         </p:nvSpPr>
         <p:spPr>
           <a:xfrm>
-            <a:off x="4442050" y="434991"/>
-            <a:ext cx="1800000" cy="369332"/>
+            <a:off x="4363605" y="386772"/>
+            <a:ext cx="1800000" cy="461665"/>
           </a:xfrm>
           <a:prstGeom prst="rect">
             <a:avLst/>
@@ -17271,33 +17473,19 @@
           <a:p>
             <a:pPr algn="ctr"/>
             <a:r>
-              <a:rPr lang="en-SG" dirty="0" smtClean="0">
+              <a:rPr lang="en-SG" sz="2400" b="1" dirty="0" smtClean="0">
                 <a:solidFill>
-                  <a:srgbClr val="FFFF00"/>
+                  <a:srgbClr val="212121"/>
                 </a:solidFill>
-                <a:effectLst>
-                  <a:glow rad="139700">
-                    <a:schemeClr val="accent3">
-                      <a:satMod val="175000"/>
-                      <a:alpha val="40000"/>
-                    </a:schemeClr>
-                  </a:glow>
-                </a:effectLst>
+                <a:effectLst/>
               </a:rPr>
               <a:t>Metrics</a:t>
             </a:r>
-            <a:endParaRPr lang="en-SG" dirty="0">
+            <a:endParaRPr lang="en-SG" sz="2400" b="1" dirty="0">
               <a:solidFill>
-                <a:srgbClr val="FFFF00"/>
+                <a:srgbClr val="212121"/>
               </a:solidFill>
-              <a:effectLst>
-                <a:glow rad="139700">
-                  <a:schemeClr val="accent3">
-                    <a:satMod val="175000"/>
-                    <a:alpha val="40000"/>
-                  </a:schemeClr>
-                </a:glow>
-              </a:effectLst>
+              <a:effectLst/>
             </a:endParaRPr>
           </a:p>
         </p:txBody>
@@ -17567,8 +17755,8 @@
         </p:nvSpPr>
         <p:spPr>
           <a:xfrm>
-            <a:off x="146468" y="735565"/>
-            <a:ext cx="1643399" cy="2646878"/>
+            <a:off x="214641" y="1002294"/>
+            <a:ext cx="2018502" cy="1862048"/>
           </a:xfrm>
           <a:prstGeom prst="rect">
             <a:avLst/>
@@ -17583,19 +17771,18 @@
           <a:p>
             <a:pPr algn="ctr"/>
             <a:r>
-              <a:rPr lang="en-US" sz="16600" b="0" cap="none" spc="0" dirty="0" smtClean="0">
+              <a:rPr lang="en-US" sz="11500" dirty="0" smtClean="0">
                 <a:ln w="76200">
                   <a:noFill/>
                 </a:ln>
                 <a:solidFill>
                   <a:srgbClr val="FF0000"/>
                 </a:solidFill>
-                <a:effectLst/>
               </a:rPr>
-              <a:t>0</a:t>
-            </a:r>
-            <a:r>
-              <a:rPr lang="en-US" sz="2800" b="0" cap="none" spc="0" dirty="0" smtClean="0">
+              <a:t>85</a:t>
+            </a:r>
+            <a:r>
+              <a:rPr lang="en-US" sz="2000" b="0" cap="none" spc="0" dirty="0" smtClean="0">
                 <a:ln w="76200">
                   <a:noFill/>
                 </a:ln>
@@ -17606,7 +17793,7 @@
               </a:rPr>
               <a:t>%</a:t>
             </a:r>
-            <a:endParaRPr lang="en-US" sz="2800" b="0" cap="none" spc="0" dirty="0">
+            <a:endParaRPr lang="en-US" sz="2000" b="0" cap="none" spc="0" dirty="0">
               <a:ln w="76200">
                 <a:noFill/>
               </a:ln>
@@ -17693,7 +17880,7 @@
           <p:nvPr>
             <p:extLst>
               <p:ext uri="{D42A27DB-BD31-4B8C-83A1-F6EECF244321}">
-                <p14:modId xmlns:p14="http://schemas.microsoft.com/office/powerpoint/2010/main" val="3342034342"/>
+                <p14:modId xmlns:p14="http://schemas.microsoft.com/office/powerpoint/2010/main" val="979401389"/>
               </p:ext>
             </p:extLst>
           </p:nvPr>
@@ -17745,11 +17932,11 @@
                     <a:lstStyle/>
                     <a:p>
                       <a:r>
-                        <a:rPr lang="en-SG" dirty="0" smtClean="0"/>
+                        <a:rPr lang="en-SG" b="1" dirty="0" smtClean="0"/>
                         <a:t>Low </a:t>
                       </a:r>
                       <a:r>
-                        <a:rPr lang="en-SG" dirty="0" smtClean="0">
+                        <a:rPr lang="en-SG" b="1" dirty="0" smtClean="0">
                           <a:solidFill>
                             <a:schemeClr val="accent5">
                               <a:lumMod val="75000"/>
@@ -17758,7 +17945,7 @@
                         </a:rPr>
                         <a:t>1Point</a:t>
                       </a:r>
-                      <a:endParaRPr lang="en-SG" dirty="0">
+                      <a:endParaRPr lang="en-SG" b="1" dirty="0">
                         <a:solidFill>
                           <a:schemeClr val="accent5">
                             <a:lumMod val="75000"/>
@@ -17775,14 +17962,14 @@
                     <a:lstStyle/>
                     <a:p>
                       <a:r>
-                        <a:rPr lang="en-SG" dirty="0" smtClean="0"/>
+                        <a:rPr lang="en-SG" b="1" dirty="0" smtClean="0"/>
                         <a:t>Not important.</a:t>
                       </a:r>
                       <a:r>
-                        <a:rPr lang="en-SG" baseline="0" dirty="0" smtClean="0"/>
+                        <a:rPr lang="en-SG" b="1" baseline="0" dirty="0" smtClean="0"/>
                         <a:t> [typo, alignment etc.]</a:t>
                       </a:r>
-                      <a:endParaRPr lang="en-SG" dirty="0"/>
+                      <a:endParaRPr lang="en-SG" b="1" dirty="0"/>
                     </a:p>
                   </a:txBody>
                   <a:tcPr/>
@@ -17795,13 +17982,13 @@
                     <a:lstStyle/>
                     <a:p>
                       <a:r>
-                        <a:rPr lang="en-SG" dirty="0" smtClean="0"/>
+                        <a:rPr lang="en-SG" b="1" dirty="0" smtClean="0"/>
                         <a:t>High</a:t>
                       </a:r>
                     </a:p>
                     <a:p>
                       <a:r>
-                        <a:rPr lang="en-SG" dirty="0" smtClean="0">
+                        <a:rPr lang="en-SG" b="1" dirty="0" smtClean="0">
                           <a:solidFill>
                             <a:schemeClr val="accent5">
                               <a:lumMod val="75000"/>
@@ -17811,7 +17998,7 @@
                         <a:t>5</a:t>
                       </a:r>
                       <a:r>
-                        <a:rPr lang="en-SG" baseline="0" dirty="0" smtClean="0">
+                        <a:rPr lang="en-SG" b="1" baseline="0" dirty="0" smtClean="0">
                           <a:solidFill>
                             <a:schemeClr val="accent5">
                               <a:lumMod val="75000"/>
@@ -17820,7 +18007,7 @@
                         </a:rPr>
                         <a:t> Points</a:t>
                       </a:r>
-                      <a:endParaRPr lang="en-SG" dirty="0">
+                      <a:endParaRPr lang="en-SG" b="1" dirty="0">
                         <a:solidFill>
                           <a:schemeClr val="accent5">
                             <a:lumMod val="75000"/>
@@ -17837,7 +18024,7 @@
                     <a:lstStyle/>
                     <a:p>
                       <a:r>
-                        <a:rPr lang="en-SG" dirty="0" smtClean="0">
+                        <a:rPr lang="en-SG" b="1" dirty="0" smtClean="0">
                           <a:solidFill>
                             <a:schemeClr val="bg2"/>
                           </a:solidFill>
@@ -17845,14 +18032,14 @@
                         <a:t>System runs but some functions not working. Fix</a:t>
                       </a:r>
                       <a:r>
-                        <a:rPr lang="en-SG" baseline="0" dirty="0" smtClean="0">
+                        <a:rPr lang="en-SG" b="1" baseline="0" dirty="0" smtClean="0">
                           <a:solidFill>
                             <a:schemeClr val="bg2"/>
                           </a:solidFill>
                         </a:rPr>
                         <a:t> during planned debugging </a:t>
                       </a:r>
-                      <a:endParaRPr lang="en-SG" dirty="0">
+                      <a:endParaRPr lang="en-SG" b="1" dirty="0">
                         <a:solidFill>
                           <a:schemeClr val="bg2"/>
                         </a:solidFill>
@@ -17869,13 +18056,13 @@
                     <a:lstStyle/>
                     <a:p>
                       <a:r>
-                        <a:rPr lang="en-SG" dirty="0" smtClean="0"/>
+                        <a:rPr lang="en-SG" b="1" dirty="0" smtClean="0"/>
                         <a:t>Critical</a:t>
                       </a:r>
                     </a:p>
                     <a:p>
                       <a:r>
-                        <a:rPr lang="en-SG" dirty="0" smtClean="0">
+                        <a:rPr lang="en-SG" b="1" dirty="0" smtClean="0">
                           <a:solidFill>
                             <a:schemeClr val="accent5">
                               <a:lumMod val="75000"/>
@@ -17885,7 +18072,7 @@
                         <a:t>10</a:t>
                       </a:r>
                       <a:r>
-                        <a:rPr lang="en-SG" baseline="0" dirty="0" smtClean="0">
+                        <a:rPr lang="en-SG" b="1" baseline="0" dirty="0" smtClean="0">
                           <a:solidFill>
                             <a:schemeClr val="accent5">
                               <a:lumMod val="75000"/>
@@ -17894,7 +18081,7 @@
                         </a:rPr>
                         <a:t> Points</a:t>
                       </a:r>
-                      <a:endParaRPr lang="en-SG" dirty="0">
+                      <a:endParaRPr lang="en-SG" b="1" dirty="0">
                         <a:solidFill>
                           <a:schemeClr val="accent5">
                             <a:lumMod val="75000"/>
@@ -17911,7 +18098,7 @@
                     <a:lstStyle/>
                     <a:p>
                       <a:r>
-                        <a:rPr lang="en-SG" dirty="0" smtClean="0">
+                        <a:rPr lang="en-SG" b="1" dirty="0" smtClean="0">
                           <a:solidFill>
                             <a:schemeClr val="bg2"/>
                           </a:solidFill>
@@ -17919,14 +18106,14 @@
                         <a:t>System down. Fix</a:t>
                       </a:r>
                       <a:r>
-                        <a:rPr lang="en-SG" baseline="0" dirty="0" smtClean="0">
+                        <a:rPr lang="en-SG" b="1" baseline="0" dirty="0" smtClean="0">
                           <a:solidFill>
                             <a:schemeClr val="bg2"/>
                           </a:solidFill>
                         </a:rPr>
                         <a:t> before continue </a:t>
                       </a:r>
-                      <a:endParaRPr lang="en-SG" dirty="0">
+                      <a:endParaRPr lang="en-SG" b="1" dirty="0">
                         <a:solidFill>
                           <a:schemeClr val="bg2"/>
                         </a:solidFill>
@@ -18084,7 +18271,20 @@
                   <a:srgbClr val="212121"/>
                 </a:solidFill>
               </a:rPr>
-              <a:t>estimated task]</a:t>
+              <a:t>estimated task</a:t>
+            </a:r>
+            <a:r>
+              <a:rPr lang="en-SG" sz="3200" dirty="0" smtClean="0">
+                <a:ln>
+                  <a:solidFill>
+                    <a:schemeClr val="bg1"/>
+                  </a:solidFill>
+                </a:ln>
+                <a:solidFill>
+                  <a:srgbClr val="212121"/>
+                </a:solidFill>
+              </a:rPr>
+              <a:t>]</a:t>
             </a:r>
           </a:p>
           <a:p>

--- a/presentations/pmReview.pptx
+++ b/presentations/pmReview.pptx
@@ -13172,7 +13172,15 @@
                   <a:srgbClr val="002060"/>
                 </a:solidFill>
               </a:rPr>
-              <a:t> 3</a:t>
+              <a:t> </a:t>
+            </a:r>
+            <a:r>
+              <a:rPr lang="en-SG" sz="2800" b="1" dirty="0" smtClean="0">
+                <a:solidFill>
+                  <a:srgbClr val="002060"/>
+                </a:solidFill>
+              </a:rPr>
+              <a:t>3</a:t>
             </a:r>
           </a:p>
           <a:p>
@@ -17247,6 +17255,70 @@
           </a:prstGeom>
         </p:spPr>
       </p:pic>
+      <p:sp>
+        <p:nvSpPr>
+          <p:cNvPr id="2" name="Rounded Rectangle 1"/>
+          <p:cNvSpPr/>
+          <p:nvPr/>
+        </p:nvSpPr>
+        <p:spPr>
+          <a:xfrm>
+            <a:off x="880110" y="934021"/>
+            <a:ext cx="11311889" cy="755677"/>
+          </a:xfrm>
+          <a:prstGeom prst="roundRect">
+            <a:avLst>
+              <a:gd name="adj" fmla="val 0"/>
+            </a:avLst>
+          </a:prstGeom>
+        </p:spPr>
+        <p:style>
+          <a:lnRef idx="2">
+            <a:schemeClr val="accent1"/>
+          </a:lnRef>
+          <a:fillRef idx="1">
+            <a:schemeClr val="lt1"/>
+          </a:fillRef>
+          <a:effectRef idx="0">
+            <a:schemeClr val="accent1"/>
+          </a:effectRef>
+          <a:fontRef idx="minor">
+            <a:schemeClr val="dk1"/>
+          </a:fontRef>
+        </p:style>
+        <p:txBody>
+          <a:bodyPr rtlCol="0" anchor="ctr"/>
+          <a:lstStyle/>
+          <a:p>
+            <a:pPr algn="ctr"/>
+            <a:r>
+              <a:rPr lang="en-SG" sz="2400" b="1" dirty="0" smtClean="0">
+                <a:solidFill>
+                  <a:schemeClr val="bg2"/>
+                </a:solidFill>
+              </a:rPr>
+              <a:t>Along the path: </a:t>
+            </a:r>
+            <a:r>
+              <a:rPr lang="en-SG" sz="2400" b="1" dirty="0" smtClean="0">
+                <a:solidFill>
+                  <a:schemeClr val="bg2"/>
+                </a:solidFill>
+                <a:sym typeface="Wingdings" panose="05000000000000000000" pitchFamily="2" charset="2"/>
+              </a:rPr>
+              <a:t> </a:t>
+            </a:r>
+            <a:r>
+              <a:rPr lang="en-SG" sz="2400" b="1" dirty="0" smtClean="0">
+                <a:solidFill>
+                  <a:schemeClr val="bg2"/>
+                </a:solidFill>
+              </a:rPr>
+              <a:t>Test Locally &gt;&gt; Integrate &gt;&gt; Deploy &gt;&gt; Regression Testing</a:t>
+            </a:r>
+          </a:p>
+        </p:txBody>
+      </p:sp>
     </p:spTree>
     <p:extLst>
       <p:ext uri="{BB962C8B-B14F-4D97-AF65-F5344CB8AC3E}">
@@ -17263,9 +17335,88 @@
   <p:timing>
     <p:tnLst>
       <p:par>
-        <p:cTn id="1" dur="indefinite" restart="never" nodeType="tmRoot"/>
+        <p:cTn id="1" dur="indefinite" restart="never" nodeType="tmRoot">
+          <p:childTnLst>
+            <p:seq concurrent="1" nextAc="seek">
+              <p:cTn id="2" dur="indefinite" nodeType="mainSeq">
+                <p:childTnLst>
+                  <p:par>
+                    <p:cTn id="3" fill="hold">
+                      <p:stCondLst>
+                        <p:cond delay="indefinite"/>
+                      </p:stCondLst>
+                      <p:childTnLst>
+                        <p:par>
+                          <p:cTn id="4" fill="hold">
+                            <p:stCondLst>
+                              <p:cond delay="0"/>
+                            </p:stCondLst>
+                            <p:childTnLst>
+                              <p:par>
+                                <p:cTn id="5" presetID="10" presetClass="entr" presetSubtype="0" fill="hold" grpId="0" nodeType="clickEffect">
+                                  <p:stCondLst>
+                                    <p:cond delay="0"/>
+                                  </p:stCondLst>
+                                  <p:childTnLst>
+                                    <p:set>
+                                      <p:cBhvr>
+                                        <p:cTn id="6" dur="1" fill="hold">
+                                          <p:stCondLst>
+                                            <p:cond delay="0"/>
+                                          </p:stCondLst>
+                                        </p:cTn>
+                                        <p:tgtEl>
+                                          <p:spTgt spid="2"/>
+                                        </p:tgtEl>
+                                        <p:attrNameLst>
+                                          <p:attrName>style.visibility</p:attrName>
+                                        </p:attrNameLst>
+                                      </p:cBhvr>
+                                      <p:to>
+                                        <p:strVal val="visible"/>
+                                      </p:to>
+                                    </p:set>
+                                    <p:animEffect transition="in" filter="fade">
+                                      <p:cBhvr>
+                                        <p:cTn id="7" dur="500"/>
+                                        <p:tgtEl>
+                                          <p:spTgt spid="2"/>
+                                        </p:tgtEl>
+                                      </p:cBhvr>
+                                    </p:animEffect>
+                                  </p:childTnLst>
+                                </p:cTn>
+                              </p:par>
+                            </p:childTnLst>
+                          </p:cTn>
+                        </p:par>
+                      </p:childTnLst>
+                    </p:cTn>
+                  </p:par>
+                </p:childTnLst>
+              </p:cTn>
+              <p:prevCondLst>
+                <p:cond evt="onPrev" delay="0">
+                  <p:tgtEl>
+                    <p:sldTgt/>
+                  </p:tgtEl>
+                </p:cond>
+              </p:prevCondLst>
+              <p:nextCondLst>
+                <p:cond evt="onNext" delay="0">
+                  <p:tgtEl>
+                    <p:sldTgt/>
+                  </p:tgtEl>
+                </p:cond>
+              </p:nextCondLst>
+            </p:seq>
+          </p:childTnLst>
+        </p:cTn>
       </p:par>
     </p:tnLst>
+    <p:bldLst>
+      <p:bldP spid="2" grpId="0" animBg="1"/>
+    </p:bldLst>
   </p:timing>
 </p:sld>
 </file>
@@ -17755,8 +17906,8 @@
         </p:nvSpPr>
         <p:spPr>
           <a:xfrm>
-            <a:off x="214641" y="1002294"/>
-            <a:ext cx="2018502" cy="1862048"/>
+            <a:off x="179980" y="1554704"/>
+            <a:ext cx="2113079" cy="1200329"/>
           </a:xfrm>
           <a:prstGeom prst="rect">
             <a:avLst/>
@@ -17771,7 +17922,7 @@
           <a:p>
             <a:pPr algn="ctr"/>
             <a:r>
-              <a:rPr lang="en-US" sz="11500" dirty="0" smtClean="0">
+              <a:rPr lang="en-US" sz="7200" dirty="0" smtClean="0">
                 <a:ln w="76200">
                   <a:noFill/>
                 </a:ln>
@@ -17779,10 +17930,10 @@
                   <a:srgbClr val="FF0000"/>
                 </a:solidFill>
               </a:rPr>
-              <a:t>85</a:t>
-            </a:r>
-            <a:r>
-              <a:rPr lang="en-US" sz="2000" b="0" cap="none" spc="0" dirty="0" smtClean="0">
+              <a:t>90.5</a:t>
+            </a:r>
+            <a:r>
+              <a:rPr lang="en-US" sz="1200" b="0" cap="none" spc="0" dirty="0" smtClean="0">
                 <a:ln w="76200">
                   <a:noFill/>
                 </a:ln>
@@ -17793,7 +17944,7 @@
               </a:rPr>
               <a:t>%</a:t>
             </a:r>
-            <a:endParaRPr lang="en-US" sz="2000" b="0" cap="none" spc="0" dirty="0">
+            <a:endParaRPr lang="en-US" sz="1200" b="0" cap="none" spc="0" dirty="0">
               <a:ln w="76200">
                 <a:noFill/>
               </a:ln>
@@ -17880,7 +18031,7 @@
           <p:nvPr>
             <p:extLst>
               <p:ext uri="{D42A27DB-BD31-4B8C-83A1-F6EECF244321}">
-                <p14:modId xmlns:p14="http://schemas.microsoft.com/office/powerpoint/2010/main" val="979401389"/>
+                <p14:modId xmlns:p14="http://schemas.microsoft.com/office/powerpoint/2010/main" val="165693521"/>
               </p:ext>
             </p:extLst>
           </p:nvPr>
@@ -17963,7 +18114,7 @@
                     <a:p>
                       <a:r>
                         <a:rPr lang="en-SG" b="1" dirty="0" smtClean="0"/>
-                        <a:t>Not important.</a:t>
+                        <a:t>Not important</a:t>
                       </a:r>
                       <a:r>
                         <a:rPr lang="en-SG" b="1" baseline="0" dirty="0" smtClean="0"/>
@@ -18313,9 +18464,88 @@
   <p:timing>
     <p:tnLst>
       <p:par>
-        <p:cTn id="1" dur="indefinite" restart="never" nodeType="tmRoot"/>
+        <p:cTn id="1" dur="indefinite" restart="never" nodeType="tmRoot">
+          <p:childTnLst>
+            <p:seq concurrent="1" nextAc="seek">
+              <p:cTn id="2" dur="indefinite" nodeType="mainSeq">
+                <p:childTnLst>
+                  <p:par>
+                    <p:cTn id="3" fill="hold">
+                      <p:stCondLst>
+                        <p:cond delay="indefinite"/>
+                      </p:stCondLst>
+                      <p:childTnLst>
+                        <p:par>
+                          <p:cTn id="4" fill="hold">
+                            <p:stCondLst>
+                              <p:cond delay="0"/>
+                            </p:stCondLst>
+                            <p:childTnLst>
+                              <p:par>
+                                <p:cTn id="5" presetID="10" presetClass="entr" presetSubtype="0" fill="hold" grpId="0" nodeType="clickEffect">
+                                  <p:stCondLst>
+                                    <p:cond delay="0"/>
+                                  </p:stCondLst>
+                                  <p:childTnLst>
+                                    <p:set>
+                                      <p:cBhvr>
+                                        <p:cTn id="6" dur="1" fill="hold">
+                                          <p:stCondLst>
+                                            <p:cond delay="0"/>
+                                          </p:stCondLst>
+                                        </p:cTn>
+                                        <p:tgtEl>
+                                          <p:spTgt spid="20"/>
+                                        </p:tgtEl>
+                                        <p:attrNameLst>
+                                          <p:attrName>style.visibility</p:attrName>
+                                        </p:attrNameLst>
+                                      </p:cBhvr>
+                                      <p:to>
+                                        <p:strVal val="visible"/>
+                                      </p:to>
+                                    </p:set>
+                                    <p:animEffect transition="in" filter="fade">
+                                      <p:cBhvr>
+                                        <p:cTn id="7" dur="500"/>
+                                        <p:tgtEl>
+                                          <p:spTgt spid="20"/>
+                                        </p:tgtEl>
+                                      </p:cBhvr>
+                                    </p:animEffect>
+                                  </p:childTnLst>
+                                </p:cTn>
+                              </p:par>
+                            </p:childTnLst>
+                          </p:cTn>
+                        </p:par>
+                      </p:childTnLst>
+                    </p:cTn>
+                  </p:par>
+                </p:childTnLst>
+              </p:cTn>
+              <p:prevCondLst>
+                <p:cond evt="onPrev" delay="0">
+                  <p:tgtEl>
+                    <p:sldTgt/>
+                  </p:tgtEl>
+                </p:cond>
+              </p:prevCondLst>
+              <p:nextCondLst>
+                <p:cond evt="onNext" delay="0">
+                  <p:tgtEl>
+                    <p:sldTgt/>
+                  </p:tgtEl>
+                </p:cond>
+              </p:nextCondLst>
+            </p:seq>
+          </p:childTnLst>
+        </p:cTn>
       </p:par>
     </p:tnLst>
+    <p:bldLst>
+      <p:bldP spid="20" grpId="0"/>
+    </p:bldLst>
   </p:timing>
 </p:sld>
 </file>
